--- a/1slide_writeup.pptx
+++ b/1slide_writeup.pptx
@@ -5399,7 +5399,7 @@
         </p:nvSpPr>
         <p:spPr>
           <a:xfrm>
-            <a:off x="209550" y="534900"/>
+            <a:off x="209550" y="504012"/>
             <a:ext cx="8724900" cy="4608600"/>
           </a:xfrm>
           <a:prstGeom prst="rect">
@@ -5430,9 +5430,6 @@
                 <a:solidFill>
                   <a:schemeClr val="dk1"/>
                 </a:solidFill>
-                <a:highlight>
-                  <a:srgbClr val="FAFAFA"/>
-                </a:highlight>
                 <a:latin typeface="Times New Roman"/>
                 <a:ea typeface="Times New Roman"/>
                 <a:cs typeface="Times New Roman"/>
@@ -5444,9 +5441,6 @@
               <a:solidFill>
                 <a:schemeClr val="dk1"/>
               </a:solidFill>
-              <a:highlight>
-                <a:srgbClr val="FAFAFA"/>
-              </a:highlight>
               <a:latin typeface="Times New Roman"/>
               <a:ea typeface="Times New Roman"/>
               <a:cs typeface="Times New Roman"/>
@@ -5468,9 +5462,6 @@
                 <a:solidFill>
                   <a:schemeClr val="dk1"/>
                 </a:solidFill>
-                <a:highlight>
-                  <a:srgbClr val="FAFAFA"/>
-                </a:highlight>
                 <a:latin typeface="Times New Roman"/>
                 <a:ea typeface="Times New Roman"/>
                 <a:cs typeface="Times New Roman"/>
@@ -5482,9 +5473,6 @@
               <a:solidFill>
                 <a:schemeClr val="dk1"/>
               </a:solidFill>
-              <a:highlight>
-                <a:srgbClr val="FAFAFA"/>
-              </a:highlight>
               <a:latin typeface="Times New Roman"/>
               <a:ea typeface="Times New Roman"/>
               <a:cs typeface="Times New Roman"/>
@@ -5511,9 +5499,6 @@
                 <a:solidFill>
                   <a:schemeClr val="dk1"/>
                 </a:solidFill>
-                <a:highlight>
-                  <a:srgbClr val="FAFAFA"/>
-                </a:highlight>
                 <a:latin typeface="Times New Roman"/>
                 <a:ea typeface="Times New Roman"/>
                 <a:cs typeface="Times New Roman"/>
@@ -5525,9 +5510,6 @@
               <a:solidFill>
                 <a:schemeClr val="dk1"/>
               </a:solidFill>
-              <a:highlight>
-                <a:srgbClr val="FAFAFA"/>
-              </a:highlight>
               <a:latin typeface="Times New Roman"/>
               <a:ea typeface="Times New Roman"/>
               <a:cs typeface="Times New Roman"/>
@@ -5549,9 +5531,6 @@
                 <a:solidFill>
                   <a:schemeClr val="dk1"/>
                 </a:solidFill>
-                <a:highlight>
-                  <a:srgbClr val="FAFAFA"/>
-                </a:highlight>
                 <a:latin typeface="Times New Roman"/>
                 <a:ea typeface="Times New Roman"/>
                 <a:cs typeface="Times New Roman"/>
@@ -5563,9 +5542,6 @@
               <a:solidFill>
                 <a:schemeClr val="dk1"/>
               </a:solidFill>
-              <a:highlight>
-                <a:srgbClr val="FAFAFA"/>
-              </a:highlight>
               <a:latin typeface="Times New Roman"/>
               <a:ea typeface="Times New Roman"/>
               <a:cs typeface="Times New Roman"/>
@@ -5592,23 +5568,17 @@
                 <a:solidFill>
                   <a:schemeClr val="dk1"/>
                 </a:solidFill>
-                <a:highlight>
-                  <a:srgbClr val="FAFAFA"/>
-                </a:highlight>
                 <a:latin typeface="Times New Roman"/>
                 <a:ea typeface="Times New Roman"/>
                 <a:cs typeface="Times New Roman"/>
                 <a:sym typeface="Times New Roman"/>
               </a:rPr>
-              <a:t>noise in low frequency, </a:t>
+              <a:t>noise in low frequency</a:t>
             </a:r>
             <a:endParaRPr sz="1600">
               <a:solidFill>
                 <a:schemeClr val="dk1"/>
               </a:solidFill>
-              <a:highlight>
-                <a:srgbClr val="FAFAFA"/>
-              </a:highlight>
               <a:latin typeface="Times New Roman"/>
               <a:ea typeface="Times New Roman"/>
               <a:cs typeface="Times New Roman"/>
@@ -5635,9 +5605,6 @@
                 <a:solidFill>
                   <a:schemeClr val="dk1"/>
                 </a:solidFill>
-                <a:highlight>
-                  <a:srgbClr val="FAFAFA"/>
-                </a:highlight>
                 <a:latin typeface="Times New Roman"/>
                 <a:ea typeface="Times New Roman"/>
                 <a:cs typeface="Times New Roman"/>
@@ -5649,9 +5616,6 @@
               <a:solidFill>
                 <a:schemeClr val="dk1"/>
               </a:solidFill>
-              <a:highlight>
-                <a:srgbClr val="FAFAFA"/>
-              </a:highlight>
               <a:latin typeface="Times New Roman"/>
               <a:ea typeface="Times New Roman"/>
               <a:cs typeface="Times New Roman"/>
@@ -5659,7 +5623,7 @@
             </a:endParaRPr>
           </a:p>
           <a:p>
-            <a:pPr indent="0" lvl="0" marL="0" rtl="0">
+            <a:pPr indent="0" lvl="0" marL="0">
               <a:spcBef>
                 <a:spcPts val="0"/>
               </a:spcBef>
@@ -5673,9 +5637,6 @@
                 <a:solidFill>
                   <a:schemeClr val="dk1"/>
                 </a:solidFill>
-                <a:highlight>
-                  <a:srgbClr val="FAFAFA"/>
-                </a:highlight>
                 <a:latin typeface="Times New Roman"/>
                 <a:ea typeface="Times New Roman"/>
                 <a:cs typeface="Times New Roman"/>
@@ -5687,9 +5648,6 @@
               <a:solidFill>
                 <a:schemeClr val="dk1"/>
               </a:solidFill>
-              <a:highlight>
-                <a:srgbClr val="FAFAFA"/>
-              </a:highlight>
               <a:latin typeface="Times New Roman"/>
               <a:ea typeface="Times New Roman"/>
               <a:cs typeface="Times New Roman"/>
@@ -5697,7 +5655,7 @@
             </a:endParaRPr>
           </a:p>
           <a:p>
-            <a:pPr indent="0" lvl="0" marL="0" rtl="0">
+            <a:pPr indent="0" lvl="0" marL="0">
               <a:spcBef>
                 <a:spcPts val="0"/>
               </a:spcBef>
@@ -5711,9 +5669,6 @@
                 <a:solidFill>
                   <a:schemeClr val="dk1"/>
                 </a:solidFill>
-                <a:highlight>
-                  <a:srgbClr val="FAFAFA"/>
-                </a:highlight>
                 <a:latin typeface="Times New Roman"/>
                 <a:ea typeface="Times New Roman"/>
                 <a:cs typeface="Times New Roman"/>
@@ -5726,9 +5681,6 @@
                 <a:solidFill>
                   <a:schemeClr val="dk1"/>
                 </a:solidFill>
-                <a:highlight>
-                  <a:srgbClr val="FAFAFA"/>
-                </a:highlight>
                 <a:latin typeface="Times New Roman"/>
                 <a:ea typeface="Times New Roman"/>
                 <a:cs typeface="Times New Roman"/>
@@ -5741,9 +5693,6 @@
                 <a:solidFill>
                   <a:schemeClr val="dk1"/>
                 </a:solidFill>
-                <a:highlight>
-                  <a:srgbClr val="FAFAFA"/>
-                </a:highlight>
                 <a:latin typeface="Times New Roman"/>
                 <a:ea typeface="Times New Roman"/>
                 <a:cs typeface="Times New Roman"/>
@@ -5756,9 +5705,6 @@
                 <a:solidFill>
                   <a:schemeClr val="dk1"/>
                 </a:solidFill>
-                <a:highlight>
-                  <a:srgbClr val="FAFAFA"/>
-                </a:highlight>
                 <a:latin typeface="Times New Roman"/>
                 <a:ea typeface="Times New Roman"/>
                 <a:cs typeface="Times New Roman"/>
@@ -5771,9 +5717,6 @@
                 <a:solidFill>
                   <a:schemeClr val="dk1"/>
                 </a:solidFill>
-                <a:highlight>
-                  <a:srgbClr val="FAFAFA"/>
-                </a:highlight>
                 <a:latin typeface="Times New Roman"/>
                 <a:ea typeface="Times New Roman"/>
                 <a:cs typeface="Times New Roman"/>
@@ -5785,9 +5728,6 @@
               <a:solidFill>
                 <a:schemeClr val="dk1"/>
               </a:solidFill>
-              <a:highlight>
-                <a:srgbClr val="FAFAFA"/>
-              </a:highlight>
               <a:latin typeface="Times New Roman"/>
               <a:ea typeface="Times New Roman"/>
               <a:cs typeface="Times New Roman"/>
@@ -5805,15 +5745,21 @@
               <a:buNone/>
             </a:pPr>
             <a:r>
-              <a:t/>
+              <a:rPr lang="en-GB" sz="1600">
+                <a:solidFill>
+                  <a:schemeClr val="dk1"/>
+                </a:solidFill>
+                <a:latin typeface="Times New Roman"/>
+                <a:ea typeface="Times New Roman"/>
+                <a:cs typeface="Times New Roman"/>
+                <a:sym typeface="Times New Roman"/>
+              </a:rPr>
+              <a:t>Each token plays for 0.75s </a:t>
             </a:r>
-            <a:endParaRPr>
+            <a:endParaRPr b="1" sz="1600">
               <a:solidFill>
                 <a:schemeClr val="dk1"/>
               </a:solidFill>
-              <a:highlight>
-                <a:srgbClr val="FAFAFA"/>
-              </a:highlight>
               <a:latin typeface="Times New Roman"/>
               <a:ea typeface="Times New Roman"/>
               <a:cs typeface="Times New Roman"/>
@@ -5831,13 +5777,33 @@
               <a:buNone/>
             </a:pPr>
             <a:r>
+              <a:t/>
+            </a:r>
+            <a:endParaRPr sz="600">
+              <a:solidFill>
+                <a:schemeClr val="dk1"/>
+              </a:solidFill>
+              <a:latin typeface="Times New Roman"/>
+              <a:ea typeface="Times New Roman"/>
+              <a:cs typeface="Times New Roman"/>
+              <a:sym typeface="Times New Roman"/>
+            </a:endParaRPr>
+          </a:p>
+          <a:p>
+            <a:pPr indent="0" lvl="0" marL="0" rtl="0">
+              <a:spcBef>
+                <a:spcPts val="0"/>
+              </a:spcBef>
+              <a:spcAft>
+                <a:spcPts val="0"/>
+              </a:spcAft>
+              <a:buNone/>
+            </a:pPr>
+            <a:r>
               <a:rPr b="1" lang="en-GB" sz="1600">
                 <a:solidFill>
                   <a:schemeClr val="dk1"/>
                 </a:solidFill>
-                <a:highlight>
-                  <a:srgbClr val="FAFAFA"/>
-                </a:highlight>
                 <a:latin typeface="Times New Roman"/>
                 <a:ea typeface="Times New Roman"/>
                 <a:cs typeface="Times New Roman"/>
@@ -5849,9 +5815,6 @@
               <a:solidFill>
                 <a:schemeClr val="dk1"/>
               </a:solidFill>
-              <a:highlight>
-                <a:srgbClr val="FAFAFA"/>
-              </a:highlight>
               <a:latin typeface="Times New Roman"/>
               <a:ea typeface="Times New Roman"/>
               <a:cs typeface="Times New Roman"/>
@@ -5873,9 +5836,6 @@
                 <a:solidFill>
                   <a:schemeClr val="dk1"/>
                 </a:solidFill>
-                <a:highlight>
-                  <a:srgbClr val="FAFAFA"/>
-                </a:highlight>
                 <a:latin typeface="Times New Roman"/>
                 <a:ea typeface="Times New Roman"/>
                 <a:cs typeface="Times New Roman"/>
@@ -5887,9 +5847,6 @@
               <a:solidFill>
                 <a:schemeClr val="dk1"/>
               </a:solidFill>
-              <a:highlight>
-                <a:srgbClr val="FAFAFA"/>
-              </a:highlight>
               <a:latin typeface="Times New Roman"/>
               <a:ea typeface="Times New Roman"/>
               <a:cs typeface="Times New Roman"/>
@@ -5911,9 +5868,6 @@
                 <a:solidFill>
                   <a:schemeClr val="dk1"/>
                 </a:solidFill>
-                <a:highlight>
-                  <a:srgbClr val="FAFAFA"/>
-                </a:highlight>
                 <a:latin typeface="Times New Roman"/>
                 <a:ea typeface="Times New Roman"/>
                 <a:cs typeface="Times New Roman"/>
@@ -5925,47 +5879,6 @@
               <a:solidFill>
                 <a:schemeClr val="dk1"/>
               </a:solidFill>
-              <a:highlight>
-                <a:srgbClr val="FAFAFA"/>
-              </a:highlight>
-              <a:latin typeface="Times New Roman"/>
-              <a:ea typeface="Times New Roman"/>
-              <a:cs typeface="Times New Roman"/>
-              <a:sym typeface="Times New Roman"/>
-            </a:endParaRPr>
-          </a:p>
-          <a:p>
-            <a:pPr indent="0" lvl="0" marL="0">
-              <a:spcBef>
-                <a:spcPts val="0"/>
-              </a:spcBef>
-              <a:spcAft>
-                <a:spcPts val="0"/>
-              </a:spcAft>
-              <a:buNone/>
-            </a:pPr>
-            <a:r>
-              <a:rPr lang="en-GB" sz="1600">
-                <a:solidFill>
-                  <a:schemeClr val="dk1"/>
-                </a:solidFill>
-                <a:highlight>
-                  <a:srgbClr val="FAFAFA"/>
-                </a:highlight>
-                <a:latin typeface="Times New Roman"/>
-                <a:ea typeface="Times New Roman"/>
-                <a:cs typeface="Times New Roman"/>
-                <a:sym typeface="Times New Roman"/>
-              </a:rPr>
-              <a:t>For every 2560 values,</a:t>
-            </a:r>
-            <a:endParaRPr sz="1600">
-              <a:solidFill>
-                <a:schemeClr val="dk1"/>
-              </a:solidFill>
-              <a:highlight>
-                <a:srgbClr val="FAFAFA"/>
-              </a:highlight>
               <a:latin typeface="Times New Roman"/>
               <a:ea typeface="Times New Roman"/>
               <a:cs typeface="Times New Roman"/>
@@ -5987,23 +5900,17 @@
                 <a:solidFill>
                   <a:schemeClr val="dk1"/>
                 </a:solidFill>
-                <a:highlight>
-                  <a:srgbClr val="FAFAFA"/>
-                </a:highlight>
                 <a:latin typeface="Times New Roman"/>
                 <a:ea typeface="Times New Roman"/>
                 <a:cs typeface="Times New Roman"/>
                 <a:sym typeface="Times New Roman"/>
               </a:rPr>
-              <a:t>	Take 5 windows of 2048, spaced evenly away, and apply Hann window</a:t>
+              <a:t>For every 2560 values:</a:t>
             </a:r>
             <a:endParaRPr sz="1600">
               <a:solidFill>
                 <a:schemeClr val="dk1"/>
               </a:solidFill>
-              <a:highlight>
-                <a:srgbClr val="FAFAFA"/>
-              </a:highlight>
               <a:latin typeface="Times New Roman"/>
               <a:ea typeface="Times New Roman"/>
               <a:cs typeface="Times New Roman"/>
@@ -6011,147 +5918,7 @@
             </a:endParaRPr>
           </a:p>
           <a:p>
-            <a:pPr indent="457200" lvl="0" marL="0" rtl="0">
-              <a:spcBef>
-                <a:spcPts val="0"/>
-              </a:spcBef>
-              <a:spcAft>
-                <a:spcPts val="0"/>
-              </a:spcAft>
-              <a:buNone/>
-            </a:pPr>
-            <a:r>
-              <a:rPr lang="en-GB" sz="1600">
-                <a:solidFill>
-                  <a:schemeClr val="dk1"/>
-                </a:solidFill>
-                <a:highlight>
-                  <a:srgbClr val="FAFAFA"/>
-                </a:highlight>
-                <a:latin typeface="Times New Roman"/>
-                <a:ea typeface="Times New Roman"/>
-                <a:cs typeface="Times New Roman"/>
-                <a:sym typeface="Times New Roman"/>
-              </a:rPr>
-              <a:t>Perform FFT on all windows &amp; take the average</a:t>
-            </a:r>
-            <a:endParaRPr sz="1600">
-              <a:solidFill>
-                <a:schemeClr val="dk1"/>
-              </a:solidFill>
-              <a:highlight>
-                <a:srgbClr val="FAFAFA"/>
-              </a:highlight>
-              <a:latin typeface="Times New Roman"/>
-              <a:ea typeface="Times New Roman"/>
-              <a:cs typeface="Times New Roman"/>
-              <a:sym typeface="Times New Roman"/>
-            </a:endParaRPr>
-          </a:p>
-          <a:p>
-            <a:pPr indent="0" lvl="0" marL="0" rtl="0">
-              <a:spcBef>
-                <a:spcPts val="0"/>
-              </a:spcBef>
-              <a:spcAft>
-                <a:spcPts val="0"/>
-              </a:spcAft>
-              <a:buNone/>
-            </a:pPr>
-            <a:r>
-              <a:t/>
-            </a:r>
-            <a:endParaRPr>
-              <a:solidFill>
-                <a:schemeClr val="dk1"/>
-              </a:solidFill>
-              <a:highlight>
-                <a:srgbClr val="FAFAFA"/>
-              </a:highlight>
-              <a:latin typeface="Times New Roman"/>
-              <a:ea typeface="Times New Roman"/>
-              <a:cs typeface="Times New Roman"/>
-              <a:sym typeface="Times New Roman"/>
-            </a:endParaRPr>
-          </a:p>
-          <a:p>
-            <a:pPr indent="0" lvl="0" marL="0" rtl="0">
-              <a:spcBef>
-                <a:spcPts val="0"/>
-              </a:spcBef>
-              <a:spcAft>
-                <a:spcPts val="0"/>
-              </a:spcAft>
-              <a:buNone/>
-            </a:pPr>
-            <a:r>
-              <a:rPr b="1" lang="en-GB" sz="1600">
-                <a:solidFill>
-                  <a:schemeClr val="dk1"/>
-                </a:solidFill>
-                <a:highlight>
-                  <a:srgbClr val="FAFAFA"/>
-                </a:highlight>
-                <a:latin typeface="Times New Roman"/>
-                <a:ea typeface="Times New Roman"/>
-                <a:cs typeface="Times New Roman"/>
-                <a:sym typeface="Times New Roman"/>
-              </a:rPr>
-              <a:t>Eliminating noise:</a:t>
-            </a:r>
-            <a:endParaRPr b="1" sz="1600">
-              <a:solidFill>
-                <a:schemeClr val="dk1"/>
-              </a:solidFill>
-              <a:highlight>
-                <a:srgbClr val="FAFAFA"/>
-              </a:highlight>
-              <a:latin typeface="Times New Roman"/>
-              <a:ea typeface="Times New Roman"/>
-              <a:cs typeface="Times New Roman"/>
-              <a:sym typeface="Times New Roman"/>
-            </a:endParaRPr>
-          </a:p>
-          <a:p>
-            <a:pPr indent="0" lvl="0" marL="0" rtl="0">
-              <a:spcBef>
-                <a:spcPts val="0"/>
-              </a:spcBef>
-              <a:spcAft>
-                <a:spcPts val="0"/>
-              </a:spcAft>
-              <a:buNone/>
-            </a:pPr>
-            <a:r>
-              <a:rPr lang="en-GB" sz="1600">
-                <a:solidFill>
-                  <a:schemeClr val="dk1"/>
-                </a:solidFill>
-                <a:highlight>
-                  <a:srgbClr val="FAFAFA"/>
-                </a:highlight>
-                <a:latin typeface="Times New Roman"/>
-                <a:ea typeface="Times New Roman"/>
-                <a:cs typeface="Times New Roman"/>
-                <a:sym typeface="Times New Roman"/>
-              </a:rPr>
-              <a:t>Drop all characters that don’t come in at least pairs.</a:t>
-            </a:r>
-            <a:endParaRPr sz="1600">
-              <a:solidFill>
-                <a:schemeClr val="dk1"/>
-              </a:solidFill>
-              <a:highlight>
-                <a:srgbClr val="FAFAFA"/>
-              </a:highlight>
-              <a:latin typeface="Times New Roman"/>
-              <a:ea typeface="Times New Roman"/>
-              <a:cs typeface="Times New Roman"/>
-              <a:sym typeface="Times New Roman"/>
-            </a:endParaRPr>
-          </a:p>
-          <a:p>
-            <a:pPr indent="-330200" lvl="0" marL="457200" rtl="0">
+            <a:pPr indent="-330200" lvl="0" marL="914400" rtl="0">
               <a:spcBef>
                 <a:spcPts val="0"/>
               </a:spcBef>
@@ -6170,23 +5937,178 @@
                 <a:solidFill>
                   <a:schemeClr val="dk1"/>
                 </a:solidFill>
-                <a:highlight>
-                  <a:srgbClr val="FAFAFA"/>
-                </a:highlight>
                 <a:latin typeface="Times New Roman"/>
                 <a:ea typeface="Times New Roman"/>
                 <a:cs typeface="Times New Roman"/>
                 <a:sym typeface="Times New Roman"/>
               </a:rPr>
-              <a:t>High frequency Noise is short and non-periodic</a:t>
+              <a:t>Take 5 windows of 2048, spaced evenly away, and apply Hann window</a:t>
             </a:r>
             <a:endParaRPr sz="1600">
               <a:solidFill>
                 <a:schemeClr val="dk1"/>
               </a:solidFill>
-              <a:highlight>
-                <a:srgbClr val="FAFAFA"/>
-              </a:highlight>
+              <a:latin typeface="Times New Roman"/>
+              <a:ea typeface="Times New Roman"/>
+              <a:cs typeface="Times New Roman"/>
+              <a:sym typeface="Times New Roman"/>
+            </a:endParaRPr>
+          </a:p>
+          <a:p>
+            <a:pPr indent="-330200" lvl="0" marL="914400" rtl="0">
+              <a:spcBef>
+                <a:spcPts val="0"/>
+              </a:spcBef>
+              <a:spcAft>
+                <a:spcPts val="0"/>
+              </a:spcAft>
+              <a:buClr>
+                <a:schemeClr val="dk1"/>
+              </a:buClr>
+              <a:buSzPts val="1600"/>
+              <a:buFont typeface="Times New Roman"/>
+              <a:buChar char="-"/>
+            </a:pPr>
+            <a:r>
+              <a:rPr lang="en-GB" sz="1600">
+                <a:solidFill>
+                  <a:schemeClr val="dk1"/>
+                </a:solidFill>
+                <a:latin typeface="Times New Roman"/>
+                <a:ea typeface="Times New Roman"/>
+                <a:cs typeface="Times New Roman"/>
+                <a:sym typeface="Times New Roman"/>
+              </a:rPr>
+              <a:t>Perform FFT on all windows &amp; take the average</a:t>
+            </a:r>
+            <a:endParaRPr sz="1600">
+              <a:solidFill>
+                <a:schemeClr val="dk1"/>
+              </a:solidFill>
+              <a:latin typeface="Times New Roman"/>
+              <a:ea typeface="Times New Roman"/>
+              <a:cs typeface="Times New Roman"/>
+              <a:sym typeface="Times New Roman"/>
+            </a:endParaRPr>
+          </a:p>
+          <a:p>
+            <a:pPr indent="0" lvl="0" marL="0" rtl="0">
+              <a:spcBef>
+                <a:spcPts val="0"/>
+              </a:spcBef>
+              <a:spcAft>
+                <a:spcPts val="0"/>
+              </a:spcAft>
+              <a:buNone/>
+            </a:pPr>
+            <a:r>
+              <a:t/>
+            </a:r>
+            <a:endParaRPr sz="600">
+              <a:solidFill>
+                <a:schemeClr val="dk1"/>
+              </a:solidFill>
+              <a:latin typeface="Times New Roman"/>
+              <a:ea typeface="Times New Roman"/>
+              <a:cs typeface="Times New Roman"/>
+              <a:sym typeface="Times New Roman"/>
+            </a:endParaRPr>
+          </a:p>
+          <a:p>
+            <a:pPr indent="0" lvl="0" marL="0" rtl="0">
+              <a:spcBef>
+                <a:spcPts val="0"/>
+              </a:spcBef>
+              <a:spcAft>
+                <a:spcPts val="0"/>
+              </a:spcAft>
+              <a:buNone/>
+            </a:pPr>
+            <a:r>
+              <a:rPr b="1" lang="en-GB" sz="1600">
+                <a:solidFill>
+                  <a:schemeClr val="dk1"/>
+                </a:solidFill>
+                <a:latin typeface="Times New Roman"/>
+                <a:ea typeface="Times New Roman"/>
+                <a:cs typeface="Times New Roman"/>
+                <a:sym typeface="Times New Roman"/>
+              </a:rPr>
+              <a:t>Eliminating noise:</a:t>
+            </a:r>
+            <a:endParaRPr b="1" sz="1600">
+              <a:solidFill>
+                <a:schemeClr val="dk1"/>
+              </a:solidFill>
+              <a:latin typeface="Times New Roman"/>
+              <a:ea typeface="Times New Roman"/>
+              <a:cs typeface="Times New Roman"/>
+              <a:sym typeface="Times New Roman"/>
+            </a:endParaRPr>
+          </a:p>
+          <a:p>
+            <a:pPr indent="0" lvl="0" marL="0" rtl="0">
+              <a:spcBef>
+                <a:spcPts val="0"/>
+              </a:spcBef>
+              <a:spcAft>
+                <a:spcPts val="0"/>
+              </a:spcAft>
+              <a:buNone/>
+            </a:pPr>
+            <a:r>
+              <a:rPr lang="en-GB" sz="1600">
+                <a:solidFill>
+                  <a:schemeClr val="dk1"/>
+                </a:solidFill>
+                <a:latin typeface="Times New Roman"/>
+                <a:ea typeface="Times New Roman"/>
+                <a:cs typeface="Times New Roman"/>
+                <a:sym typeface="Times New Roman"/>
+              </a:rPr>
+              <a:t>Drop all characters that don’t come in at least pairs.</a:t>
+            </a:r>
+            <a:endParaRPr sz="1600">
+              <a:solidFill>
+                <a:schemeClr val="dk1"/>
+              </a:solidFill>
+              <a:latin typeface="Times New Roman"/>
+              <a:ea typeface="Times New Roman"/>
+              <a:cs typeface="Times New Roman"/>
+              <a:sym typeface="Times New Roman"/>
+            </a:endParaRPr>
+          </a:p>
+          <a:p>
+            <a:pPr indent="-330200" lvl="0" marL="457200" rtl="0">
+              <a:spcBef>
+                <a:spcPts val="0"/>
+              </a:spcBef>
+              <a:spcAft>
+                <a:spcPts val="0"/>
+              </a:spcAft>
+              <a:buClr>
+                <a:schemeClr val="dk1"/>
+              </a:buClr>
+              <a:buSzPts val="1600"/>
+              <a:buFont typeface="Times New Roman"/>
+              <a:buChar char="-"/>
+            </a:pPr>
+            <a:r>
+              <a:rPr lang="en-GB" sz="1600">
+                <a:solidFill>
+                  <a:schemeClr val="dk1"/>
+                </a:solidFill>
+                <a:latin typeface="Times New Roman"/>
+                <a:ea typeface="Times New Roman"/>
+                <a:cs typeface="Times New Roman"/>
+                <a:sym typeface="Times New Roman"/>
+              </a:rPr>
+              <a:t>High frequency noise is short and non-periodic</a:t>
+            </a:r>
+            <a:endParaRPr sz="1600">
+              <a:solidFill>
+                <a:schemeClr val="dk1"/>
+              </a:solidFill>
               <a:latin typeface="Times New Roman"/>
               <a:ea typeface="Times New Roman"/>
               <a:cs typeface="Times New Roman"/>
@@ -6208,9 +6130,6 @@
                 <a:solidFill>
                   <a:schemeClr val="dk1"/>
                 </a:solidFill>
-                <a:highlight>
-                  <a:srgbClr val="FAFAFA"/>
-                </a:highlight>
                 <a:latin typeface="Times New Roman"/>
                 <a:ea typeface="Times New Roman"/>
                 <a:cs typeface="Times New Roman"/>
@@ -6223,9 +6142,6 @@
                 <a:solidFill>
                   <a:schemeClr val="dk1"/>
                 </a:solidFill>
-                <a:highlight>
-                  <a:srgbClr val="FAFAFA"/>
-                </a:highlight>
                 <a:latin typeface="Times New Roman"/>
                 <a:ea typeface="Times New Roman"/>
                 <a:cs typeface="Times New Roman"/>
@@ -6238,9 +6154,6 @@
                 <a:solidFill>
                   <a:schemeClr val="dk1"/>
                 </a:solidFill>
-                <a:highlight>
-                  <a:srgbClr val="FAFAFA"/>
-                </a:highlight>
                 <a:latin typeface="Times New Roman"/>
                 <a:ea typeface="Times New Roman"/>
                 <a:cs typeface="Times New Roman"/>
@@ -6253,9 +6166,6 @@
                 <a:solidFill>
                   <a:schemeClr val="dk1"/>
                 </a:solidFill>
-                <a:highlight>
-                  <a:srgbClr val="FAFAFA"/>
-                </a:highlight>
                 <a:latin typeface="Times New Roman"/>
                 <a:ea typeface="Times New Roman"/>
                 <a:cs typeface="Times New Roman"/>
@@ -6268,9 +6178,6 @@
                 <a:solidFill>
                   <a:schemeClr val="dk1"/>
                 </a:solidFill>
-                <a:highlight>
-                  <a:srgbClr val="FAFAFA"/>
-                </a:highlight>
                 <a:latin typeface="Times New Roman"/>
                 <a:ea typeface="Times New Roman"/>
                 <a:cs typeface="Times New Roman"/>
@@ -6283,9 +6190,6 @@
                 <a:solidFill>
                   <a:schemeClr val="dk1"/>
                 </a:solidFill>
-                <a:highlight>
-                  <a:srgbClr val="FAFAFA"/>
-                </a:highlight>
                 <a:latin typeface="Times New Roman"/>
                 <a:ea typeface="Times New Roman"/>
                 <a:cs typeface="Times New Roman"/>
@@ -6297,9 +6201,6 @@
               <a:solidFill>
                 <a:schemeClr val="dk1"/>
               </a:solidFill>
-              <a:highlight>
-                <a:srgbClr val="FAFAFA"/>
-              </a:highlight>
               <a:latin typeface="Times New Roman"/>
               <a:ea typeface="Times New Roman"/>
               <a:cs typeface="Times New Roman"/>
@@ -6321,9 +6222,6 @@
                 <a:solidFill>
                   <a:schemeClr val="dk1"/>
                 </a:solidFill>
-                <a:highlight>
-                  <a:srgbClr val="FAFAFA"/>
-                </a:highlight>
                 <a:latin typeface="Times New Roman"/>
                 <a:ea typeface="Times New Roman"/>
                 <a:cs typeface="Times New Roman"/>
@@ -6336,24 +6234,18 @@
                 <a:solidFill>
                   <a:schemeClr val="dk1"/>
                 </a:solidFill>
-                <a:highlight>
-                  <a:srgbClr val="FAFAFA"/>
-                </a:highlight>
                 <a:latin typeface="Times New Roman"/>
                 <a:ea typeface="Times New Roman"/>
                 <a:cs typeface="Times New Roman"/>
                 <a:sym typeface="Times New Roman"/>
               </a:rPr>
-              <a:t>a</a:t>
+              <a:t>a in above example</a:t>
             </a:r>
             <a:r>
               <a:rPr lang="en-GB" sz="1600">
                 <a:solidFill>
                   <a:schemeClr val="dk1"/>
                 </a:solidFill>
-                <a:highlight>
-                  <a:srgbClr val="FAFAFA"/>
-                </a:highlight>
                 <a:latin typeface="Times New Roman"/>
                 <a:ea typeface="Times New Roman"/>
                 <a:cs typeface="Times New Roman"/>
@@ -6365,9 +6257,6 @@
               <a:solidFill>
                 <a:schemeClr val="dk1"/>
               </a:solidFill>
-              <a:highlight>
-                <a:srgbClr val="FAFAFA"/>
-              </a:highlight>
               <a:latin typeface="Times New Roman"/>
               <a:ea typeface="Times New Roman"/>
               <a:cs typeface="Times New Roman"/>
@@ -6391,9 +6280,6 @@
               <a:solidFill>
                 <a:schemeClr val="dk1"/>
               </a:solidFill>
-              <a:highlight>
-                <a:srgbClr val="FAFAFA"/>
-              </a:highlight>
               <a:latin typeface="Times New Roman"/>
               <a:ea typeface="Times New Roman"/>
               <a:cs typeface="Times New Roman"/>
@@ -6417,9 +6303,6 @@
               <a:solidFill>
                 <a:schemeClr val="dk1"/>
               </a:solidFill>
-              <a:highlight>
-                <a:srgbClr val="FAFAFA"/>
-              </a:highlight>
               <a:latin typeface="Times New Roman"/>
               <a:ea typeface="Times New Roman"/>
               <a:cs typeface="Times New Roman"/>
@@ -6437,6 +6320,285 @@
 </file>
 
 <file path=ppt/theme/theme1.xml><?xml version="1.0" encoding="utf-8"?>
+<a:theme xmlns:a="http://schemas.openxmlformats.org/drawingml/2006/main" xmlns:r="http://schemas.openxmlformats.org/officeDocument/2006/relationships" name="Simple Light">
+  <a:themeElements>
+    <a:clrScheme name="Simple Light">
+      <a:dk1>
+        <a:srgbClr val="000000"/>
+      </a:dk1>
+      <a:lt1>
+        <a:srgbClr val="FFFFFF"/>
+      </a:lt1>
+      <a:dk2>
+        <a:srgbClr val="595959"/>
+      </a:dk2>
+      <a:lt2>
+        <a:srgbClr val="EEEEEE"/>
+      </a:lt2>
+      <a:accent1>
+        <a:srgbClr val="FFAB40"/>
+      </a:accent1>
+      <a:accent2>
+        <a:srgbClr val="212121"/>
+      </a:accent2>
+      <a:accent3>
+        <a:srgbClr val="78909C"/>
+      </a:accent3>
+      <a:accent4>
+        <a:srgbClr val="FFAB40"/>
+      </a:accent4>
+      <a:accent5>
+        <a:srgbClr val="0097A7"/>
+      </a:accent5>
+      <a:accent6>
+        <a:srgbClr val="EEFF41"/>
+      </a:accent6>
+      <a:hlink>
+        <a:srgbClr val="0097A7"/>
+      </a:hlink>
+      <a:folHlink>
+        <a:srgbClr val="0097A7"/>
+      </a:folHlink>
+    </a:clrScheme>
+    <a:fontScheme name="Office">
+      <a:majorFont>
+        <a:latin typeface="Arial"/>
+        <a:ea typeface=""/>
+        <a:cs typeface=""/>
+        <a:font script="Jpan" typeface="ＭＳ Ｐゴシック"/>
+        <a:font script="Hang" typeface="맑은 고딕"/>
+        <a:font script="Hans" typeface="宋体"/>
+        <a:font script="Hant" typeface="新細明體"/>
+        <a:font script="Arab" typeface="Times New Roman"/>
+        <a:font script="Hebr" typeface="Times New Roman"/>
+        <a:font script="Thai" typeface="Angsana New"/>
+        <a:font script="Ethi" typeface="Nyala"/>
+        <a:font script="Beng" typeface="Vrinda"/>
+        <a:font script="Gujr" typeface="Shruti"/>
+        <a:font script="Khmr" typeface="MoolBoran"/>
+        <a:font script="Knda" typeface="Tunga"/>
+        <a:font script="Guru" typeface="Raavi"/>
+        <a:font script="Cans" typeface="Euphemia"/>
+        <a:font script="Cher" typeface="Plantagenet Cherokee"/>
+        <a:font script="Yiii" typeface="Microsoft Yi Baiti"/>
+        <a:font script="Tibt" typeface="Microsoft Himalaya"/>
+        <a:font script="Thaa" typeface="MV Boli"/>
+        <a:font script="Deva" typeface="Mangal"/>
+        <a:font script="Telu" typeface="Gautami"/>
+        <a:font script="Taml" typeface="Latha"/>
+        <a:font script="Syrc" typeface="Estrangelo Edessa"/>
+        <a:font script="Orya" typeface="Kalinga"/>
+        <a:font script="Mlym" typeface="Kartika"/>
+        <a:font script="Laoo" typeface="DokChampa"/>
+        <a:font script="Sinh" typeface="Iskoola Pota"/>
+        <a:font script="Mong" typeface="Mongolian Baiti"/>
+        <a:font script="Viet" typeface="Times New Roman"/>
+        <a:font script="Uigh" typeface="Microsoft Uighur"/>
+        <a:font script="Geor" typeface="Sylfaen"/>
+      </a:majorFont>
+      <a:minorFont>
+        <a:latin typeface="Arial"/>
+        <a:ea typeface=""/>
+        <a:cs typeface=""/>
+        <a:font script="Jpan" typeface="ＭＳ Ｐゴシック"/>
+        <a:font script="Hang" typeface="맑은 고딕"/>
+        <a:font script="Hans" typeface="宋体"/>
+        <a:font script="Hant" typeface="新細明體"/>
+        <a:font script="Arab" typeface="Arial"/>
+        <a:font script="Hebr" typeface="Arial"/>
+        <a:font script="Thai" typeface="Cordia New"/>
+        <a:font script="Ethi" typeface="Nyala"/>
+        <a:font script="Beng" typeface="Vrinda"/>
+        <a:font script="Gujr" typeface="Shruti"/>
+        <a:font script="Khmr" typeface="DaunPenh"/>
+        <a:font script="Knda" typeface="Tunga"/>
+        <a:font script="Guru" typeface="Raavi"/>
+        <a:font script="Cans" typeface="Euphemia"/>
+        <a:font script="Cher" typeface="Plantagenet Cherokee"/>
+        <a:font script="Yiii" typeface="Microsoft Yi Baiti"/>
+        <a:font script="Tibt" typeface="Microsoft Himalaya"/>
+        <a:font script="Thaa" typeface="MV Boli"/>
+        <a:font script="Deva" typeface="Mangal"/>
+        <a:font script="Telu" typeface="Gautami"/>
+        <a:font script="Taml" typeface="Latha"/>
+        <a:font script="Syrc" typeface="Estrangelo Edessa"/>
+        <a:font script="Orya" typeface="Kalinga"/>
+        <a:font script="Mlym" typeface="Kartika"/>
+        <a:font script="Laoo" typeface="DokChampa"/>
+        <a:font script="Sinh" typeface="Iskoola Pota"/>
+        <a:font script="Mong" typeface="Mongolian Baiti"/>
+        <a:font script="Viet" typeface="Arial"/>
+        <a:font script="Uigh" typeface="Microsoft Uighur"/>
+        <a:font script="Geor" typeface="Sylfaen"/>
+      </a:minorFont>
+    </a:fontScheme>
+    <a:fmtScheme name="Office">
+      <a:fillStyleLst>
+        <a:solidFill>
+          <a:schemeClr val="phClr"/>
+        </a:solidFill>
+        <a:gradFill rotWithShape="1">
+          <a:gsLst>
+            <a:gs pos="0">
+              <a:schemeClr val="phClr">
+                <a:tint val="50000"/>
+                <a:satMod val="300000"/>
+              </a:schemeClr>
+            </a:gs>
+            <a:gs pos="35000">
+              <a:schemeClr val="phClr">
+                <a:tint val="37000"/>
+                <a:satMod val="300000"/>
+              </a:schemeClr>
+            </a:gs>
+            <a:gs pos="100000">
+              <a:schemeClr val="phClr">
+                <a:tint val="15000"/>
+                <a:satMod val="350000"/>
+              </a:schemeClr>
+            </a:gs>
+          </a:gsLst>
+          <a:lin ang="16200000" scaled="1"/>
+        </a:gradFill>
+        <a:gradFill rotWithShape="1">
+          <a:gsLst>
+            <a:gs pos="0">
+              <a:schemeClr val="phClr">
+                <a:tint val="100000"/>
+                <a:shade val="100000"/>
+                <a:satMod val="130000"/>
+              </a:schemeClr>
+            </a:gs>
+            <a:gs pos="100000">
+              <a:schemeClr val="phClr">
+                <a:tint val="50000"/>
+                <a:shade val="100000"/>
+                <a:satMod val="350000"/>
+              </a:schemeClr>
+            </a:gs>
+          </a:gsLst>
+          <a:lin ang="16200000" scaled="0"/>
+        </a:gradFill>
+      </a:fillStyleLst>
+      <a:lnStyleLst>
+        <a:ln w="9525" cap="flat" cmpd="sng" algn="ctr">
+          <a:solidFill>
+            <a:schemeClr val="phClr">
+              <a:shade val="95000"/>
+              <a:satMod val="105000"/>
+            </a:schemeClr>
+          </a:solidFill>
+          <a:prstDash val="solid"/>
+        </a:ln>
+        <a:ln w="25400" cap="flat" cmpd="sng" algn="ctr">
+          <a:solidFill>
+            <a:schemeClr val="phClr"/>
+          </a:solidFill>
+          <a:prstDash val="solid"/>
+        </a:ln>
+        <a:ln w="38100" cap="flat" cmpd="sng" algn="ctr">
+          <a:solidFill>
+            <a:schemeClr val="phClr"/>
+          </a:solidFill>
+          <a:prstDash val="solid"/>
+        </a:ln>
+      </a:lnStyleLst>
+      <a:effectStyleLst>
+        <a:effectStyle>
+          <a:effectLst>
+            <a:outerShdw blurRad="40000" dist="20000" dir="5400000" rotWithShape="0">
+              <a:srgbClr val="000000">
+                <a:alpha val="38000"/>
+              </a:srgbClr>
+            </a:outerShdw>
+          </a:effectLst>
+        </a:effectStyle>
+        <a:effectStyle>
+          <a:effectLst>
+            <a:outerShdw blurRad="40000" dist="23000" dir="5400000" rotWithShape="0">
+              <a:srgbClr val="000000">
+                <a:alpha val="35000"/>
+              </a:srgbClr>
+            </a:outerShdw>
+          </a:effectLst>
+        </a:effectStyle>
+        <a:effectStyle>
+          <a:effectLst>
+            <a:outerShdw blurRad="40000" dist="23000" dir="5400000" rotWithShape="0">
+              <a:srgbClr val="000000">
+                <a:alpha val="35000"/>
+              </a:srgbClr>
+            </a:outerShdw>
+          </a:effectLst>
+          <a:scene3d>
+            <a:camera prst="orthographicFront">
+              <a:rot lat="0" lon="0" rev="0"/>
+            </a:camera>
+            <a:lightRig rig="threePt" dir="t">
+              <a:rot lat="0" lon="0" rev="1200000"/>
+            </a:lightRig>
+          </a:scene3d>
+          <a:sp3d>
+            <a:bevelT w="63500" h="25400"/>
+          </a:sp3d>
+        </a:effectStyle>
+      </a:effectStyleLst>
+      <a:bgFillStyleLst>
+        <a:solidFill>
+          <a:schemeClr val="phClr"/>
+        </a:solidFill>
+        <a:gradFill rotWithShape="1">
+          <a:gsLst>
+            <a:gs pos="0">
+              <a:schemeClr val="phClr">
+                <a:tint val="40000"/>
+                <a:satMod val="350000"/>
+              </a:schemeClr>
+            </a:gs>
+            <a:gs pos="40000">
+              <a:schemeClr val="phClr">
+                <a:tint val="45000"/>
+                <a:shade val="99000"/>
+                <a:satMod val="350000"/>
+              </a:schemeClr>
+            </a:gs>
+            <a:gs pos="100000">
+              <a:schemeClr val="phClr">
+                <a:shade val="20000"/>
+                <a:satMod val="255000"/>
+              </a:schemeClr>
+            </a:gs>
+          </a:gsLst>
+          <a:path path="circle">
+            <a:fillToRect l="50000" t="-80000" r="50000" b="180000"/>
+          </a:path>
+        </a:gradFill>
+        <a:gradFill rotWithShape="1">
+          <a:gsLst>
+            <a:gs pos="0">
+              <a:schemeClr val="phClr">
+                <a:tint val="80000"/>
+                <a:satMod val="300000"/>
+              </a:schemeClr>
+            </a:gs>
+            <a:gs pos="100000">
+              <a:schemeClr val="phClr">
+                <a:shade val="30000"/>
+                <a:satMod val="200000"/>
+              </a:schemeClr>
+            </a:gs>
+          </a:gsLst>
+          <a:path path="circle">
+            <a:fillToRect l="50000" t="50000" r="50000" b="50000"/>
+          </a:path>
+        </a:gradFill>
+      </a:bgFillStyleLst>
+    </a:fmtScheme>
+  </a:themeElements>
+</a:theme>
+</file>
+
+<file path=ppt/theme/theme2.xml><?xml version="1.0" encoding="utf-8"?>
 <a:theme xmlns:a="http://schemas.openxmlformats.org/drawingml/2006/main" xmlns:r="http://schemas.openxmlformats.org/officeDocument/2006/relationships">
   <a:themeElements>
     <a:clrScheme name="Default">
@@ -6713,283 +6875,4 @@
     </a:fmtScheme>
   </a:themeElements>
 </a:theme>
-</file>
-
-<file path=ppt/theme/theme2.xml><?xml version="1.0" encoding="utf-8"?>
-<a:theme xmlns:a="http://schemas.openxmlformats.org/drawingml/2006/main" xmlns:r="http://schemas.openxmlformats.org/officeDocument/2006/relationships" name="Simple Light">
-  <a:themeElements>
-    <a:clrScheme name="Simple Light">
-      <a:dk1>
-        <a:srgbClr val="000000"/>
-      </a:dk1>
-      <a:lt1>
-        <a:srgbClr val="FFFFFF"/>
-      </a:lt1>
-      <a:dk2>
-        <a:srgbClr val="595959"/>
-      </a:dk2>
-      <a:lt2>
-        <a:srgbClr val="EEEEEE"/>
-      </a:lt2>
-      <a:accent1>
-        <a:srgbClr val="FFAB40"/>
-      </a:accent1>
-      <a:accent2>
-        <a:srgbClr val="212121"/>
-      </a:accent2>
-      <a:accent3>
-        <a:srgbClr val="78909C"/>
-      </a:accent3>
-      <a:accent4>
-        <a:srgbClr val="FFAB40"/>
-      </a:accent4>
-      <a:accent5>
-        <a:srgbClr val="0097A7"/>
-      </a:accent5>
-      <a:accent6>
-        <a:srgbClr val="EEFF41"/>
-      </a:accent6>
-      <a:hlink>
-        <a:srgbClr val="0097A7"/>
-      </a:hlink>
-      <a:folHlink>
-        <a:srgbClr val="0097A7"/>
-      </a:folHlink>
-    </a:clrScheme>
-    <a:fontScheme name="Office">
-      <a:majorFont>
-        <a:latin typeface="Arial"/>
-        <a:ea typeface=""/>
-        <a:cs typeface=""/>
-        <a:font script="Jpan" typeface="ＭＳ Ｐゴシック"/>
-        <a:font script="Hang" typeface="맑은 고딕"/>
-        <a:font script="Hans" typeface="宋体"/>
-        <a:font script="Hant" typeface="新細明體"/>
-        <a:font script="Arab" typeface="Times New Roman"/>
-        <a:font script="Hebr" typeface="Times New Roman"/>
-        <a:font script="Thai" typeface="Angsana New"/>
-        <a:font script="Ethi" typeface="Nyala"/>
-        <a:font script="Beng" typeface="Vrinda"/>
-        <a:font script="Gujr" typeface="Shruti"/>
-        <a:font script="Khmr" typeface="MoolBoran"/>
-        <a:font script="Knda" typeface="Tunga"/>
-        <a:font script="Guru" typeface="Raavi"/>
-        <a:font script="Cans" typeface="Euphemia"/>
-        <a:font script="Cher" typeface="Plantagenet Cherokee"/>
-        <a:font script="Yiii" typeface="Microsoft Yi Baiti"/>
-        <a:font script="Tibt" typeface="Microsoft Himalaya"/>
-        <a:font script="Thaa" typeface="MV Boli"/>
-        <a:font script="Deva" typeface="Mangal"/>
-        <a:font script="Telu" typeface="Gautami"/>
-        <a:font script="Taml" typeface="Latha"/>
-        <a:font script="Syrc" typeface="Estrangelo Edessa"/>
-        <a:font script="Orya" typeface="Kalinga"/>
-        <a:font script="Mlym" typeface="Kartika"/>
-        <a:font script="Laoo" typeface="DokChampa"/>
-        <a:font script="Sinh" typeface="Iskoola Pota"/>
-        <a:font script="Mong" typeface="Mongolian Baiti"/>
-        <a:font script="Viet" typeface="Times New Roman"/>
-        <a:font script="Uigh" typeface="Microsoft Uighur"/>
-        <a:font script="Geor" typeface="Sylfaen"/>
-      </a:majorFont>
-      <a:minorFont>
-        <a:latin typeface="Arial"/>
-        <a:ea typeface=""/>
-        <a:cs typeface=""/>
-        <a:font script="Jpan" typeface="ＭＳ Ｐゴシック"/>
-        <a:font script="Hang" typeface="맑은 고딕"/>
-        <a:font script="Hans" typeface="宋体"/>
-        <a:font script="Hant" typeface="新細明體"/>
-        <a:font script="Arab" typeface="Arial"/>
-        <a:font script="Hebr" typeface="Arial"/>
-        <a:font script="Thai" typeface="Cordia New"/>
-        <a:font script="Ethi" typeface="Nyala"/>
-        <a:font script="Beng" typeface="Vrinda"/>
-        <a:font script="Gujr" typeface="Shruti"/>
-        <a:font script="Khmr" typeface="DaunPenh"/>
-        <a:font script="Knda" typeface="Tunga"/>
-        <a:font script="Guru" typeface="Raavi"/>
-        <a:font script="Cans" typeface="Euphemia"/>
-        <a:font script="Cher" typeface="Plantagenet Cherokee"/>
-        <a:font script="Yiii" typeface="Microsoft Yi Baiti"/>
-        <a:font script="Tibt" typeface="Microsoft Himalaya"/>
-        <a:font script="Thaa" typeface="MV Boli"/>
-        <a:font script="Deva" typeface="Mangal"/>
-        <a:font script="Telu" typeface="Gautami"/>
-        <a:font script="Taml" typeface="Latha"/>
-        <a:font script="Syrc" typeface="Estrangelo Edessa"/>
-        <a:font script="Orya" typeface="Kalinga"/>
-        <a:font script="Mlym" typeface="Kartika"/>
-        <a:font script="Laoo" typeface="DokChampa"/>
-        <a:font script="Sinh" typeface="Iskoola Pota"/>
-        <a:font script="Mong" typeface="Mongolian Baiti"/>
-        <a:font script="Viet" typeface="Arial"/>
-        <a:font script="Uigh" typeface="Microsoft Uighur"/>
-        <a:font script="Geor" typeface="Sylfaen"/>
-      </a:minorFont>
-    </a:fontScheme>
-    <a:fmtScheme name="Office">
-      <a:fillStyleLst>
-        <a:solidFill>
-          <a:schemeClr val="phClr"/>
-        </a:solidFill>
-        <a:gradFill rotWithShape="1">
-          <a:gsLst>
-            <a:gs pos="0">
-              <a:schemeClr val="phClr">
-                <a:tint val="50000"/>
-                <a:satMod val="300000"/>
-              </a:schemeClr>
-            </a:gs>
-            <a:gs pos="35000">
-              <a:schemeClr val="phClr">
-                <a:tint val="37000"/>
-                <a:satMod val="300000"/>
-              </a:schemeClr>
-            </a:gs>
-            <a:gs pos="100000">
-              <a:schemeClr val="phClr">
-                <a:tint val="15000"/>
-                <a:satMod val="350000"/>
-              </a:schemeClr>
-            </a:gs>
-          </a:gsLst>
-          <a:lin ang="16200000" scaled="1"/>
-        </a:gradFill>
-        <a:gradFill rotWithShape="1">
-          <a:gsLst>
-            <a:gs pos="0">
-              <a:schemeClr val="phClr">
-                <a:tint val="100000"/>
-                <a:shade val="100000"/>
-                <a:satMod val="130000"/>
-              </a:schemeClr>
-            </a:gs>
-            <a:gs pos="100000">
-              <a:schemeClr val="phClr">
-                <a:tint val="50000"/>
-                <a:shade val="100000"/>
-                <a:satMod val="350000"/>
-              </a:schemeClr>
-            </a:gs>
-          </a:gsLst>
-          <a:lin ang="16200000" scaled="0"/>
-        </a:gradFill>
-      </a:fillStyleLst>
-      <a:lnStyleLst>
-        <a:ln w="9525" cap="flat" cmpd="sng" algn="ctr">
-          <a:solidFill>
-            <a:schemeClr val="phClr">
-              <a:shade val="95000"/>
-              <a:satMod val="105000"/>
-            </a:schemeClr>
-          </a:solidFill>
-          <a:prstDash val="solid"/>
-        </a:ln>
-        <a:ln w="25400" cap="flat" cmpd="sng" algn="ctr">
-          <a:solidFill>
-            <a:schemeClr val="phClr"/>
-          </a:solidFill>
-          <a:prstDash val="solid"/>
-        </a:ln>
-        <a:ln w="38100" cap="flat" cmpd="sng" algn="ctr">
-          <a:solidFill>
-            <a:schemeClr val="phClr"/>
-          </a:solidFill>
-          <a:prstDash val="solid"/>
-        </a:ln>
-      </a:lnStyleLst>
-      <a:effectStyleLst>
-        <a:effectStyle>
-          <a:effectLst>
-            <a:outerShdw blurRad="40000" dist="20000" dir="5400000" rotWithShape="0">
-              <a:srgbClr val="000000">
-                <a:alpha val="38000"/>
-              </a:srgbClr>
-            </a:outerShdw>
-          </a:effectLst>
-        </a:effectStyle>
-        <a:effectStyle>
-          <a:effectLst>
-            <a:outerShdw blurRad="40000" dist="23000" dir="5400000" rotWithShape="0">
-              <a:srgbClr val="000000">
-                <a:alpha val="35000"/>
-              </a:srgbClr>
-            </a:outerShdw>
-          </a:effectLst>
-        </a:effectStyle>
-        <a:effectStyle>
-          <a:effectLst>
-            <a:outerShdw blurRad="40000" dist="23000" dir="5400000" rotWithShape="0">
-              <a:srgbClr val="000000">
-                <a:alpha val="35000"/>
-              </a:srgbClr>
-            </a:outerShdw>
-          </a:effectLst>
-          <a:scene3d>
-            <a:camera prst="orthographicFront">
-              <a:rot lat="0" lon="0" rev="0"/>
-            </a:camera>
-            <a:lightRig rig="threePt" dir="t">
-              <a:rot lat="0" lon="0" rev="1200000"/>
-            </a:lightRig>
-          </a:scene3d>
-          <a:sp3d>
-            <a:bevelT w="63500" h="25400"/>
-          </a:sp3d>
-        </a:effectStyle>
-      </a:effectStyleLst>
-      <a:bgFillStyleLst>
-        <a:solidFill>
-          <a:schemeClr val="phClr"/>
-        </a:solidFill>
-        <a:gradFill rotWithShape="1">
-          <a:gsLst>
-            <a:gs pos="0">
-              <a:schemeClr val="phClr">
-                <a:tint val="40000"/>
-                <a:satMod val="350000"/>
-              </a:schemeClr>
-            </a:gs>
-            <a:gs pos="40000">
-              <a:schemeClr val="phClr">
-                <a:tint val="45000"/>
-                <a:shade val="99000"/>
-                <a:satMod val="350000"/>
-              </a:schemeClr>
-            </a:gs>
-            <a:gs pos="100000">
-              <a:schemeClr val="phClr">
-                <a:shade val="20000"/>
-                <a:satMod val="255000"/>
-              </a:schemeClr>
-            </a:gs>
-          </a:gsLst>
-          <a:path path="circle">
-            <a:fillToRect l="50000" t="-80000" r="50000" b="180000"/>
-          </a:path>
-        </a:gradFill>
-        <a:gradFill rotWithShape="1">
-          <a:gsLst>
-            <a:gs pos="0">
-              <a:schemeClr val="phClr">
-                <a:tint val="80000"/>
-                <a:satMod val="300000"/>
-              </a:schemeClr>
-            </a:gs>
-            <a:gs pos="100000">
-              <a:schemeClr val="phClr">
-                <a:shade val="30000"/>
-                <a:satMod val="200000"/>
-              </a:schemeClr>
-            </a:gs>
-          </a:gsLst>
-          <a:path path="circle">
-            <a:fillToRect l="50000" t="50000" r="50000" b="50000"/>
-          </a:path>
-        </a:gradFill>
-      </a:bgFillStyleLst>
-    </a:fmtScheme>
-  </a:themeElements>
-</a:theme>
 </file>
--- a/1slide_writeup.pptx
+++ b/1slide_writeup.pptx
@@ -1,19 +1,19 @@
 
 <file path=ppt/presentation.xml><?xml version="1.0" encoding="utf-8"?>
-<p:presentation xmlns:a="http://schemas.openxmlformats.org/drawingml/2006/main" xmlns:r="http://schemas.openxmlformats.org/officeDocument/2006/relationships" xmlns:mc="http://schemas.openxmlformats.org/markup-compatibility/2006" xmlns:mv="urn:schemas-microsoft-com:mac:vml" xmlns:p="http://schemas.openxmlformats.org/presentationml/2006/main" xmlns:c="http://schemas.openxmlformats.org/drawingml/2006/chart" xmlns:dgm="http://schemas.openxmlformats.org/drawingml/2006/diagram" xmlns:o="urn:schemas-microsoft-com:office:office" xmlns:v="urn:schemas-microsoft-com:vml" xmlns:pvml="urn:schemas-microsoft-com:office:powerpoint" xmlns:com="http://schemas.openxmlformats.org/drawingml/2006/compatibility" xmlns:p14="http://schemas.microsoft.com/office/powerpoint/2010/main" xmlns:p15="http://schemas.microsoft.com/office/powerpoint/2012/main" autoCompressPictures="0" strictFirstAndLastChars="0" saveSubsetFonts="1">
+<p:presentation xmlns:a="http://schemas.openxmlformats.org/drawingml/2006/main" xmlns:r="http://schemas.openxmlformats.org/officeDocument/2006/relationships" xmlns:p="http://schemas.openxmlformats.org/presentationml/2006/main" strictFirstAndLastChars="0" saveSubsetFonts="1" autoCompressPictures="0">
   <p:sldMasterIdLst>
-    <p:sldMasterId id="2147483659" r:id="rId3"/>
+    <p:sldMasterId id="2147483659" r:id="rId1"/>
   </p:sldMasterIdLst>
   <p:notesMasterIdLst>
-    <p:notesMasterId r:id="rId4"/>
+    <p:notesMasterId r:id="rId3"/>
   </p:notesMasterIdLst>
   <p:sldIdLst>
-    <p:sldId id="256" r:id="rId5"/>
+    <p:sldId id="256" r:id="rId2"/>
   </p:sldIdLst>
-  <p:sldSz cy="5143500" cx="9144000"/>
+  <p:sldSz cx="9144000" cy="5143500" type="screen16x9"/>
   <p:notesSz cx="6858000" cy="9144000"/>
   <p:defaultTextStyle>
-    <a:defPPr lvl="0" marR="0" rtl="0" algn="l">
+    <a:defPPr marR="0" lvl="0" algn="l" rtl="0">
       <a:lnSpc>
         <a:spcPct val="100000"/>
       </a:lnSpc>
@@ -24,7 +24,7 @@
         <a:spcPts val="0"/>
       </a:spcAft>
     </a:defPPr>
-    <a:lvl1pPr lvl="0" marR="0" rtl="0" algn="l">
+    <a:lvl1pPr marR="0" lvl="0" algn="l" rtl="0">
       <a:lnSpc>
         <a:spcPct val="100000"/>
       </a:lnSpc>
@@ -38,7 +38,7 @@
         <a:srgbClr val="000000"/>
       </a:buClr>
       <a:buFont typeface="Arial"/>
-      <a:defRPr b="0" i="0" sz="1400" u="none" cap="none" strike="noStrike">
+      <a:defRPr sz="1400" b="0" i="0" u="none" strike="noStrike" cap="none">
         <a:solidFill>
           <a:srgbClr val="000000"/>
         </a:solidFill>
@@ -48,7 +48,7 @@
         <a:sym typeface="Arial"/>
       </a:defRPr>
     </a:lvl1pPr>
-    <a:lvl2pPr lvl="1" marR="0" rtl="0" algn="l">
+    <a:lvl2pPr marR="0" lvl="1" algn="l" rtl="0">
       <a:lnSpc>
         <a:spcPct val="100000"/>
       </a:lnSpc>
@@ -62,7 +62,7 @@
         <a:srgbClr val="000000"/>
       </a:buClr>
       <a:buFont typeface="Arial"/>
-      <a:defRPr b="0" i="0" sz="1400" u="none" cap="none" strike="noStrike">
+      <a:defRPr sz="1400" b="0" i="0" u="none" strike="noStrike" cap="none">
         <a:solidFill>
           <a:srgbClr val="000000"/>
         </a:solidFill>
@@ -72,7 +72,7 @@
         <a:sym typeface="Arial"/>
       </a:defRPr>
     </a:lvl2pPr>
-    <a:lvl3pPr lvl="2" marR="0" rtl="0" algn="l">
+    <a:lvl3pPr marR="0" lvl="2" algn="l" rtl="0">
       <a:lnSpc>
         <a:spcPct val="100000"/>
       </a:lnSpc>
@@ -86,7 +86,7 @@
         <a:srgbClr val="000000"/>
       </a:buClr>
       <a:buFont typeface="Arial"/>
-      <a:defRPr b="0" i="0" sz="1400" u="none" cap="none" strike="noStrike">
+      <a:defRPr sz="1400" b="0" i="0" u="none" strike="noStrike" cap="none">
         <a:solidFill>
           <a:srgbClr val="000000"/>
         </a:solidFill>
@@ -96,7 +96,7 @@
         <a:sym typeface="Arial"/>
       </a:defRPr>
     </a:lvl3pPr>
-    <a:lvl4pPr lvl="3" marR="0" rtl="0" algn="l">
+    <a:lvl4pPr marR="0" lvl="3" algn="l" rtl="0">
       <a:lnSpc>
         <a:spcPct val="100000"/>
       </a:lnSpc>
@@ -110,7 +110,7 @@
         <a:srgbClr val="000000"/>
       </a:buClr>
       <a:buFont typeface="Arial"/>
-      <a:defRPr b="0" i="0" sz="1400" u="none" cap="none" strike="noStrike">
+      <a:defRPr sz="1400" b="0" i="0" u="none" strike="noStrike" cap="none">
         <a:solidFill>
           <a:srgbClr val="000000"/>
         </a:solidFill>
@@ -120,7 +120,7 @@
         <a:sym typeface="Arial"/>
       </a:defRPr>
     </a:lvl4pPr>
-    <a:lvl5pPr lvl="4" marR="0" rtl="0" algn="l">
+    <a:lvl5pPr marR="0" lvl="4" algn="l" rtl="0">
       <a:lnSpc>
         <a:spcPct val="100000"/>
       </a:lnSpc>
@@ -134,7 +134,7 @@
         <a:srgbClr val="000000"/>
       </a:buClr>
       <a:buFont typeface="Arial"/>
-      <a:defRPr b="0" i="0" sz="1400" u="none" cap="none" strike="noStrike">
+      <a:defRPr sz="1400" b="0" i="0" u="none" strike="noStrike" cap="none">
         <a:solidFill>
           <a:srgbClr val="000000"/>
         </a:solidFill>
@@ -144,7 +144,7 @@
         <a:sym typeface="Arial"/>
       </a:defRPr>
     </a:lvl5pPr>
-    <a:lvl6pPr lvl="5" marR="0" rtl="0" algn="l">
+    <a:lvl6pPr marR="0" lvl="5" algn="l" rtl="0">
       <a:lnSpc>
         <a:spcPct val="100000"/>
       </a:lnSpc>
@@ -158,7 +158,7 @@
         <a:srgbClr val="000000"/>
       </a:buClr>
       <a:buFont typeface="Arial"/>
-      <a:defRPr b="0" i="0" sz="1400" u="none" cap="none" strike="noStrike">
+      <a:defRPr sz="1400" b="0" i="0" u="none" strike="noStrike" cap="none">
         <a:solidFill>
           <a:srgbClr val="000000"/>
         </a:solidFill>
@@ -168,7 +168,7 @@
         <a:sym typeface="Arial"/>
       </a:defRPr>
     </a:lvl6pPr>
-    <a:lvl7pPr lvl="6" marR="0" rtl="0" algn="l">
+    <a:lvl7pPr marR="0" lvl="6" algn="l" rtl="0">
       <a:lnSpc>
         <a:spcPct val="100000"/>
       </a:lnSpc>
@@ -182,7 +182,7 @@
         <a:srgbClr val="000000"/>
       </a:buClr>
       <a:buFont typeface="Arial"/>
-      <a:defRPr b="0" i="0" sz="1400" u="none" cap="none" strike="noStrike">
+      <a:defRPr sz="1400" b="0" i="0" u="none" strike="noStrike" cap="none">
         <a:solidFill>
           <a:srgbClr val="000000"/>
         </a:solidFill>
@@ -192,7 +192,7 @@
         <a:sym typeface="Arial"/>
       </a:defRPr>
     </a:lvl7pPr>
-    <a:lvl8pPr lvl="7" marR="0" rtl="0" algn="l">
+    <a:lvl8pPr marR="0" lvl="7" algn="l" rtl="0">
       <a:lnSpc>
         <a:spcPct val="100000"/>
       </a:lnSpc>
@@ -206,7 +206,7 @@
         <a:srgbClr val="000000"/>
       </a:buClr>
       <a:buFont typeface="Arial"/>
-      <a:defRPr b="0" i="0" sz="1400" u="none" cap="none" strike="noStrike">
+      <a:defRPr sz="1400" b="0" i="0" u="none" strike="noStrike" cap="none">
         <a:solidFill>
           <a:srgbClr val="000000"/>
         </a:solidFill>
@@ -216,7 +216,7 @@
         <a:sym typeface="Arial"/>
       </a:defRPr>
     </a:lvl8pPr>
-    <a:lvl9pPr lvl="8" marR="0" rtl="0" algn="l">
+    <a:lvl9pPr marR="0" lvl="8" algn="l" rtl="0">
       <a:lnSpc>
         <a:spcPct val="100000"/>
       </a:lnSpc>
@@ -230,7 +230,7 @@
         <a:srgbClr val="000000"/>
       </a:buClr>
       <a:buFont typeface="Arial"/>
-      <a:defRPr b="0" i="0" sz="1400" u="none" cap="none" strike="noStrike">
+      <a:defRPr sz="1400" b="0" i="0" u="none" strike="noStrike" cap="none">
         <a:solidFill>
           <a:srgbClr val="000000"/>
         </a:solidFill>
@@ -245,11 +245,16 @@
 </file>
 
 <file path=ppt/notesMasters/notesMaster1.xml><?xml version="1.0" encoding="utf-8"?>
-<p:notesMaster xmlns:a="http://schemas.openxmlformats.org/drawingml/2006/main" xmlns:r="http://schemas.openxmlformats.org/officeDocument/2006/relationships" xmlns:mc="http://schemas.openxmlformats.org/markup-compatibility/2006" xmlns:mv="urn:schemas-microsoft-com:mac:vml" xmlns:p="http://schemas.openxmlformats.org/presentationml/2006/main" xmlns:c="http://schemas.openxmlformats.org/drawingml/2006/chart" xmlns:dgm="http://schemas.openxmlformats.org/drawingml/2006/diagram" xmlns:o="urn:schemas-microsoft-com:office:office" xmlns:v="urn:schemas-microsoft-com:vml" xmlns:pvml="urn:schemas-microsoft-com:office:powerpoint" xmlns:com="http://schemas.openxmlformats.org/drawingml/2006/compatibility" xmlns:p14="http://schemas.microsoft.com/office/powerpoint/2010/main" xmlns:p15="http://schemas.microsoft.com/office/powerpoint/2012/main">
+<p:notesMaster xmlns:a="http://schemas.openxmlformats.org/drawingml/2006/main" xmlns:r="http://schemas.openxmlformats.org/officeDocument/2006/relationships" xmlns:p="http://schemas.openxmlformats.org/presentationml/2006/main">
   <p:cSld>
+    <p:bg>
+      <p:bgRef idx="1001">
+        <a:schemeClr val="bg1"/>
+      </p:bgRef>
+    </p:bg>
     <p:spTree>
       <p:nvGrpSpPr>
-        <p:cNvPr id="2" name="Shape 2"/>
+        <p:cNvPr id="1" name="Shape 2"/>
         <p:cNvGrpSpPr/>
         <p:nvPr/>
       </p:nvGrpSpPr>
@@ -264,9 +269,11 @@
       <p:sp>
         <p:nvSpPr>
           <p:cNvPr id="3" name="Shape 3"/>
-          <p:cNvSpPr/>
+          <p:cNvSpPr>
+            <a:spLocks noGrp="1" noRot="1" noChangeAspect="1"/>
+          </p:cNvSpPr>
           <p:nvPr>
-            <p:ph idx="2" type="sldImg"/>
+            <p:ph type="sldImg" idx="2"/>
           </p:nvPr>
         </p:nvSpPr>
         <p:spPr>
@@ -275,8 +282,13 @@
             <a:ext cx="6096075" cy="3429000"/>
           </a:xfrm>
           <a:custGeom>
+            <a:avLst/>
+            <a:gdLst/>
+            <a:ahLst/>
+            <a:cxnLst/>
+            <a:rect l="0" t="0" r="0" b="0"/>
             <a:pathLst>
-              <a:path extrusionOk="0" h="120000" w="120000">
+              <a:path w="120000" h="120000" extrusionOk="0">
                 <a:moveTo>
                   <a:pt x="0" y="0"/>
                 </a:moveTo>
@@ -294,23 +306,25 @@
             </a:pathLst>
           </a:custGeom>
           <a:noFill/>
-          <a:ln cap="flat" cmpd="sng" w="9525">
+          <a:ln w="9525" cap="flat" cmpd="sng">
             <a:solidFill>
               <a:srgbClr val="000000"/>
             </a:solidFill>
             <a:prstDash val="solid"/>
             <a:round/>
-            <a:headEnd len="sm" w="sm" type="none"/>
-            <a:tailEnd len="sm" w="sm" type="none"/>
+            <a:headEnd type="none" w="sm" len="sm"/>
+            <a:tailEnd type="none" w="sm" len="sm"/>
           </a:ln>
         </p:spPr>
       </p:sp>
       <p:sp>
         <p:nvSpPr>
           <p:cNvPr id="4" name="Shape 4"/>
-          <p:cNvSpPr txBox="1"/>
+          <p:cNvSpPr txBox="1">
+            <a:spLocks noGrp="1"/>
+          </p:cNvSpPr>
           <p:nvPr>
-            <p:ph idx="1" type="body"/>
+            <p:ph type="body" idx="1"/>
           </p:nvPr>
         </p:nvSpPr>
         <p:spPr>
@@ -327,9 +341,9 @@
           </a:ln>
         </p:spPr>
         <p:txBody>
-          <a:bodyPr anchorCtr="0" anchor="t" bIns="91425" lIns="91425" spcFirstLastPara="1" rIns="91425" wrap="square" tIns="91425"/>
+          <a:bodyPr spcFirstLastPara="1" wrap="square" lIns="91425" tIns="91425" rIns="91425" bIns="91425" anchor="t" anchorCtr="0"/>
           <a:lstStyle>
-            <a:lvl1pPr indent="-298450" lvl="0" marL="457200">
+            <a:lvl1pPr marL="457200" lvl="0" indent="-298450">
               <a:spcBef>
                 <a:spcPts val="0"/>
               </a:spcBef>
@@ -340,7 +354,7 @@
               <a:buChar char="●"/>
               <a:defRPr sz="1100"/>
             </a:lvl1pPr>
-            <a:lvl2pPr indent="-298450" lvl="1" marL="914400">
+            <a:lvl2pPr marL="914400" lvl="1" indent="-298450">
               <a:spcBef>
                 <a:spcPts val="0"/>
               </a:spcBef>
@@ -351,7 +365,7 @@
               <a:buChar char="○"/>
               <a:defRPr sz="1100"/>
             </a:lvl2pPr>
-            <a:lvl3pPr indent="-298450" lvl="2" marL="1371600">
+            <a:lvl3pPr marL="1371600" lvl="2" indent="-298450">
               <a:spcBef>
                 <a:spcPts val="0"/>
               </a:spcBef>
@@ -362,7 +376,7 @@
               <a:buChar char="■"/>
               <a:defRPr sz="1100"/>
             </a:lvl3pPr>
-            <a:lvl4pPr indent="-298450" lvl="3" marL="1828800">
+            <a:lvl4pPr marL="1828800" lvl="3" indent="-298450">
               <a:spcBef>
                 <a:spcPts val="0"/>
               </a:spcBef>
@@ -373,7 +387,7 @@
               <a:buChar char="●"/>
               <a:defRPr sz="1100"/>
             </a:lvl4pPr>
-            <a:lvl5pPr indent="-298450" lvl="4" marL="2286000">
+            <a:lvl5pPr marL="2286000" lvl="4" indent="-298450">
               <a:spcBef>
                 <a:spcPts val="0"/>
               </a:spcBef>
@@ -384,7 +398,7 @@
               <a:buChar char="○"/>
               <a:defRPr sz="1100"/>
             </a:lvl5pPr>
-            <a:lvl6pPr indent="-298450" lvl="5" marL="2743200">
+            <a:lvl6pPr marL="2743200" lvl="5" indent="-298450">
               <a:spcBef>
                 <a:spcPts val="0"/>
               </a:spcBef>
@@ -395,7 +409,7 @@
               <a:buChar char="■"/>
               <a:defRPr sz="1100"/>
             </a:lvl6pPr>
-            <a:lvl7pPr indent="-298450" lvl="6" marL="3200400">
+            <a:lvl7pPr marL="3200400" lvl="6" indent="-298450">
               <a:spcBef>
                 <a:spcPts val="0"/>
               </a:spcBef>
@@ -406,7 +420,7 @@
               <a:buChar char="●"/>
               <a:defRPr sz="1100"/>
             </a:lvl7pPr>
-            <a:lvl8pPr indent="-298450" lvl="7" marL="3657600">
+            <a:lvl8pPr marL="3657600" lvl="7" indent="-298450">
               <a:spcBef>
                 <a:spcPts val="0"/>
               </a:spcBef>
@@ -417,7 +431,7 @@
               <a:buChar char="○"/>
               <a:defRPr sz="1100"/>
             </a:lvl8pPr>
-            <a:lvl9pPr indent="-298450" lvl="8" marL="4114800">
+            <a:lvl9pPr marL="4114800" lvl="8" indent="-298450">
               <a:spcBef>
                 <a:spcPts val="0"/>
               </a:spcBef>
@@ -429,14 +443,16 @@
               <a:defRPr sz="1100"/>
             </a:lvl9pPr>
           </a:lstStyle>
-          <a:p/>
+          <a:p>
+            <a:endParaRPr/>
+          </a:p>
         </p:txBody>
       </p:sp>
     </p:spTree>
   </p:cSld>
-  <p:clrMap accent1="accent1" accent2="accent2" accent3="accent3" accent4="accent4" accent5="accent5" accent6="accent6" bg1="lt1" bg2="dk2" tx1="dk1" tx2="lt2" folHlink="folHlink" hlink="hlink"/>
+  <p:clrMap bg1="lt1" tx1="dk1" bg2="dk2" tx2="lt2" accent1="accent1" accent2="accent2" accent3="accent3" accent4="accent4" accent5="accent5" accent6="accent6" hlink="hlink" folHlink="folHlink"/>
   <p:notesStyle>
-    <a:defPPr lvl="0" marR="0" rtl="0" algn="l">
+    <a:defPPr marR="0" lvl="0" algn="l" rtl="0">
       <a:lnSpc>
         <a:spcPct val="100000"/>
       </a:lnSpc>
@@ -447,7 +463,7 @@
         <a:spcPts val="0"/>
       </a:spcAft>
     </a:defPPr>
-    <a:lvl1pPr lvl="0" marR="0" rtl="0" algn="l">
+    <a:lvl1pPr marR="0" lvl="0" algn="l" rtl="0">
       <a:lnSpc>
         <a:spcPct val="100000"/>
       </a:lnSpc>
@@ -461,7 +477,7 @@
         <a:srgbClr val="000000"/>
       </a:buClr>
       <a:buFont typeface="Arial"/>
-      <a:defRPr b="0" i="0" sz="1400" u="none" cap="none" strike="noStrike">
+      <a:defRPr sz="1400" b="0" i="0" u="none" strike="noStrike" cap="none">
         <a:solidFill>
           <a:srgbClr val="000000"/>
         </a:solidFill>
@@ -471,7 +487,7 @@
         <a:sym typeface="Arial"/>
       </a:defRPr>
     </a:lvl1pPr>
-    <a:lvl2pPr lvl="1" marR="0" rtl="0" algn="l">
+    <a:lvl2pPr marR="0" lvl="1" algn="l" rtl="0">
       <a:lnSpc>
         <a:spcPct val="100000"/>
       </a:lnSpc>
@@ -485,7 +501,7 @@
         <a:srgbClr val="000000"/>
       </a:buClr>
       <a:buFont typeface="Arial"/>
-      <a:defRPr b="0" i="0" sz="1400" u="none" cap="none" strike="noStrike">
+      <a:defRPr sz="1400" b="0" i="0" u="none" strike="noStrike" cap="none">
         <a:solidFill>
           <a:srgbClr val="000000"/>
         </a:solidFill>
@@ -495,7 +511,7 @@
         <a:sym typeface="Arial"/>
       </a:defRPr>
     </a:lvl2pPr>
-    <a:lvl3pPr lvl="2" marR="0" rtl="0" algn="l">
+    <a:lvl3pPr marR="0" lvl="2" algn="l" rtl="0">
       <a:lnSpc>
         <a:spcPct val="100000"/>
       </a:lnSpc>
@@ -509,7 +525,7 @@
         <a:srgbClr val="000000"/>
       </a:buClr>
       <a:buFont typeface="Arial"/>
-      <a:defRPr b="0" i="0" sz="1400" u="none" cap="none" strike="noStrike">
+      <a:defRPr sz="1400" b="0" i="0" u="none" strike="noStrike" cap="none">
         <a:solidFill>
           <a:srgbClr val="000000"/>
         </a:solidFill>
@@ -519,7 +535,7 @@
         <a:sym typeface="Arial"/>
       </a:defRPr>
     </a:lvl3pPr>
-    <a:lvl4pPr lvl="3" marR="0" rtl="0" algn="l">
+    <a:lvl4pPr marR="0" lvl="3" algn="l" rtl="0">
       <a:lnSpc>
         <a:spcPct val="100000"/>
       </a:lnSpc>
@@ -533,7 +549,7 @@
         <a:srgbClr val="000000"/>
       </a:buClr>
       <a:buFont typeface="Arial"/>
-      <a:defRPr b="0" i="0" sz="1400" u="none" cap="none" strike="noStrike">
+      <a:defRPr sz="1400" b="0" i="0" u="none" strike="noStrike" cap="none">
         <a:solidFill>
           <a:srgbClr val="000000"/>
         </a:solidFill>
@@ -543,7 +559,7 @@
         <a:sym typeface="Arial"/>
       </a:defRPr>
     </a:lvl4pPr>
-    <a:lvl5pPr lvl="4" marR="0" rtl="0" algn="l">
+    <a:lvl5pPr marR="0" lvl="4" algn="l" rtl="0">
       <a:lnSpc>
         <a:spcPct val="100000"/>
       </a:lnSpc>
@@ -557,7 +573,7 @@
         <a:srgbClr val="000000"/>
       </a:buClr>
       <a:buFont typeface="Arial"/>
-      <a:defRPr b="0" i="0" sz="1400" u="none" cap="none" strike="noStrike">
+      <a:defRPr sz="1400" b="0" i="0" u="none" strike="noStrike" cap="none">
         <a:solidFill>
           <a:srgbClr val="000000"/>
         </a:solidFill>
@@ -567,7 +583,7 @@
         <a:sym typeface="Arial"/>
       </a:defRPr>
     </a:lvl5pPr>
-    <a:lvl6pPr lvl="5" marR="0" rtl="0" algn="l">
+    <a:lvl6pPr marR="0" lvl="5" algn="l" rtl="0">
       <a:lnSpc>
         <a:spcPct val="100000"/>
       </a:lnSpc>
@@ -581,7 +597,7 @@
         <a:srgbClr val="000000"/>
       </a:buClr>
       <a:buFont typeface="Arial"/>
-      <a:defRPr b="0" i="0" sz="1400" u="none" cap="none" strike="noStrike">
+      <a:defRPr sz="1400" b="0" i="0" u="none" strike="noStrike" cap="none">
         <a:solidFill>
           <a:srgbClr val="000000"/>
         </a:solidFill>
@@ -591,7 +607,7 @@
         <a:sym typeface="Arial"/>
       </a:defRPr>
     </a:lvl6pPr>
-    <a:lvl7pPr lvl="6" marR="0" rtl="0" algn="l">
+    <a:lvl7pPr marR="0" lvl="6" algn="l" rtl="0">
       <a:lnSpc>
         <a:spcPct val="100000"/>
       </a:lnSpc>
@@ -605,7 +621,7 @@
         <a:srgbClr val="000000"/>
       </a:buClr>
       <a:buFont typeface="Arial"/>
-      <a:defRPr b="0" i="0" sz="1400" u="none" cap="none" strike="noStrike">
+      <a:defRPr sz="1400" b="0" i="0" u="none" strike="noStrike" cap="none">
         <a:solidFill>
           <a:srgbClr val="000000"/>
         </a:solidFill>
@@ -615,7 +631,7 @@
         <a:sym typeface="Arial"/>
       </a:defRPr>
     </a:lvl7pPr>
-    <a:lvl8pPr lvl="7" marR="0" rtl="0" algn="l">
+    <a:lvl8pPr marR="0" lvl="7" algn="l" rtl="0">
       <a:lnSpc>
         <a:spcPct val="100000"/>
       </a:lnSpc>
@@ -629,7 +645,7 @@
         <a:srgbClr val="000000"/>
       </a:buClr>
       <a:buFont typeface="Arial"/>
-      <a:defRPr b="0" i="0" sz="1400" u="none" cap="none" strike="noStrike">
+      <a:defRPr sz="1400" b="0" i="0" u="none" strike="noStrike" cap="none">
         <a:solidFill>
           <a:srgbClr val="000000"/>
         </a:solidFill>
@@ -639,7 +655,7 @@
         <a:sym typeface="Arial"/>
       </a:defRPr>
     </a:lvl8pPr>
-    <a:lvl9pPr lvl="8" marR="0" rtl="0" algn="l">
+    <a:lvl9pPr marR="0" lvl="8" algn="l" rtl="0">
       <a:lnSpc>
         <a:spcPct val="100000"/>
       </a:lnSpc>
@@ -653,7 +669,7 @@
         <a:srgbClr val="000000"/>
       </a:buClr>
       <a:buFont typeface="Arial"/>
-      <a:defRPr b="0" i="0" sz="1400" u="none" cap="none" strike="noStrike">
+      <a:defRPr sz="1400" b="0" i="0" u="none" strike="noStrike" cap="none">
         <a:solidFill>
           <a:srgbClr val="000000"/>
         </a:solidFill>
@@ -668,11 +684,11 @@
 </file>
 
 <file path=ppt/notesSlides/notesSlide1.xml><?xml version="1.0" encoding="utf-8"?>
-<p:notes xmlns:a="http://schemas.openxmlformats.org/drawingml/2006/main" xmlns:r="http://schemas.openxmlformats.org/officeDocument/2006/relationships" xmlns:mc="http://schemas.openxmlformats.org/markup-compatibility/2006" xmlns:mv="urn:schemas-microsoft-com:mac:vml" xmlns:p="http://schemas.openxmlformats.org/presentationml/2006/main" xmlns:c="http://schemas.openxmlformats.org/drawingml/2006/chart" xmlns:dgm="http://schemas.openxmlformats.org/drawingml/2006/diagram" xmlns:o="urn:schemas-microsoft-com:office:office" xmlns:v="urn:schemas-microsoft-com:vml" xmlns:pvml="urn:schemas-microsoft-com:office:powerpoint" xmlns:com="http://schemas.openxmlformats.org/drawingml/2006/compatibility" xmlns:p14="http://schemas.microsoft.com/office/powerpoint/2010/main" xmlns:p15="http://schemas.microsoft.com/office/powerpoint/2012/main" showMasterPhAnim="0" showMasterSp="0">
+<p:notes xmlns:a="http://schemas.openxmlformats.org/drawingml/2006/main" xmlns:r="http://schemas.openxmlformats.org/officeDocument/2006/relationships" xmlns:p="http://schemas.openxmlformats.org/presentationml/2006/main" showMasterSp="0" showMasterPhAnim="0">
   <p:cSld>
     <p:spTree>
       <p:nvGrpSpPr>
-        <p:cNvPr id="50" name="Shape 50"/>
+        <p:cNvPr id="1" name="Shape 50"/>
         <p:cNvGrpSpPr/>
         <p:nvPr/>
       </p:nvGrpSpPr>
@@ -687,19 +703,26 @@
       <p:sp>
         <p:nvSpPr>
           <p:cNvPr id="51" name="Shape 51"/>
-          <p:cNvSpPr/>
+          <p:cNvSpPr>
+            <a:spLocks noGrp="1" noRot="1" noChangeAspect="1"/>
+          </p:cNvSpPr>
           <p:nvPr>
-            <p:ph idx="2" type="sldImg"/>
+            <p:ph type="sldImg" idx="2"/>
           </p:nvPr>
         </p:nvSpPr>
         <p:spPr>
           <a:xfrm>
-            <a:off x="381300" y="685800"/>
-            <a:ext cx="6096075" cy="3429000"/>
+            <a:off x="381000" y="685800"/>
+            <a:ext cx="6096000" cy="3429000"/>
           </a:xfrm>
           <a:custGeom>
+            <a:avLst/>
+            <a:gdLst/>
+            <a:ahLst/>
+            <a:cxnLst/>
+            <a:rect l="0" t="0" r="0" b="0"/>
             <a:pathLst>
-              <a:path extrusionOk="0" h="120000" w="120000">
+              <a:path w="120000" h="120000" extrusionOk="0">
                 <a:moveTo>
                   <a:pt x="0" y="0"/>
                 </a:moveTo>
@@ -721,9 +744,11 @@
       <p:sp>
         <p:nvSpPr>
           <p:cNvPr id="52" name="Shape 52"/>
-          <p:cNvSpPr txBox="1"/>
+          <p:cNvSpPr txBox="1">
+            <a:spLocks noGrp="1"/>
+          </p:cNvSpPr>
           <p:nvPr>
-            <p:ph idx="1" type="body"/>
+            <p:ph type="body" idx="1"/>
           </p:nvPr>
         </p:nvSpPr>
         <p:spPr>
@@ -736,12 +761,12 @@
           </a:prstGeom>
         </p:spPr>
         <p:txBody>
-          <a:bodyPr anchorCtr="0" anchor="t" bIns="91425" lIns="91425" spcFirstLastPara="1" rIns="91425" wrap="square" tIns="91425">
+          <a:bodyPr spcFirstLastPara="1" wrap="square" lIns="91425" tIns="91425" rIns="91425" bIns="91425" anchor="t" anchorCtr="0">
             <a:noAutofit/>
           </a:bodyPr>
           <a:lstStyle/>
           <a:p>
-            <a:pPr indent="0" lvl="0" marL="0">
+            <a:pPr marL="0" lvl="0" indent="0">
               <a:spcBef>
                 <a:spcPts val="0"/>
               </a:spcBef>
@@ -750,9 +775,6 @@
               </a:spcAft>
               <a:buNone/>
             </a:pPr>
-            <a:r>
-              <a:t/>
-            </a:r>
             <a:endParaRPr/>
           </a:p>
         </p:txBody>
@@ -766,11 +788,11 @@
 </file>
 
 <file path=ppt/slideLayouts/slideLayout1.xml><?xml version="1.0" encoding="utf-8"?>
-<p:sldLayout xmlns:a="http://schemas.openxmlformats.org/drawingml/2006/main" xmlns:r="http://schemas.openxmlformats.org/officeDocument/2006/relationships" xmlns:mc="http://schemas.openxmlformats.org/markup-compatibility/2006" xmlns:mv="urn:schemas-microsoft-com:mac:vml" xmlns:p="http://schemas.openxmlformats.org/presentationml/2006/main" xmlns:c="http://schemas.openxmlformats.org/drawingml/2006/chart" xmlns:dgm="http://schemas.openxmlformats.org/drawingml/2006/diagram" xmlns:o="urn:schemas-microsoft-com:office:office" xmlns:v="urn:schemas-microsoft-com:vml" xmlns:pvml="urn:schemas-microsoft-com:office:powerpoint" xmlns:com="http://schemas.openxmlformats.org/drawingml/2006/compatibility" xmlns:p14="http://schemas.microsoft.com/office/powerpoint/2010/main" xmlns:p15="http://schemas.microsoft.com/office/powerpoint/2012/main" matchingName="Title slide" type="title">
+<p:sldLayout xmlns:a="http://schemas.openxmlformats.org/drawingml/2006/main" xmlns:r="http://schemas.openxmlformats.org/officeDocument/2006/relationships" xmlns:p="http://schemas.openxmlformats.org/presentationml/2006/main" matchingName="Title slide" type="title">
   <p:cSld name="TITLE">
     <p:spTree>
       <p:nvGrpSpPr>
-        <p:cNvPr id="9" name="Shape 9"/>
+        <p:cNvPr id="1" name="Shape 9"/>
         <p:cNvGrpSpPr/>
         <p:nvPr/>
       </p:nvGrpSpPr>
@@ -785,7 +807,9 @@
       <p:sp>
         <p:nvSpPr>
           <p:cNvPr id="10" name="Shape 10"/>
-          <p:cNvSpPr txBox="1"/>
+          <p:cNvSpPr txBox="1">
+            <a:spLocks noGrp="1"/>
+          </p:cNvSpPr>
           <p:nvPr>
             <p:ph type="ctrTitle"/>
           </p:nvPr>
@@ -800,7 +824,7 @@
           </a:prstGeom>
         </p:spPr>
         <p:txBody>
-          <a:bodyPr anchorCtr="0" anchor="b" bIns="91425" lIns="91425" spcFirstLastPara="1" rIns="91425" wrap="square" tIns="91425"/>
+          <a:bodyPr spcFirstLastPara="1" wrap="square" lIns="91425" tIns="91425" rIns="91425" bIns="91425" anchor="b" anchorCtr="0"/>
           <a:lstStyle>
             <a:lvl1pPr lvl="0" algn="ctr">
               <a:spcBef>
@@ -902,15 +926,19 @@
               <a:defRPr sz="5200"/>
             </a:lvl9pPr>
           </a:lstStyle>
-          <a:p/>
+          <a:p>
+            <a:endParaRPr/>
+          </a:p>
         </p:txBody>
       </p:sp>
       <p:sp>
         <p:nvSpPr>
           <p:cNvPr id="11" name="Shape 11"/>
-          <p:cNvSpPr txBox="1"/>
+          <p:cNvSpPr txBox="1">
+            <a:spLocks noGrp="1"/>
+          </p:cNvSpPr>
           <p:nvPr>
-            <p:ph idx="1" type="subTitle"/>
+            <p:ph type="subTitle" idx="1"/>
           </p:nvPr>
         </p:nvSpPr>
         <p:spPr>
@@ -923,7 +951,7 @@
           </a:prstGeom>
         </p:spPr>
         <p:txBody>
-          <a:bodyPr anchorCtr="0" anchor="t" bIns="91425" lIns="91425" spcFirstLastPara="1" rIns="91425" wrap="square" tIns="91425"/>
+          <a:bodyPr spcFirstLastPara="1" wrap="square" lIns="91425" tIns="91425" rIns="91425" bIns="91425" anchor="t" anchorCtr="0"/>
           <a:lstStyle>
             <a:lvl1pPr lvl="0" algn="ctr">
               <a:lnSpc>
@@ -1052,15 +1080,19 @@
               <a:defRPr sz="2800"/>
             </a:lvl9pPr>
           </a:lstStyle>
-          <a:p/>
+          <a:p>
+            <a:endParaRPr/>
+          </a:p>
         </p:txBody>
       </p:sp>
       <p:sp>
         <p:nvSpPr>
           <p:cNvPr id="12" name="Shape 12"/>
-          <p:cNvSpPr txBox="1"/>
+          <p:cNvSpPr txBox="1">
+            <a:spLocks noGrp="1"/>
+          </p:cNvSpPr>
           <p:nvPr>
-            <p:ph idx="12" type="sldNum"/>
+            <p:ph type="sldNum" idx="12"/>
           </p:nvPr>
         </p:nvSpPr>
         <p:spPr>
@@ -1073,7 +1105,7 @@
           </a:prstGeom>
         </p:spPr>
         <p:txBody>
-          <a:bodyPr anchorCtr="0" anchor="ctr" bIns="91425" lIns="91425" spcFirstLastPara="1" rIns="91425" wrap="square" tIns="91425">
+          <a:bodyPr spcFirstLastPara="1" wrap="square" lIns="91425" tIns="91425" rIns="91425" bIns="91425" anchor="ctr" anchorCtr="0">
             <a:noAutofit/>
           </a:bodyPr>
           <a:lstStyle>
@@ -1115,7 +1147,7 @@
             </a:lvl9pPr>
           </a:lstStyle>
           <a:p>
-            <a:pPr indent="0" lvl="0" marL="0">
+            <a:pPr marL="0" lvl="0" indent="0">
               <a:spcBef>
                 <a:spcPts val="0"/>
               </a:spcBef>
@@ -1141,11 +1173,11 @@
 </file>
 
 <file path=ppt/slideLayouts/slideLayout10.xml><?xml version="1.0" encoding="utf-8"?>
-<p:sldLayout xmlns:a="http://schemas.openxmlformats.org/drawingml/2006/main" xmlns:r="http://schemas.openxmlformats.org/officeDocument/2006/relationships" xmlns:mc="http://schemas.openxmlformats.org/markup-compatibility/2006" xmlns:mv="urn:schemas-microsoft-com:mac:vml" xmlns:p="http://schemas.openxmlformats.org/presentationml/2006/main" xmlns:c="http://schemas.openxmlformats.org/drawingml/2006/chart" xmlns:dgm="http://schemas.openxmlformats.org/drawingml/2006/diagram" xmlns:o="urn:schemas-microsoft-com:office:office" xmlns:v="urn:schemas-microsoft-com:vml" xmlns:pvml="urn:schemas-microsoft-com:office:powerpoint" xmlns:com="http://schemas.openxmlformats.org/drawingml/2006/compatibility" xmlns:p14="http://schemas.microsoft.com/office/powerpoint/2010/main" xmlns:p15="http://schemas.microsoft.com/office/powerpoint/2012/main" matchingName="Big number">
+<p:sldLayout xmlns:a="http://schemas.openxmlformats.org/drawingml/2006/main" xmlns:r="http://schemas.openxmlformats.org/officeDocument/2006/relationships" xmlns:p="http://schemas.openxmlformats.org/presentationml/2006/main" matchingName="Big number">
   <p:cSld name="BIG_NUMBER">
     <p:spTree>
       <p:nvGrpSpPr>
-        <p:cNvPr id="44" name="Shape 44"/>
+        <p:cNvPr id="1" name="Shape 44"/>
         <p:cNvGrpSpPr/>
         <p:nvPr/>
       </p:nvGrpSpPr>
@@ -1160,9 +1192,11 @@
       <p:sp>
         <p:nvSpPr>
           <p:cNvPr id="45" name="Shape 45"/>
-          <p:cNvSpPr txBox="1"/>
+          <p:cNvSpPr txBox="1">
+            <a:spLocks noGrp="1"/>
+          </p:cNvSpPr>
           <p:nvPr>
-            <p:ph hasCustomPrompt="1" type="title"/>
+            <p:ph type="title" hasCustomPrompt="1"/>
           </p:nvPr>
         </p:nvSpPr>
         <p:spPr>
@@ -1175,7 +1209,7 @@
           </a:prstGeom>
         </p:spPr>
         <p:txBody>
-          <a:bodyPr anchorCtr="0" anchor="b" bIns="91425" lIns="91425" spcFirstLastPara="1" rIns="91425" wrap="square" tIns="91425"/>
+          <a:bodyPr spcFirstLastPara="1" wrap="square" lIns="91425" tIns="91425" rIns="91425" bIns="91425" anchor="b" anchorCtr="0"/>
           <a:lstStyle>
             <a:lvl1pPr lvl="0" algn="ctr">
               <a:spcBef>
@@ -1287,9 +1321,11 @@
       <p:sp>
         <p:nvSpPr>
           <p:cNvPr id="46" name="Shape 46"/>
-          <p:cNvSpPr txBox="1"/>
+          <p:cNvSpPr txBox="1">
+            <a:spLocks noGrp="1"/>
+          </p:cNvSpPr>
           <p:nvPr>
-            <p:ph idx="1" type="body"/>
+            <p:ph type="body" idx="1"/>
           </p:nvPr>
         </p:nvSpPr>
         <p:spPr>
@@ -1302,9 +1338,9 @@
           </a:prstGeom>
         </p:spPr>
         <p:txBody>
-          <a:bodyPr anchorCtr="0" anchor="t" bIns="91425" lIns="91425" spcFirstLastPara="1" rIns="91425" wrap="square" tIns="91425"/>
+          <a:bodyPr spcFirstLastPara="1" wrap="square" lIns="91425" tIns="91425" rIns="91425" bIns="91425" anchor="t" anchorCtr="0"/>
           <a:lstStyle>
-            <a:lvl1pPr indent="-342900" lvl="0" marL="457200" algn="ctr">
+            <a:lvl1pPr marL="457200" lvl="0" indent="-342900" algn="ctr">
               <a:spcBef>
                 <a:spcPts val="0"/>
               </a:spcBef>
@@ -1315,7 +1351,7 @@
               <a:buChar char="●"/>
               <a:defRPr/>
             </a:lvl1pPr>
-            <a:lvl2pPr indent="-317500" lvl="1" marL="914400" algn="ctr">
+            <a:lvl2pPr marL="914400" lvl="1" indent="-317500" algn="ctr">
               <a:spcBef>
                 <a:spcPts val="1600"/>
               </a:spcBef>
@@ -1326,7 +1362,7 @@
               <a:buChar char="○"/>
               <a:defRPr/>
             </a:lvl2pPr>
-            <a:lvl3pPr indent="-317500" lvl="2" marL="1371600" algn="ctr">
+            <a:lvl3pPr marL="1371600" lvl="2" indent="-317500" algn="ctr">
               <a:spcBef>
                 <a:spcPts val="1600"/>
               </a:spcBef>
@@ -1337,7 +1373,7 @@
               <a:buChar char="■"/>
               <a:defRPr/>
             </a:lvl3pPr>
-            <a:lvl4pPr indent="-317500" lvl="3" marL="1828800" algn="ctr">
+            <a:lvl4pPr marL="1828800" lvl="3" indent="-317500" algn="ctr">
               <a:spcBef>
                 <a:spcPts val="1600"/>
               </a:spcBef>
@@ -1348,7 +1384,7 @@
               <a:buChar char="●"/>
               <a:defRPr/>
             </a:lvl4pPr>
-            <a:lvl5pPr indent="-317500" lvl="4" marL="2286000" algn="ctr">
+            <a:lvl5pPr marL="2286000" lvl="4" indent="-317500" algn="ctr">
               <a:spcBef>
                 <a:spcPts val="1600"/>
               </a:spcBef>
@@ -1359,7 +1395,7 @@
               <a:buChar char="○"/>
               <a:defRPr/>
             </a:lvl5pPr>
-            <a:lvl6pPr indent="-317500" lvl="5" marL="2743200" algn="ctr">
+            <a:lvl6pPr marL="2743200" lvl="5" indent="-317500" algn="ctr">
               <a:spcBef>
                 <a:spcPts val="1600"/>
               </a:spcBef>
@@ -1370,7 +1406,7 @@
               <a:buChar char="■"/>
               <a:defRPr/>
             </a:lvl6pPr>
-            <a:lvl7pPr indent="-317500" lvl="6" marL="3200400" algn="ctr">
+            <a:lvl7pPr marL="3200400" lvl="6" indent="-317500" algn="ctr">
               <a:spcBef>
                 <a:spcPts val="1600"/>
               </a:spcBef>
@@ -1381,7 +1417,7 @@
               <a:buChar char="●"/>
               <a:defRPr/>
             </a:lvl7pPr>
-            <a:lvl8pPr indent="-317500" lvl="7" marL="3657600" algn="ctr">
+            <a:lvl8pPr marL="3657600" lvl="7" indent="-317500" algn="ctr">
               <a:spcBef>
                 <a:spcPts val="1600"/>
               </a:spcBef>
@@ -1392,7 +1428,7 @@
               <a:buChar char="○"/>
               <a:defRPr/>
             </a:lvl8pPr>
-            <a:lvl9pPr indent="-317500" lvl="8" marL="4114800" algn="ctr">
+            <a:lvl9pPr marL="4114800" lvl="8" indent="-317500" algn="ctr">
               <a:spcBef>
                 <a:spcPts val="1600"/>
               </a:spcBef>
@@ -1404,15 +1440,19 @@
               <a:defRPr/>
             </a:lvl9pPr>
           </a:lstStyle>
-          <a:p/>
+          <a:p>
+            <a:endParaRPr/>
+          </a:p>
         </p:txBody>
       </p:sp>
       <p:sp>
         <p:nvSpPr>
           <p:cNvPr id="47" name="Shape 47"/>
-          <p:cNvSpPr txBox="1"/>
+          <p:cNvSpPr txBox="1">
+            <a:spLocks noGrp="1"/>
+          </p:cNvSpPr>
           <p:nvPr>
-            <p:ph idx="12" type="sldNum"/>
+            <p:ph type="sldNum" idx="12"/>
           </p:nvPr>
         </p:nvSpPr>
         <p:spPr>
@@ -1425,7 +1465,7 @@
           </a:prstGeom>
         </p:spPr>
         <p:txBody>
-          <a:bodyPr anchorCtr="0" anchor="ctr" bIns="91425" lIns="91425" spcFirstLastPara="1" rIns="91425" wrap="square" tIns="91425">
+          <a:bodyPr spcFirstLastPara="1" wrap="square" lIns="91425" tIns="91425" rIns="91425" bIns="91425" anchor="ctr" anchorCtr="0">
             <a:noAutofit/>
           </a:bodyPr>
           <a:lstStyle>
@@ -1467,7 +1507,7 @@
             </a:lvl9pPr>
           </a:lstStyle>
           <a:p>
-            <a:pPr indent="0" lvl="0" marL="0">
+            <a:pPr marL="0" lvl="0" indent="0">
               <a:spcBef>
                 <a:spcPts val="0"/>
               </a:spcBef>
@@ -1493,11 +1533,11 @@
 </file>
 
 <file path=ppt/slideLayouts/slideLayout11.xml><?xml version="1.0" encoding="utf-8"?>
-<p:sldLayout xmlns:a="http://schemas.openxmlformats.org/drawingml/2006/main" xmlns:r="http://schemas.openxmlformats.org/officeDocument/2006/relationships" xmlns:mc="http://schemas.openxmlformats.org/markup-compatibility/2006" xmlns:mv="urn:schemas-microsoft-com:mac:vml" xmlns:p="http://schemas.openxmlformats.org/presentationml/2006/main" xmlns:c="http://schemas.openxmlformats.org/drawingml/2006/chart" xmlns:dgm="http://schemas.openxmlformats.org/drawingml/2006/diagram" xmlns:o="urn:schemas-microsoft-com:office:office" xmlns:v="urn:schemas-microsoft-com:vml" xmlns:pvml="urn:schemas-microsoft-com:office:powerpoint" xmlns:com="http://schemas.openxmlformats.org/drawingml/2006/compatibility" xmlns:p14="http://schemas.microsoft.com/office/powerpoint/2010/main" xmlns:p15="http://schemas.microsoft.com/office/powerpoint/2012/main" matchingName="Blank" type="blank">
+<p:sldLayout xmlns:a="http://schemas.openxmlformats.org/drawingml/2006/main" xmlns:r="http://schemas.openxmlformats.org/officeDocument/2006/relationships" xmlns:p="http://schemas.openxmlformats.org/presentationml/2006/main" matchingName="Blank" type="blank">
   <p:cSld name="BLANK">
     <p:spTree>
       <p:nvGrpSpPr>
-        <p:cNvPr id="48" name="Shape 48"/>
+        <p:cNvPr id="1" name="Shape 48"/>
         <p:cNvGrpSpPr/>
         <p:nvPr/>
       </p:nvGrpSpPr>
@@ -1512,9 +1552,11 @@
       <p:sp>
         <p:nvSpPr>
           <p:cNvPr id="49" name="Shape 49"/>
-          <p:cNvSpPr txBox="1"/>
+          <p:cNvSpPr txBox="1">
+            <a:spLocks noGrp="1"/>
+          </p:cNvSpPr>
           <p:nvPr>
-            <p:ph idx="12" type="sldNum"/>
+            <p:ph type="sldNum" idx="12"/>
           </p:nvPr>
         </p:nvSpPr>
         <p:spPr>
@@ -1527,7 +1569,7 @@
           </a:prstGeom>
         </p:spPr>
         <p:txBody>
-          <a:bodyPr anchorCtr="0" anchor="ctr" bIns="91425" lIns="91425" spcFirstLastPara="1" rIns="91425" wrap="square" tIns="91425">
+          <a:bodyPr spcFirstLastPara="1" wrap="square" lIns="91425" tIns="91425" rIns="91425" bIns="91425" anchor="ctr" anchorCtr="0">
             <a:noAutofit/>
           </a:bodyPr>
           <a:lstStyle>
@@ -1569,7 +1611,7 @@
             </a:lvl9pPr>
           </a:lstStyle>
           <a:p>
-            <a:pPr indent="0" lvl="0" marL="0">
+            <a:pPr marL="0" lvl="0" indent="0">
               <a:spcBef>
                 <a:spcPts val="0"/>
               </a:spcBef>
@@ -1595,11 +1637,11 @@
 </file>
 
 <file path=ppt/slideLayouts/slideLayout2.xml><?xml version="1.0" encoding="utf-8"?>
-<p:sldLayout xmlns:a="http://schemas.openxmlformats.org/drawingml/2006/main" xmlns:r="http://schemas.openxmlformats.org/officeDocument/2006/relationships" xmlns:mc="http://schemas.openxmlformats.org/markup-compatibility/2006" xmlns:mv="urn:schemas-microsoft-com:mac:vml" xmlns:p="http://schemas.openxmlformats.org/presentationml/2006/main" xmlns:c="http://schemas.openxmlformats.org/drawingml/2006/chart" xmlns:dgm="http://schemas.openxmlformats.org/drawingml/2006/diagram" xmlns:o="urn:schemas-microsoft-com:office:office" xmlns:v="urn:schemas-microsoft-com:vml" xmlns:pvml="urn:schemas-microsoft-com:office:powerpoint" xmlns:com="http://schemas.openxmlformats.org/drawingml/2006/compatibility" xmlns:p14="http://schemas.microsoft.com/office/powerpoint/2010/main" xmlns:p15="http://schemas.microsoft.com/office/powerpoint/2012/main" matchingName="Section header" type="secHead">
+<p:sldLayout xmlns:a="http://schemas.openxmlformats.org/drawingml/2006/main" xmlns:r="http://schemas.openxmlformats.org/officeDocument/2006/relationships" xmlns:p="http://schemas.openxmlformats.org/presentationml/2006/main" matchingName="Section header" type="secHead">
   <p:cSld name="SECTION_HEADER">
     <p:spTree>
       <p:nvGrpSpPr>
-        <p:cNvPr id="13" name="Shape 13"/>
+        <p:cNvPr id="1" name="Shape 13"/>
         <p:cNvGrpSpPr/>
         <p:nvPr/>
       </p:nvGrpSpPr>
@@ -1614,7 +1656,9 @@
       <p:sp>
         <p:nvSpPr>
           <p:cNvPr id="14" name="Shape 14"/>
-          <p:cNvSpPr txBox="1"/>
+          <p:cNvSpPr txBox="1">
+            <a:spLocks noGrp="1"/>
+          </p:cNvSpPr>
           <p:nvPr>
             <p:ph type="title"/>
           </p:nvPr>
@@ -1629,7 +1673,7 @@
           </a:prstGeom>
         </p:spPr>
         <p:txBody>
-          <a:bodyPr anchorCtr="0" anchor="ctr" bIns="91425" lIns="91425" spcFirstLastPara="1" rIns="91425" wrap="square" tIns="91425"/>
+          <a:bodyPr spcFirstLastPara="1" wrap="square" lIns="91425" tIns="91425" rIns="91425" bIns="91425" anchor="ctr" anchorCtr="0"/>
           <a:lstStyle>
             <a:lvl1pPr lvl="0" algn="ctr">
               <a:spcBef>
@@ -1731,15 +1775,19 @@
               <a:defRPr sz="3600"/>
             </a:lvl9pPr>
           </a:lstStyle>
-          <a:p/>
+          <a:p>
+            <a:endParaRPr/>
+          </a:p>
         </p:txBody>
       </p:sp>
       <p:sp>
         <p:nvSpPr>
           <p:cNvPr id="15" name="Shape 15"/>
-          <p:cNvSpPr txBox="1"/>
+          <p:cNvSpPr txBox="1">
+            <a:spLocks noGrp="1"/>
+          </p:cNvSpPr>
           <p:nvPr>
-            <p:ph idx="12" type="sldNum"/>
+            <p:ph type="sldNum" idx="12"/>
           </p:nvPr>
         </p:nvSpPr>
         <p:spPr>
@@ -1752,7 +1800,7 @@
           </a:prstGeom>
         </p:spPr>
         <p:txBody>
-          <a:bodyPr anchorCtr="0" anchor="ctr" bIns="91425" lIns="91425" spcFirstLastPara="1" rIns="91425" wrap="square" tIns="91425">
+          <a:bodyPr spcFirstLastPara="1" wrap="square" lIns="91425" tIns="91425" rIns="91425" bIns="91425" anchor="ctr" anchorCtr="0">
             <a:noAutofit/>
           </a:bodyPr>
           <a:lstStyle>
@@ -1794,7 +1842,7 @@
             </a:lvl9pPr>
           </a:lstStyle>
           <a:p>
-            <a:pPr indent="0" lvl="0" marL="0">
+            <a:pPr marL="0" lvl="0" indent="0">
               <a:spcBef>
                 <a:spcPts val="0"/>
               </a:spcBef>
@@ -1820,11 +1868,11 @@
 </file>
 
 <file path=ppt/slideLayouts/slideLayout3.xml><?xml version="1.0" encoding="utf-8"?>
-<p:sldLayout xmlns:a="http://schemas.openxmlformats.org/drawingml/2006/main" xmlns:r="http://schemas.openxmlformats.org/officeDocument/2006/relationships" xmlns:mc="http://schemas.openxmlformats.org/markup-compatibility/2006" xmlns:mv="urn:schemas-microsoft-com:mac:vml" xmlns:p="http://schemas.openxmlformats.org/presentationml/2006/main" xmlns:c="http://schemas.openxmlformats.org/drawingml/2006/chart" xmlns:dgm="http://schemas.openxmlformats.org/drawingml/2006/diagram" xmlns:o="urn:schemas-microsoft-com:office:office" xmlns:v="urn:schemas-microsoft-com:vml" xmlns:pvml="urn:schemas-microsoft-com:office:powerpoint" xmlns:com="http://schemas.openxmlformats.org/drawingml/2006/compatibility" xmlns:p14="http://schemas.microsoft.com/office/powerpoint/2010/main" xmlns:p15="http://schemas.microsoft.com/office/powerpoint/2012/main" matchingName="Title and body" type="tx">
+<p:sldLayout xmlns:a="http://schemas.openxmlformats.org/drawingml/2006/main" xmlns:r="http://schemas.openxmlformats.org/officeDocument/2006/relationships" xmlns:p="http://schemas.openxmlformats.org/presentationml/2006/main" matchingName="Title and body" type="tx">
   <p:cSld name="TITLE_AND_BODY">
     <p:spTree>
       <p:nvGrpSpPr>
-        <p:cNvPr id="16" name="Shape 16"/>
+        <p:cNvPr id="1" name="Shape 16"/>
         <p:cNvGrpSpPr/>
         <p:nvPr/>
       </p:nvGrpSpPr>
@@ -1839,7 +1887,9 @@
       <p:sp>
         <p:nvSpPr>
           <p:cNvPr id="17" name="Shape 17"/>
-          <p:cNvSpPr txBox="1"/>
+          <p:cNvSpPr txBox="1">
+            <a:spLocks noGrp="1"/>
+          </p:cNvSpPr>
           <p:nvPr>
             <p:ph type="title"/>
           </p:nvPr>
@@ -1854,7 +1904,7 @@
           </a:prstGeom>
         </p:spPr>
         <p:txBody>
-          <a:bodyPr anchorCtr="0" anchor="t" bIns="91425" lIns="91425" spcFirstLastPara="1" rIns="91425" wrap="square" tIns="91425"/>
+          <a:bodyPr spcFirstLastPara="1" wrap="square" lIns="91425" tIns="91425" rIns="91425" bIns="91425" anchor="t" anchorCtr="0"/>
           <a:lstStyle>
             <a:lvl1pPr lvl="0">
               <a:spcBef>
@@ -1956,15 +2006,19 @@
               <a:defRPr/>
             </a:lvl9pPr>
           </a:lstStyle>
-          <a:p/>
+          <a:p>
+            <a:endParaRPr/>
+          </a:p>
         </p:txBody>
       </p:sp>
       <p:sp>
         <p:nvSpPr>
           <p:cNvPr id="18" name="Shape 18"/>
-          <p:cNvSpPr txBox="1"/>
+          <p:cNvSpPr txBox="1">
+            <a:spLocks noGrp="1"/>
+          </p:cNvSpPr>
           <p:nvPr>
-            <p:ph idx="1" type="body"/>
+            <p:ph type="body" idx="1"/>
           </p:nvPr>
         </p:nvSpPr>
         <p:spPr>
@@ -1977,9 +2031,9 @@
           </a:prstGeom>
         </p:spPr>
         <p:txBody>
-          <a:bodyPr anchorCtr="0" anchor="t" bIns="91425" lIns="91425" spcFirstLastPara="1" rIns="91425" wrap="square" tIns="91425"/>
+          <a:bodyPr spcFirstLastPara="1" wrap="square" lIns="91425" tIns="91425" rIns="91425" bIns="91425" anchor="t" anchorCtr="0"/>
           <a:lstStyle>
-            <a:lvl1pPr indent="-342900" lvl="0" marL="457200">
+            <a:lvl1pPr marL="457200" lvl="0" indent="-342900">
               <a:spcBef>
                 <a:spcPts val="0"/>
               </a:spcBef>
@@ -1990,7 +2044,7 @@
               <a:buChar char="●"/>
               <a:defRPr/>
             </a:lvl1pPr>
-            <a:lvl2pPr indent="-317500" lvl="1" marL="914400">
+            <a:lvl2pPr marL="914400" lvl="1" indent="-317500">
               <a:spcBef>
                 <a:spcPts val="1600"/>
               </a:spcBef>
@@ -2001,7 +2055,7 @@
               <a:buChar char="○"/>
               <a:defRPr/>
             </a:lvl2pPr>
-            <a:lvl3pPr indent="-317500" lvl="2" marL="1371600">
+            <a:lvl3pPr marL="1371600" lvl="2" indent="-317500">
               <a:spcBef>
                 <a:spcPts val="1600"/>
               </a:spcBef>
@@ -2012,7 +2066,7 @@
               <a:buChar char="■"/>
               <a:defRPr/>
             </a:lvl3pPr>
-            <a:lvl4pPr indent="-317500" lvl="3" marL="1828800">
+            <a:lvl4pPr marL="1828800" lvl="3" indent="-317500">
               <a:spcBef>
                 <a:spcPts val="1600"/>
               </a:spcBef>
@@ -2023,7 +2077,7 @@
               <a:buChar char="●"/>
               <a:defRPr/>
             </a:lvl4pPr>
-            <a:lvl5pPr indent="-317500" lvl="4" marL="2286000">
+            <a:lvl5pPr marL="2286000" lvl="4" indent="-317500">
               <a:spcBef>
                 <a:spcPts val="1600"/>
               </a:spcBef>
@@ -2034,7 +2088,7 @@
               <a:buChar char="○"/>
               <a:defRPr/>
             </a:lvl5pPr>
-            <a:lvl6pPr indent="-317500" lvl="5" marL="2743200">
+            <a:lvl6pPr marL="2743200" lvl="5" indent="-317500">
               <a:spcBef>
                 <a:spcPts val="1600"/>
               </a:spcBef>
@@ -2045,7 +2099,7 @@
               <a:buChar char="■"/>
               <a:defRPr/>
             </a:lvl6pPr>
-            <a:lvl7pPr indent="-317500" lvl="6" marL="3200400">
+            <a:lvl7pPr marL="3200400" lvl="6" indent="-317500">
               <a:spcBef>
                 <a:spcPts val="1600"/>
               </a:spcBef>
@@ -2056,7 +2110,7 @@
               <a:buChar char="●"/>
               <a:defRPr/>
             </a:lvl7pPr>
-            <a:lvl8pPr indent="-317500" lvl="7" marL="3657600">
+            <a:lvl8pPr marL="3657600" lvl="7" indent="-317500">
               <a:spcBef>
                 <a:spcPts val="1600"/>
               </a:spcBef>
@@ -2067,7 +2121,7 @@
               <a:buChar char="○"/>
               <a:defRPr/>
             </a:lvl8pPr>
-            <a:lvl9pPr indent="-317500" lvl="8" marL="4114800">
+            <a:lvl9pPr marL="4114800" lvl="8" indent="-317500">
               <a:spcBef>
                 <a:spcPts val="1600"/>
               </a:spcBef>
@@ -2079,15 +2133,19 @@
               <a:defRPr/>
             </a:lvl9pPr>
           </a:lstStyle>
-          <a:p/>
+          <a:p>
+            <a:endParaRPr/>
+          </a:p>
         </p:txBody>
       </p:sp>
       <p:sp>
         <p:nvSpPr>
           <p:cNvPr id="19" name="Shape 19"/>
-          <p:cNvSpPr txBox="1"/>
+          <p:cNvSpPr txBox="1">
+            <a:spLocks noGrp="1"/>
+          </p:cNvSpPr>
           <p:nvPr>
-            <p:ph idx="12" type="sldNum"/>
+            <p:ph type="sldNum" idx="12"/>
           </p:nvPr>
         </p:nvSpPr>
         <p:spPr>
@@ -2100,7 +2158,7 @@
           </a:prstGeom>
         </p:spPr>
         <p:txBody>
-          <a:bodyPr anchorCtr="0" anchor="ctr" bIns="91425" lIns="91425" spcFirstLastPara="1" rIns="91425" wrap="square" tIns="91425">
+          <a:bodyPr spcFirstLastPara="1" wrap="square" lIns="91425" tIns="91425" rIns="91425" bIns="91425" anchor="ctr" anchorCtr="0">
             <a:noAutofit/>
           </a:bodyPr>
           <a:lstStyle>
@@ -2142,7 +2200,7 @@
             </a:lvl9pPr>
           </a:lstStyle>
           <a:p>
-            <a:pPr indent="0" lvl="0" marL="0">
+            <a:pPr marL="0" lvl="0" indent="0">
               <a:spcBef>
                 <a:spcPts val="0"/>
               </a:spcBef>
@@ -2168,11 +2226,11 @@
 </file>
 
 <file path=ppt/slideLayouts/slideLayout4.xml><?xml version="1.0" encoding="utf-8"?>
-<p:sldLayout xmlns:a="http://schemas.openxmlformats.org/drawingml/2006/main" xmlns:r="http://schemas.openxmlformats.org/officeDocument/2006/relationships" xmlns:mc="http://schemas.openxmlformats.org/markup-compatibility/2006" xmlns:mv="urn:schemas-microsoft-com:mac:vml" xmlns:p="http://schemas.openxmlformats.org/presentationml/2006/main" xmlns:c="http://schemas.openxmlformats.org/drawingml/2006/chart" xmlns:dgm="http://schemas.openxmlformats.org/drawingml/2006/diagram" xmlns:o="urn:schemas-microsoft-com:office:office" xmlns:v="urn:schemas-microsoft-com:vml" xmlns:pvml="urn:schemas-microsoft-com:office:powerpoint" xmlns:com="http://schemas.openxmlformats.org/drawingml/2006/compatibility" xmlns:p14="http://schemas.microsoft.com/office/powerpoint/2010/main" xmlns:p15="http://schemas.microsoft.com/office/powerpoint/2012/main" matchingName="Title and two columns" type="twoColTx">
+<p:sldLayout xmlns:a="http://schemas.openxmlformats.org/drawingml/2006/main" xmlns:r="http://schemas.openxmlformats.org/officeDocument/2006/relationships" xmlns:p="http://schemas.openxmlformats.org/presentationml/2006/main" matchingName="Title and two columns" type="twoColTx">
   <p:cSld name="TITLE_AND_TWO_COLUMNS">
     <p:spTree>
       <p:nvGrpSpPr>
-        <p:cNvPr id="20" name="Shape 20"/>
+        <p:cNvPr id="1" name="Shape 20"/>
         <p:cNvGrpSpPr/>
         <p:nvPr/>
       </p:nvGrpSpPr>
@@ -2187,7 +2245,9 @@
       <p:sp>
         <p:nvSpPr>
           <p:cNvPr id="21" name="Shape 21"/>
-          <p:cNvSpPr txBox="1"/>
+          <p:cNvSpPr txBox="1">
+            <a:spLocks noGrp="1"/>
+          </p:cNvSpPr>
           <p:nvPr>
             <p:ph type="title"/>
           </p:nvPr>
@@ -2202,7 +2262,7 @@
           </a:prstGeom>
         </p:spPr>
         <p:txBody>
-          <a:bodyPr anchorCtr="0" anchor="t" bIns="91425" lIns="91425" spcFirstLastPara="1" rIns="91425" wrap="square" tIns="91425"/>
+          <a:bodyPr spcFirstLastPara="1" wrap="square" lIns="91425" tIns="91425" rIns="91425" bIns="91425" anchor="t" anchorCtr="0"/>
           <a:lstStyle>
             <a:lvl1pPr lvl="0">
               <a:spcBef>
@@ -2304,15 +2364,19 @@
               <a:defRPr/>
             </a:lvl9pPr>
           </a:lstStyle>
-          <a:p/>
+          <a:p>
+            <a:endParaRPr/>
+          </a:p>
         </p:txBody>
       </p:sp>
       <p:sp>
         <p:nvSpPr>
           <p:cNvPr id="22" name="Shape 22"/>
-          <p:cNvSpPr txBox="1"/>
+          <p:cNvSpPr txBox="1">
+            <a:spLocks noGrp="1"/>
+          </p:cNvSpPr>
           <p:nvPr>
-            <p:ph idx="1" type="body"/>
+            <p:ph type="body" idx="1"/>
           </p:nvPr>
         </p:nvSpPr>
         <p:spPr>
@@ -2325,9 +2389,9 @@
           </a:prstGeom>
         </p:spPr>
         <p:txBody>
-          <a:bodyPr anchorCtr="0" anchor="t" bIns="91425" lIns="91425" spcFirstLastPara="1" rIns="91425" wrap="square" tIns="91425"/>
+          <a:bodyPr spcFirstLastPara="1" wrap="square" lIns="91425" tIns="91425" rIns="91425" bIns="91425" anchor="t" anchorCtr="0"/>
           <a:lstStyle>
-            <a:lvl1pPr indent="-317500" lvl="0" marL="457200">
+            <a:lvl1pPr marL="457200" lvl="0" indent="-317500">
               <a:spcBef>
                 <a:spcPts val="0"/>
               </a:spcBef>
@@ -2338,7 +2402,7 @@
               <a:buChar char="●"/>
               <a:defRPr sz="1400"/>
             </a:lvl1pPr>
-            <a:lvl2pPr indent="-304800" lvl="1" marL="914400">
+            <a:lvl2pPr marL="914400" lvl="1" indent="-304800">
               <a:spcBef>
                 <a:spcPts val="1600"/>
               </a:spcBef>
@@ -2349,7 +2413,7 @@
               <a:buChar char="○"/>
               <a:defRPr sz="1200"/>
             </a:lvl2pPr>
-            <a:lvl3pPr indent="-304800" lvl="2" marL="1371600">
+            <a:lvl3pPr marL="1371600" lvl="2" indent="-304800">
               <a:spcBef>
                 <a:spcPts val="1600"/>
               </a:spcBef>
@@ -2360,7 +2424,7 @@
               <a:buChar char="■"/>
               <a:defRPr sz="1200"/>
             </a:lvl3pPr>
-            <a:lvl4pPr indent="-304800" lvl="3" marL="1828800">
+            <a:lvl4pPr marL="1828800" lvl="3" indent="-304800">
               <a:spcBef>
                 <a:spcPts val="1600"/>
               </a:spcBef>
@@ -2371,7 +2435,7 @@
               <a:buChar char="●"/>
               <a:defRPr sz="1200"/>
             </a:lvl4pPr>
-            <a:lvl5pPr indent="-304800" lvl="4" marL="2286000">
+            <a:lvl5pPr marL="2286000" lvl="4" indent="-304800">
               <a:spcBef>
                 <a:spcPts val="1600"/>
               </a:spcBef>
@@ -2382,7 +2446,7 @@
               <a:buChar char="○"/>
               <a:defRPr sz="1200"/>
             </a:lvl5pPr>
-            <a:lvl6pPr indent="-304800" lvl="5" marL="2743200">
+            <a:lvl6pPr marL="2743200" lvl="5" indent="-304800">
               <a:spcBef>
                 <a:spcPts val="1600"/>
               </a:spcBef>
@@ -2393,7 +2457,7 @@
               <a:buChar char="■"/>
               <a:defRPr sz="1200"/>
             </a:lvl6pPr>
-            <a:lvl7pPr indent="-304800" lvl="6" marL="3200400">
+            <a:lvl7pPr marL="3200400" lvl="6" indent="-304800">
               <a:spcBef>
                 <a:spcPts val="1600"/>
               </a:spcBef>
@@ -2404,7 +2468,7 @@
               <a:buChar char="●"/>
               <a:defRPr sz="1200"/>
             </a:lvl7pPr>
-            <a:lvl8pPr indent="-304800" lvl="7" marL="3657600">
+            <a:lvl8pPr marL="3657600" lvl="7" indent="-304800">
               <a:spcBef>
                 <a:spcPts val="1600"/>
               </a:spcBef>
@@ -2415,7 +2479,7 @@
               <a:buChar char="○"/>
               <a:defRPr sz="1200"/>
             </a:lvl8pPr>
-            <a:lvl9pPr indent="-304800" lvl="8" marL="4114800">
+            <a:lvl9pPr marL="4114800" lvl="8" indent="-304800">
               <a:spcBef>
                 <a:spcPts val="1600"/>
               </a:spcBef>
@@ -2427,15 +2491,19 @@
               <a:defRPr sz="1200"/>
             </a:lvl9pPr>
           </a:lstStyle>
-          <a:p/>
+          <a:p>
+            <a:endParaRPr/>
+          </a:p>
         </p:txBody>
       </p:sp>
       <p:sp>
         <p:nvSpPr>
           <p:cNvPr id="23" name="Shape 23"/>
-          <p:cNvSpPr txBox="1"/>
+          <p:cNvSpPr txBox="1">
+            <a:spLocks noGrp="1"/>
+          </p:cNvSpPr>
           <p:nvPr>
-            <p:ph idx="2" type="body"/>
+            <p:ph type="body" idx="2"/>
           </p:nvPr>
         </p:nvSpPr>
         <p:spPr>
@@ -2448,9 +2516,9 @@
           </a:prstGeom>
         </p:spPr>
         <p:txBody>
-          <a:bodyPr anchorCtr="0" anchor="t" bIns="91425" lIns="91425" spcFirstLastPara="1" rIns="91425" wrap="square" tIns="91425"/>
+          <a:bodyPr spcFirstLastPara="1" wrap="square" lIns="91425" tIns="91425" rIns="91425" bIns="91425" anchor="t" anchorCtr="0"/>
           <a:lstStyle>
-            <a:lvl1pPr indent="-317500" lvl="0" marL="457200">
+            <a:lvl1pPr marL="457200" lvl="0" indent="-317500">
               <a:spcBef>
                 <a:spcPts val="0"/>
               </a:spcBef>
@@ -2461,7 +2529,7 @@
               <a:buChar char="●"/>
               <a:defRPr sz="1400"/>
             </a:lvl1pPr>
-            <a:lvl2pPr indent="-304800" lvl="1" marL="914400">
+            <a:lvl2pPr marL="914400" lvl="1" indent="-304800">
               <a:spcBef>
                 <a:spcPts val="1600"/>
               </a:spcBef>
@@ -2472,7 +2540,7 @@
               <a:buChar char="○"/>
               <a:defRPr sz="1200"/>
             </a:lvl2pPr>
-            <a:lvl3pPr indent="-304800" lvl="2" marL="1371600">
+            <a:lvl3pPr marL="1371600" lvl="2" indent="-304800">
               <a:spcBef>
                 <a:spcPts val="1600"/>
               </a:spcBef>
@@ -2483,7 +2551,7 @@
               <a:buChar char="■"/>
               <a:defRPr sz="1200"/>
             </a:lvl3pPr>
-            <a:lvl4pPr indent="-304800" lvl="3" marL="1828800">
+            <a:lvl4pPr marL="1828800" lvl="3" indent="-304800">
               <a:spcBef>
                 <a:spcPts val="1600"/>
               </a:spcBef>
@@ -2494,7 +2562,7 @@
               <a:buChar char="●"/>
               <a:defRPr sz="1200"/>
             </a:lvl4pPr>
-            <a:lvl5pPr indent="-304800" lvl="4" marL="2286000">
+            <a:lvl5pPr marL="2286000" lvl="4" indent="-304800">
               <a:spcBef>
                 <a:spcPts val="1600"/>
               </a:spcBef>
@@ -2505,7 +2573,7 @@
               <a:buChar char="○"/>
               <a:defRPr sz="1200"/>
             </a:lvl5pPr>
-            <a:lvl6pPr indent="-304800" lvl="5" marL="2743200">
+            <a:lvl6pPr marL="2743200" lvl="5" indent="-304800">
               <a:spcBef>
                 <a:spcPts val="1600"/>
               </a:spcBef>
@@ -2516,7 +2584,7 @@
               <a:buChar char="■"/>
               <a:defRPr sz="1200"/>
             </a:lvl6pPr>
-            <a:lvl7pPr indent="-304800" lvl="6" marL="3200400">
+            <a:lvl7pPr marL="3200400" lvl="6" indent="-304800">
               <a:spcBef>
                 <a:spcPts val="1600"/>
               </a:spcBef>
@@ -2527,7 +2595,7 @@
               <a:buChar char="●"/>
               <a:defRPr sz="1200"/>
             </a:lvl7pPr>
-            <a:lvl8pPr indent="-304800" lvl="7" marL="3657600">
+            <a:lvl8pPr marL="3657600" lvl="7" indent="-304800">
               <a:spcBef>
                 <a:spcPts val="1600"/>
               </a:spcBef>
@@ -2538,7 +2606,7 @@
               <a:buChar char="○"/>
               <a:defRPr sz="1200"/>
             </a:lvl8pPr>
-            <a:lvl9pPr indent="-304800" lvl="8" marL="4114800">
+            <a:lvl9pPr marL="4114800" lvl="8" indent="-304800">
               <a:spcBef>
                 <a:spcPts val="1600"/>
               </a:spcBef>
@@ -2550,15 +2618,19 @@
               <a:defRPr sz="1200"/>
             </a:lvl9pPr>
           </a:lstStyle>
-          <a:p/>
+          <a:p>
+            <a:endParaRPr/>
+          </a:p>
         </p:txBody>
       </p:sp>
       <p:sp>
         <p:nvSpPr>
           <p:cNvPr id="24" name="Shape 24"/>
-          <p:cNvSpPr txBox="1"/>
+          <p:cNvSpPr txBox="1">
+            <a:spLocks noGrp="1"/>
+          </p:cNvSpPr>
           <p:nvPr>
-            <p:ph idx="12" type="sldNum"/>
+            <p:ph type="sldNum" idx="12"/>
           </p:nvPr>
         </p:nvSpPr>
         <p:spPr>
@@ -2571,7 +2643,7 @@
           </a:prstGeom>
         </p:spPr>
         <p:txBody>
-          <a:bodyPr anchorCtr="0" anchor="ctr" bIns="91425" lIns="91425" spcFirstLastPara="1" rIns="91425" wrap="square" tIns="91425">
+          <a:bodyPr spcFirstLastPara="1" wrap="square" lIns="91425" tIns="91425" rIns="91425" bIns="91425" anchor="ctr" anchorCtr="0">
             <a:noAutofit/>
           </a:bodyPr>
           <a:lstStyle>
@@ -2613,7 +2685,7 @@
             </a:lvl9pPr>
           </a:lstStyle>
           <a:p>
-            <a:pPr indent="0" lvl="0" marL="0">
+            <a:pPr marL="0" lvl="0" indent="0">
               <a:spcBef>
                 <a:spcPts val="0"/>
               </a:spcBef>
@@ -2639,11 +2711,11 @@
 </file>
 
 <file path=ppt/slideLayouts/slideLayout5.xml><?xml version="1.0" encoding="utf-8"?>
-<p:sldLayout xmlns:a="http://schemas.openxmlformats.org/drawingml/2006/main" xmlns:r="http://schemas.openxmlformats.org/officeDocument/2006/relationships" xmlns:mc="http://schemas.openxmlformats.org/markup-compatibility/2006" xmlns:mv="urn:schemas-microsoft-com:mac:vml" xmlns:p="http://schemas.openxmlformats.org/presentationml/2006/main" xmlns:c="http://schemas.openxmlformats.org/drawingml/2006/chart" xmlns:dgm="http://schemas.openxmlformats.org/drawingml/2006/diagram" xmlns:o="urn:schemas-microsoft-com:office:office" xmlns:v="urn:schemas-microsoft-com:vml" xmlns:pvml="urn:schemas-microsoft-com:office:powerpoint" xmlns:com="http://schemas.openxmlformats.org/drawingml/2006/compatibility" xmlns:p14="http://schemas.microsoft.com/office/powerpoint/2010/main" xmlns:p15="http://schemas.microsoft.com/office/powerpoint/2012/main" matchingName="Title only" type="titleOnly">
+<p:sldLayout xmlns:a="http://schemas.openxmlformats.org/drawingml/2006/main" xmlns:r="http://schemas.openxmlformats.org/officeDocument/2006/relationships" xmlns:p="http://schemas.openxmlformats.org/presentationml/2006/main" matchingName="Title only" type="titleOnly">
   <p:cSld name="TITLE_ONLY">
     <p:spTree>
       <p:nvGrpSpPr>
-        <p:cNvPr id="25" name="Shape 25"/>
+        <p:cNvPr id="1" name="Shape 25"/>
         <p:cNvGrpSpPr/>
         <p:nvPr/>
       </p:nvGrpSpPr>
@@ -2658,7 +2730,9 @@
       <p:sp>
         <p:nvSpPr>
           <p:cNvPr id="26" name="Shape 26"/>
-          <p:cNvSpPr txBox="1"/>
+          <p:cNvSpPr txBox="1">
+            <a:spLocks noGrp="1"/>
+          </p:cNvSpPr>
           <p:nvPr>
             <p:ph type="title"/>
           </p:nvPr>
@@ -2673,7 +2747,7 @@
           </a:prstGeom>
         </p:spPr>
         <p:txBody>
-          <a:bodyPr anchorCtr="0" anchor="t" bIns="91425" lIns="91425" spcFirstLastPara="1" rIns="91425" wrap="square" tIns="91425"/>
+          <a:bodyPr spcFirstLastPara="1" wrap="square" lIns="91425" tIns="91425" rIns="91425" bIns="91425" anchor="t" anchorCtr="0"/>
           <a:lstStyle>
             <a:lvl1pPr lvl="0">
               <a:spcBef>
@@ -2775,15 +2849,19 @@
               <a:defRPr/>
             </a:lvl9pPr>
           </a:lstStyle>
-          <a:p/>
+          <a:p>
+            <a:endParaRPr/>
+          </a:p>
         </p:txBody>
       </p:sp>
       <p:sp>
         <p:nvSpPr>
           <p:cNvPr id="27" name="Shape 27"/>
-          <p:cNvSpPr txBox="1"/>
+          <p:cNvSpPr txBox="1">
+            <a:spLocks noGrp="1"/>
+          </p:cNvSpPr>
           <p:nvPr>
-            <p:ph idx="12" type="sldNum"/>
+            <p:ph type="sldNum" idx="12"/>
           </p:nvPr>
         </p:nvSpPr>
         <p:spPr>
@@ -2796,7 +2874,7 @@
           </a:prstGeom>
         </p:spPr>
         <p:txBody>
-          <a:bodyPr anchorCtr="0" anchor="ctr" bIns="91425" lIns="91425" spcFirstLastPara="1" rIns="91425" wrap="square" tIns="91425">
+          <a:bodyPr spcFirstLastPara="1" wrap="square" lIns="91425" tIns="91425" rIns="91425" bIns="91425" anchor="ctr" anchorCtr="0">
             <a:noAutofit/>
           </a:bodyPr>
           <a:lstStyle>
@@ -2838,7 +2916,7 @@
             </a:lvl9pPr>
           </a:lstStyle>
           <a:p>
-            <a:pPr indent="0" lvl="0" marL="0">
+            <a:pPr marL="0" lvl="0" indent="0">
               <a:spcBef>
                 <a:spcPts val="0"/>
               </a:spcBef>
@@ -2864,11 +2942,11 @@
 </file>
 
 <file path=ppt/slideLayouts/slideLayout6.xml><?xml version="1.0" encoding="utf-8"?>
-<p:sldLayout xmlns:a="http://schemas.openxmlformats.org/drawingml/2006/main" xmlns:r="http://schemas.openxmlformats.org/officeDocument/2006/relationships" xmlns:mc="http://schemas.openxmlformats.org/markup-compatibility/2006" xmlns:mv="urn:schemas-microsoft-com:mac:vml" xmlns:p="http://schemas.openxmlformats.org/presentationml/2006/main" xmlns:c="http://schemas.openxmlformats.org/drawingml/2006/chart" xmlns:dgm="http://schemas.openxmlformats.org/drawingml/2006/diagram" xmlns:o="urn:schemas-microsoft-com:office:office" xmlns:v="urn:schemas-microsoft-com:vml" xmlns:pvml="urn:schemas-microsoft-com:office:powerpoint" xmlns:com="http://schemas.openxmlformats.org/drawingml/2006/compatibility" xmlns:p14="http://schemas.microsoft.com/office/powerpoint/2010/main" xmlns:p15="http://schemas.microsoft.com/office/powerpoint/2012/main" matchingName="One column text">
+<p:sldLayout xmlns:a="http://schemas.openxmlformats.org/drawingml/2006/main" xmlns:r="http://schemas.openxmlformats.org/officeDocument/2006/relationships" xmlns:p="http://schemas.openxmlformats.org/presentationml/2006/main" matchingName="One column text">
   <p:cSld name="ONE_COLUMN_TEXT">
     <p:spTree>
       <p:nvGrpSpPr>
-        <p:cNvPr id="28" name="Shape 28"/>
+        <p:cNvPr id="1" name="Shape 28"/>
         <p:cNvGrpSpPr/>
         <p:nvPr/>
       </p:nvGrpSpPr>
@@ -2883,7 +2961,9 @@
       <p:sp>
         <p:nvSpPr>
           <p:cNvPr id="29" name="Shape 29"/>
-          <p:cNvSpPr txBox="1"/>
+          <p:cNvSpPr txBox="1">
+            <a:spLocks noGrp="1"/>
+          </p:cNvSpPr>
           <p:nvPr>
             <p:ph type="title"/>
           </p:nvPr>
@@ -2898,7 +2978,7 @@
           </a:prstGeom>
         </p:spPr>
         <p:txBody>
-          <a:bodyPr anchorCtr="0" anchor="b" bIns="91425" lIns="91425" spcFirstLastPara="1" rIns="91425" wrap="square" tIns="91425"/>
+          <a:bodyPr spcFirstLastPara="1" wrap="square" lIns="91425" tIns="91425" rIns="91425" bIns="91425" anchor="b" anchorCtr="0"/>
           <a:lstStyle>
             <a:lvl1pPr lvl="0">
               <a:spcBef>
@@ -3000,15 +3080,19 @@
               <a:defRPr sz="2400"/>
             </a:lvl9pPr>
           </a:lstStyle>
-          <a:p/>
+          <a:p>
+            <a:endParaRPr/>
+          </a:p>
         </p:txBody>
       </p:sp>
       <p:sp>
         <p:nvSpPr>
           <p:cNvPr id="30" name="Shape 30"/>
-          <p:cNvSpPr txBox="1"/>
+          <p:cNvSpPr txBox="1">
+            <a:spLocks noGrp="1"/>
+          </p:cNvSpPr>
           <p:nvPr>
-            <p:ph idx="1" type="body"/>
+            <p:ph type="body" idx="1"/>
           </p:nvPr>
         </p:nvSpPr>
         <p:spPr>
@@ -3021,9 +3105,9 @@
           </a:prstGeom>
         </p:spPr>
         <p:txBody>
-          <a:bodyPr anchorCtr="0" anchor="t" bIns="91425" lIns="91425" spcFirstLastPara="1" rIns="91425" wrap="square" tIns="91425"/>
+          <a:bodyPr spcFirstLastPara="1" wrap="square" lIns="91425" tIns="91425" rIns="91425" bIns="91425" anchor="t" anchorCtr="0"/>
           <a:lstStyle>
-            <a:lvl1pPr indent="-304800" lvl="0" marL="457200">
+            <a:lvl1pPr marL="457200" lvl="0" indent="-304800">
               <a:spcBef>
                 <a:spcPts val="0"/>
               </a:spcBef>
@@ -3034,7 +3118,7 @@
               <a:buChar char="●"/>
               <a:defRPr sz="1200"/>
             </a:lvl1pPr>
-            <a:lvl2pPr indent="-304800" lvl="1" marL="914400">
+            <a:lvl2pPr marL="914400" lvl="1" indent="-304800">
               <a:spcBef>
                 <a:spcPts val="1600"/>
               </a:spcBef>
@@ -3045,7 +3129,7 @@
               <a:buChar char="○"/>
               <a:defRPr sz="1200"/>
             </a:lvl2pPr>
-            <a:lvl3pPr indent="-304800" lvl="2" marL="1371600">
+            <a:lvl3pPr marL="1371600" lvl="2" indent="-304800">
               <a:spcBef>
                 <a:spcPts val="1600"/>
               </a:spcBef>
@@ -3056,7 +3140,7 @@
               <a:buChar char="■"/>
               <a:defRPr sz="1200"/>
             </a:lvl3pPr>
-            <a:lvl4pPr indent="-304800" lvl="3" marL="1828800">
+            <a:lvl4pPr marL="1828800" lvl="3" indent="-304800">
               <a:spcBef>
                 <a:spcPts val="1600"/>
               </a:spcBef>
@@ -3067,7 +3151,7 @@
               <a:buChar char="●"/>
               <a:defRPr sz="1200"/>
             </a:lvl4pPr>
-            <a:lvl5pPr indent="-304800" lvl="4" marL="2286000">
+            <a:lvl5pPr marL="2286000" lvl="4" indent="-304800">
               <a:spcBef>
                 <a:spcPts val="1600"/>
               </a:spcBef>
@@ -3078,7 +3162,7 @@
               <a:buChar char="○"/>
               <a:defRPr sz="1200"/>
             </a:lvl5pPr>
-            <a:lvl6pPr indent="-304800" lvl="5" marL="2743200">
+            <a:lvl6pPr marL="2743200" lvl="5" indent="-304800">
               <a:spcBef>
                 <a:spcPts val="1600"/>
               </a:spcBef>
@@ -3089,7 +3173,7 @@
               <a:buChar char="■"/>
               <a:defRPr sz="1200"/>
             </a:lvl6pPr>
-            <a:lvl7pPr indent="-304800" lvl="6" marL="3200400">
+            <a:lvl7pPr marL="3200400" lvl="6" indent="-304800">
               <a:spcBef>
                 <a:spcPts val="1600"/>
               </a:spcBef>
@@ -3100,7 +3184,7 @@
               <a:buChar char="●"/>
               <a:defRPr sz="1200"/>
             </a:lvl7pPr>
-            <a:lvl8pPr indent="-304800" lvl="7" marL="3657600">
+            <a:lvl8pPr marL="3657600" lvl="7" indent="-304800">
               <a:spcBef>
                 <a:spcPts val="1600"/>
               </a:spcBef>
@@ -3111,7 +3195,7 @@
               <a:buChar char="○"/>
               <a:defRPr sz="1200"/>
             </a:lvl8pPr>
-            <a:lvl9pPr indent="-304800" lvl="8" marL="4114800">
+            <a:lvl9pPr marL="4114800" lvl="8" indent="-304800">
               <a:spcBef>
                 <a:spcPts val="1600"/>
               </a:spcBef>
@@ -3123,15 +3207,19 @@
               <a:defRPr sz="1200"/>
             </a:lvl9pPr>
           </a:lstStyle>
-          <a:p/>
+          <a:p>
+            <a:endParaRPr/>
+          </a:p>
         </p:txBody>
       </p:sp>
       <p:sp>
         <p:nvSpPr>
           <p:cNvPr id="31" name="Shape 31"/>
-          <p:cNvSpPr txBox="1"/>
+          <p:cNvSpPr txBox="1">
+            <a:spLocks noGrp="1"/>
+          </p:cNvSpPr>
           <p:nvPr>
-            <p:ph idx="12" type="sldNum"/>
+            <p:ph type="sldNum" idx="12"/>
           </p:nvPr>
         </p:nvSpPr>
         <p:spPr>
@@ -3144,7 +3232,7 @@
           </a:prstGeom>
         </p:spPr>
         <p:txBody>
-          <a:bodyPr anchorCtr="0" anchor="ctr" bIns="91425" lIns="91425" spcFirstLastPara="1" rIns="91425" wrap="square" tIns="91425">
+          <a:bodyPr spcFirstLastPara="1" wrap="square" lIns="91425" tIns="91425" rIns="91425" bIns="91425" anchor="ctr" anchorCtr="0">
             <a:noAutofit/>
           </a:bodyPr>
           <a:lstStyle>
@@ -3186,7 +3274,7 @@
             </a:lvl9pPr>
           </a:lstStyle>
           <a:p>
-            <a:pPr indent="0" lvl="0" marL="0">
+            <a:pPr marL="0" lvl="0" indent="0">
               <a:spcBef>
                 <a:spcPts val="0"/>
               </a:spcBef>
@@ -3212,11 +3300,11 @@
 </file>
 
 <file path=ppt/slideLayouts/slideLayout7.xml><?xml version="1.0" encoding="utf-8"?>
-<p:sldLayout xmlns:a="http://schemas.openxmlformats.org/drawingml/2006/main" xmlns:r="http://schemas.openxmlformats.org/officeDocument/2006/relationships" xmlns:mc="http://schemas.openxmlformats.org/markup-compatibility/2006" xmlns:mv="urn:schemas-microsoft-com:mac:vml" xmlns:p="http://schemas.openxmlformats.org/presentationml/2006/main" xmlns:c="http://schemas.openxmlformats.org/drawingml/2006/chart" xmlns:dgm="http://schemas.openxmlformats.org/drawingml/2006/diagram" xmlns:o="urn:schemas-microsoft-com:office:office" xmlns:v="urn:schemas-microsoft-com:vml" xmlns:pvml="urn:schemas-microsoft-com:office:powerpoint" xmlns:com="http://schemas.openxmlformats.org/drawingml/2006/compatibility" xmlns:p14="http://schemas.microsoft.com/office/powerpoint/2010/main" xmlns:p15="http://schemas.microsoft.com/office/powerpoint/2012/main" matchingName="Main point">
+<p:sldLayout xmlns:a="http://schemas.openxmlformats.org/drawingml/2006/main" xmlns:r="http://schemas.openxmlformats.org/officeDocument/2006/relationships" xmlns:p="http://schemas.openxmlformats.org/presentationml/2006/main" matchingName="Main point">
   <p:cSld name="MAIN_POINT">
     <p:spTree>
       <p:nvGrpSpPr>
-        <p:cNvPr id="32" name="Shape 32"/>
+        <p:cNvPr id="1" name="Shape 32"/>
         <p:cNvGrpSpPr/>
         <p:nvPr/>
       </p:nvGrpSpPr>
@@ -3231,7 +3319,9 @@
       <p:sp>
         <p:nvSpPr>
           <p:cNvPr id="33" name="Shape 33"/>
-          <p:cNvSpPr txBox="1"/>
+          <p:cNvSpPr txBox="1">
+            <a:spLocks noGrp="1"/>
+          </p:cNvSpPr>
           <p:nvPr>
             <p:ph type="title"/>
           </p:nvPr>
@@ -3246,7 +3336,7 @@
           </a:prstGeom>
         </p:spPr>
         <p:txBody>
-          <a:bodyPr anchorCtr="0" anchor="ctr" bIns="91425" lIns="91425" spcFirstLastPara="1" rIns="91425" wrap="square" tIns="91425"/>
+          <a:bodyPr spcFirstLastPara="1" wrap="square" lIns="91425" tIns="91425" rIns="91425" bIns="91425" anchor="ctr" anchorCtr="0"/>
           <a:lstStyle>
             <a:lvl1pPr lvl="0">
               <a:spcBef>
@@ -3348,15 +3438,19 @@
               <a:defRPr sz="4800"/>
             </a:lvl9pPr>
           </a:lstStyle>
-          <a:p/>
+          <a:p>
+            <a:endParaRPr/>
+          </a:p>
         </p:txBody>
       </p:sp>
       <p:sp>
         <p:nvSpPr>
           <p:cNvPr id="34" name="Shape 34"/>
-          <p:cNvSpPr txBox="1"/>
+          <p:cNvSpPr txBox="1">
+            <a:spLocks noGrp="1"/>
+          </p:cNvSpPr>
           <p:nvPr>
-            <p:ph idx="12" type="sldNum"/>
+            <p:ph type="sldNum" idx="12"/>
           </p:nvPr>
         </p:nvSpPr>
         <p:spPr>
@@ -3369,7 +3463,7 @@
           </a:prstGeom>
         </p:spPr>
         <p:txBody>
-          <a:bodyPr anchorCtr="0" anchor="ctr" bIns="91425" lIns="91425" spcFirstLastPara="1" rIns="91425" wrap="square" tIns="91425">
+          <a:bodyPr spcFirstLastPara="1" wrap="square" lIns="91425" tIns="91425" rIns="91425" bIns="91425" anchor="ctr" anchorCtr="0">
             <a:noAutofit/>
           </a:bodyPr>
           <a:lstStyle>
@@ -3411,7 +3505,7 @@
             </a:lvl9pPr>
           </a:lstStyle>
           <a:p>
-            <a:pPr indent="0" lvl="0" marL="0">
+            <a:pPr marL="0" lvl="0" indent="0">
               <a:spcBef>
                 <a:spcPts val="0"/>
               </a:spcBef>
@@ -3437,11 +3531,11 @@
 </file>
 
 <file path=ppt/slideLayouts/slideLayout8.xml><?xml version="1.0" encoding="utf-8"?>
-<p:sldLayout xmlns:a="http://schemas.openxmlformats.org/drawingml/2006/main" xmlns:r="http://schemas.openxmlformats.org/officeDocument/2006/relationships" xmlns:mc="http://schemas.openxmlformats.org/markup-compatibility/2006" xmlns:mv="urn:schemas-microsoft-com:mac:vml" xmlns:p="http://schemas.openxmlformats.org/presentationml/2006/main" xmlns:c="http://schemas.openxmlformats.org/drawingml/2006/chart" xmlns:dgm="http://schemas.openxmlformats.org/drawingml/2006/diagram" xmlns:o="urn:schemas-microsoft-com:office:office" xmlns:v="urn:schemas-microsoft-com:vml" xmlns:pvml="urn:schemas-microsoft-com:office:powerpoint" xmlns:com="http://schemas.openxmlformats.org/drawingml/2006/compatibility" xmlns:p14="http://schemas.microsoft.com/office/powerpoint/2010/main" xmlns:p15="http://schemas.microsoft.com/office/powerpoint/2012/main" matchingName="Section title and description">
+<p:sldLayout xmlns:a="http://schemas.openxmlformats.org/drawingml/2006/main" xmlns:r="http://schemas.openxmlformats.org/officeDocument/2006/relationships" xmlns:p="http://schemas.openxmlformats.org/presentationml/2006/main" matchingName="Section title and description">
   <p:cSld name="SECTION_TITLE_AND_DESCRIPTION">
     <p:spTree>
       <p:nvGrpSpPr>
-        <p:cNvPr id="35" name="Shape 35"/>
+        <p:cNvPr id="1" name="Shape 35"/>
         <p:cNvGrpSpPr/>
         <p:nvPr/>
       </p:nvGrpSpPr>
@@ -3475,12 +3569,12 @@
           </a:ln>
         </p:spPr>
         <p:txBody>
-          <a:bodyPr anchorCtr="0" anchor="ctr" bIns="91425" lIns="91425" spcFirstLastPara="1" rIns="91425" wrap="square" tIns="91425">
+          <a:bodyPr spcFirstLastPara="1" wrap="square" lIns="91425" tIns="91425" rIns="91425" bIns="91425" anchor="ctr" anchorCtr="0">
             <a:noAutofit/>
           </a:bodyPr>
           <a:lstStyle/>
           <a:p>
-            <a:pPr indent="0" lvl="0" marL="0">
+            <a:pPr marL="0" lvl="0" indent="0">
               <a:spcBef>
                 <a:spcPts val="0"/>
               </a:spcBef>
@@ -3489,9 +3583,6 @@
               </a:spcAft>
               <a:buNone/>
             </a:pPr>
-            <a:r>
-              <a:t/>
-            </a:r>
             <a:endParaRPr/>
           </a:p>
         </p:txBody>
@@ -3499,7 +3590,9 @@
       <p:sp>
         <p:nvSpPr>
           <p:cNvPr id="37" name="Shape 37"/>
-          <p:cNvSpPr txBox="1"/>
+          <p:cNvSpPr txBox="1">
+            <a:spLocks noGrp="1"/>
+          </p:cNvSpPr>
           <p:nvPr>
             <p:ph type="title"/>
           </p:nvPr>
@@ -3514,7 +3607,7 @@
           </a:prstGeom>
         </p:spPr>
         <p:txBody>
-          <a:bodyPr anchorCtr="0" anchor="b" bIns="91425" lIns="91425" spcFirstLastPara="1" rIns="91425" wrap="square" tIns="91425"/>
+          <a:bodyPr spcFirstLastPara="1" wrap="square" lIns="91425" tIns="91425" rIns="91425" bIns="91425" anchor="b" anchorCtr="0"/>
           <a:lstStyle>
             <a:lvl1pPr lvl="0" algn="ctr">
               <a:spcBef>
@@ -3616,15 +3709,19 @@
               <a:defRPr sz="4200"/>
             </a:lvl9pPr>
           </a:lstStyle>
-          <a:p/>
+          <a:p>
+            <a:endParaRPr/>
+          </a:p>
         </p:txBody>
       </p:sp>
       <p:sp>
         <p:nvSpPr>
           <p:cNvPr id="38" name="Shape 38"/>
-          <p:cNvSpPr txBox="1"/>
+          <p:cNvSpPr txBox="1">
+            <a:spLocks noGrp="1"/>
+          </p:cNvSpPr>
           <p:nvPr>
-            <p:ph idx="1" type="subTitle"/>
+            <p:ph type="subTitle" idx="1"/>
           </p:nvPr>
         </p:nvSpPr>
         <p:spPr>
@@ -3637,7 +3734,7 @@
           </a:prstGeom>
         </p:spPr>
         <p:txBody>
-          <a:bodyPr anchorCtr="0" anchor="t" bIns="91425" lIns="91425" spcFirstLastPara="1" rIns="91425" wrap="square" tIns="91425"/>
+          <a:bodyPr spcFirstLastPara="1" wrap="square" lIns="91425" tIns="91425" rIns="91425" bIns="91425" anchor="t" anchorCtr="0"/>
           <a:lstStyle>
             <a:lvl1pPr lvl="0" algn="ctr">
               <a:lnSpc>
@@ -3766,15 +3863,19 @@
               <a:defRPr sz="2100"/>
             </a:lvl9pPr>
           </a:lstStyle>
-          <a:p/>
+          <a:p>
+            <a:endParaRPr/>
+          </a:p>
         </p:txBody>
       </p:sp>
       <p:sp>
         <p:nvSpPr>
           <p:cNvPr id="39" name="Shape 39"/>
-          <p:cNvSpPr txBox="1"/>
+          <p:cNvSpPr txBox="1">
+            <a:spLocks noGrp="1"/>
+          </p:cNvSpPr>
           <p:nvPr>
-            <p:ph idx="2" type="body"/>
+            <p:ph type="body" idx="2"/>
           </p:nvPr>
         </p:nvSpPr>
         <p:spPr>
@@ -3787,9 +3888,9 @@
           </a:prstGeom>
         </p:spPr>
         <p:txBody>
-          <a:bodyPr anchorCtr="0" anchor="ctr" bIns="91425" lIns="91425" spcFirstLastPara="1" rIns="91425" wrap="square" tIns="91425"/>
+          <a:bodyPr spcFirstLastPara="1" wrap="square" lIns="91425" tIns="91425" rIns="91425" bIns="91425" anchor="ctr" anchorCtr="0"/>
           <a:lstStyle>
-            <a:lvl1pPr indent="-342900" lvl="0" marL="457200">
+            <a:lvl1pPr marL="457200" lvl="0" indent="-342900">
               <a:spcBef>
                 <a:spcPts val="0"/>
               </a:spcBef>
@@ -3800,7 +3901,7 @@
               <a:buChar char="●"/>
               <a:defRPr/>
             </a:lvl1pPr>
-            <a:lvl2pPr indent="-317500" lvl="1" marL="914400">
+            <a:lvl2pPr marL="914400" lvl="1" indent="-317500">
               <a:spcBef>
                 <a:spcPts val="1600"/>
               </a:spcBef>
@@ -3811,7 +3912,7 @@
               <a:buChar char="○"/>
               <a:defRPr/>
             </a:lvl2pPr>
-            <a:lvl3pPr indent="-317500" lvl="2" marL="1371600">
+            <a:lvl3pPr marL="1371600" lvl="2" indent="-317500">
               <a:spcBef>
                 <a:spcPts val="1600"/>
               </a:spcBef>
@@ -3822,7 +3923,7 @@
               <a:buChar char="■"/>
               <a:defRPr/>
             </a:lvl3pPr>
-            <a:lvl4pPr indent="-317500" lvl="3" marL="1828800">
+            <a:lvl4pPr marL="1828800" lvl="3" indent="-317500">
               <a:spcBef>
                 <a:spcPts val="1600"/>
               </a:spcBef>
@@ -3833,7 +3934,7 @@
               <a:buChar char="●"/>
               <a:defRPr/>
             </a:lvl4pPr>
-            <a:lvl5pPr indent="-317500" lvl="4" marL="2286000">
+            <a:lvl5pPr marL="2286000" lvl="4" indent="-317500">
               <a:spcBef>
                 <a:spcPts val="1600"/>
               </a:spcBef>
@@ -3844,7 +3945,7 @@
               <a:buChar char="○"/>
               <a:defRPr/>
             </a:lvl5pPr>
-            <a:lvl6pPr indent="-317500" lvl="5" marL="2743200">
+            <a:lvl6pPr marL="2743200" lvl="5" indent="-317500">
               <a:spcBef>
                 <a:spcPts val="1600"/>
               </a:spcBef>
@@ -3855,7 +3956,7 @@
               <a:buChar char="■"/>
               <a:defRPr/>
             </a:lvl6pPr>
-            <a:lvl7pPr indent="-317500" lvl="6" marL="3200400">
+            <a:lvl7pPr marL="3200400" lvl="6" indent="-317500">
               <a:spcBef>
                 <a:spcPts val="1600"/>
               </a:spcBef>
@@ -3866,7 +3967,7 @@
               <a:buChar char="●"/>
               <a:defRPr/>
             </a:lvl7pPr>
-            <a:lvl8pPr indent="-317500" lvl="7" marL="3657600">
+            <a:lvl8pPr marL="3657600" lvl="7" indent="-317500">
               <a:spcBef>
                 <a:spcPts val="1600"/>
               </a:spcBef>
@@ -3877,7 +3978,7 @@
               <a:buChar char="○"/>
               <a:defRPr/>
             </a:lvl8pPr>
-            <a:lvl9pPr indent="-317500" lvl="8" marL="4114800">
+            <a:lvl9pPr marL="4114800" lvl="8" indent="-317500">
               <a:spcBef>
                 <a:spcPts val="1600"/>
               </a:spcBef>
@@ -3889,15 +3990,19 @@
               <a:defRPr/>
             </a:lvl9pPr>
           </a:lstStyle>
-          <a:p/>
+          <a:p>
+            <a:endParaRPr/>
+          </a:p>
         </p:txBody>
       </p:sp>
       <p:sp>
         <p:nvSpPr>
           <p:cNvPr id="40" name="Shape 40"/>
-          <p:cNvSpPr txBox="1"/>
+          <p:cNvSpPr txBox="1">
+            <a:spLocks noGrp="1"/>
+          </p:cNvSpPr>
           <p:nvPr>
-            <p:ph idx="12" type="sldNum"/>
+            <p:ph type="sldNum" idx="12"/>
           </p:nvPr>
         </p:nvSpPr>
         <p:spPr>
@@ -3910,7 +4015,7 @@
           </a:prstGeom>
         </p:spPr>
         <p:txBody>
-          <a:bodyPr anchorCtr="0" anchor="ctr" bIns="91425" lIns="91425" spcFirstLastPara="1" rIns="91425" wrap="square" tIns="91425">
+          <a:bodyPr spcFirstLastPara="1" wrap="square" lIns="91425" tIns="91425" rIns="91425" bIns="91425" anchor="ctr" anchorCtr="0">
             <a:noAutofit/>
           </a:bodyPr>
           <a:lstStyle>
@@ -3952,7 +4057,7 @@
             </a:lvl9pPr>
           </a:lstStyle>
           <a:p>
-            <a:pPr indent="0" lvl="0" marL="0">
+            <a:pPr marL="0" lvl="0" indent="0">
               <a:spcBef>
                 <a:spcPts val="0"/>
               </a:spcBef>
@@ -3978,11 +4083,11 @@
 </file>
 
 <file path=ppt/slideLayouts/slideLayout9.xml><?xml version="1.0" encoding="utf-8"?>
-<p:sldLayout xmlns:a="http://schemas.openxmlformats.org/drawingml/2006/main" xmlns:r="http://schemas.openxmlformats.org/officeDocument/2006/relationships" xmlns:mc="http://schemas.openxmlformats.org/markup-compatibility/2006" xmlns:mv="urn:schemas-microsoft-com:mac:vml" xmlns:p="http://schemas.openxmlformats.org/presentationml/2006/main" xmlns:c="http://schemas.openxmlformats.org/drawingml/2006/chart" xmlns:dgm="http://schemas.openxmlformats.org/drawingml/2006/diagram" xmlns:o="urn:schemas-microsoft-com:office:office" xmlns:v="urn:schemas-microsoft-com:vml" xmlns:pvml="urn:schemas-microsoft-com:office:powerpoint" xmlns:com="http://schemas.openxmlformats.org/drawingml/2006/compatibility" xmlns:p14="http://schemas.microsoft.com/office/powerpoint/2010/main" xmlns:p15="http://schemas.microsoft.com/office/powerpoint/2012/main" matchingName="Caption">
+<p:sldLayout xmlns:a="http://schemas.openxmlformats.org/drawingml/2006/main" xmlns:r="http://schemas.openxmlformats.org/officeDocument/2006/relationships" xmlns:p="http://schemas.openxmlformats.org/presentationml/2006/main" matchingName="Caption">
   <p:cSld name="CAPTION_ONLY">
     <p:spTree>
       <p:nvGrpSpPr>
-        <p:cNvPr id="41" name="Shape 41"/>
+        <p:cNvPr id="1" name="Shape 41"/>
         <p:cNvGrpSpPr/>
         <p:nvPr/>
       </p:nvGrpSpPr>
@@ -3997,9 +4102,11 @@
       <p:sp>
         <p:nvSpPr>
           <p:cNvPr id="42" name="Shape 42"/>
-          <p:cNvSpPr txBox="1"/>
+          <p:cNvSpPr txBox="1">
+            <a:spLocks noGrp="1"/>
+          </p:cNvSpPr>
           <p:nvPr>
-            <p:ph idx="1" type="body"/>
+            <p:ph type="body" idx="1"/>
           </p:nvPr>
         </p:nvSpPr>
         <p:spPr>
@@ -4012,9 +4119,9 @@
           </a:prstGeom>
         </p:spPr>
         <p:txBody>
-          <a:bodyPr anchorCtr="0" anchor="ctr" bIns="91425" lIns="91425" spcFirstLastPara="1" rIns="91425" wrap="square" tIns="91425"/>
+          <a:bodyPr spcFirstLastPara="1" wrap="square" lIns="91425" tIns="91425" rIns="91425" bIns="91425" anchor="ctr" anchorCtr="0"/>
           <a:lstStyle>
-            <a:lvl1pPr indent="-228600" lvl="0" marL="457200">
+            <a:lvl1pPr marL="457200" lvl="0" indent="-228600">
               <a:lnSpc>
                 <a:spcPct val="100000"/>
               </a:lnSpc>
@@ -4029,15 +4136,19 @@
               <a:defRPr/>
             </a:lvl1pPr>
           </a:lstStyle>
-          <a:p/>
+          <a:p>
+            <a:endParaRPr/>
+          </a:p>
         </p:txBody>
       </p:sp>
       <p:sp>
         <p:nvSpPr>
           <p:cNvPr id="43" name="Shape 43"/>
-          <p:cNvSpPr txBox="1"/>
+          <p:cNvSpPr txBox="1">
+            <a:spLocks noGrp="1"/>
+          </p:cNvSpPr>
           <p:nvPr>
-            <p:ph idx="12" type="sldNum"/>
+            <p:ph type="sldNum" idx="12"/>
           </p:nvPr>
         </p:nvSpPr>
         <p:spPr>
@@ -4050,7 +4161,7 @@
           </a:prstGeom>
         </p:spPr>
         <p:txBody>
-          <a:bodyPr anchorCtr="0" anchor="ctr" bIns="91425" lIns="91425" spcFirstLastPara="1" rIns="91425" wrap="square" tIns="91425">
+          <a:bodyPr spcFirstLastPara="1" wrap="square" lIns="91425" tIns="91425" rIns="91425" bIns="91425" anchor="ctr" anchorCtr="0">
             <a:noAutofit/>
           </a:bodyPr>
           <a:lstStyle>
@@ -4092,7 +4203,7 @@
             </a:lvl9pPr>
           </a:lstStyle>
           <a:p>
-            <a:pPr indent="0" lvl="0" marL="0">
+            <a:pPr marL="0" lvl="0" indent="0">
               <a:spcBef>
                 <a:spcPts val="0"/>
               </a:spcBef>
@@ -4118,18 +4229,19 @@
 </file>
 
 <file path=ppt/slideMasters/slideMaster1.xml><?xml version="1.0" encoding="utf-8"?>
-<p:sldMaster xmlns:a="http://schemas.openxmlformats.org/drawingml/2006/main" xmlns:r="http://schemas.openxmlformats.org/officeDocument/2006/relationships" xmlns:mc="http://schemas.openxmlformats.org/markup-compatibility/2006" xmlns:mv="urn:schemas-microsoft-com:mac:vml" xmlns:p="http://schemas.openxmlformats.org/presentationml/2006/main" xmlns:c="http://schemas.openxmlformats.org/drawingml/2006/chart" xmlns:dgm="http://schemas.openxmlformats.org/drawingml/2006/diagram" xmlns:o="urn:schemas-microsoft-com:office:office" xmlns:v="urn:schemas-microsoft-com:vml" xmlns:pvml="urn:schemas-microsoft-com:office:powerpoint" xmlns:com="http://schemas.openxmlformats.org/drawingml/2006/compatibility" xmlns:p14="http://schemas.microsoft.com/office/powerpoint/2010/main" xmlns:p15="http://schemas.microsoft.com/office/powerpoint/2012/main">
+<p:sldMaster xmlns:a="http://schemas.openxmlformats.org/drawingml/2006/main" xmlns:r="http://schemas.openxmlformats.org/officeDocument/2006/relationships" xmlns:p="http://schemas.openxmlformats.org/presentationml/2006/main">
   <p:cSld name="simple-light-2">
     <p:bg>
       <p:bgPr>
         <a:solidFill>
           <a:schemeClr val="lt1"/>
         </a:solidFill>
+        <a:effectLst/>
       </p:bgPr>
     </p:bg>
     <p:spTree>
       <p:nvGrpSpPr>
-        <p:cNvPr id="5" name="Shape 5"/>
+        <p:cNvPr id="1" name="Shape 5"/>
         <p:cNvGrpSpPr/>
         <p:nvPr/>
       </p:nvGrpSpPr>
@@ -4144,7 +4256,9 @@
       <p:sp>
         <p:nvSpPr>
           <p:cNvPr id="6" name="Shape 6"/>
-          <p:cNvSpPr txBox="1"/>
+          <p:cNvSpPr txBox="1">
+            <a:spLocks noGrp="1"/>
+          </p:cNvSpPr>
           <p:nvPr>
             <p:ph type="title"/>
           </p:nvPr>
@@ -4163,7 +4277,7 @@
           </a:ln>
         </p:spPr>
         <p:txBody>
-          <a:bodyPr anchorCtr="0" anchor="t" bIns="91425" lIns="91425" spcFirstLastPara="1" rIns="91425" wrap="square" tIns="91425"/>
+          <a:bodyPr spcFirstLastPara="1" wrap="square" lIns="91425" tIns="91425" rIns="91425" bIns="91425" anchor="t" anchorCtr="0"/>
           <a:lstStyle>
             <a:lvl1pPr lvl="0">
               <a:spcBef>
@@ -4328,15 +4442,19 @@
               </a:defRPr>
             </a:lvl9pPr>
           </a:lstStyle>
-          <a:p/>
+          <a:p>
+            <a:endParaRPr/>
+          </a:p>
         </p:txBody>
       </p:sp>
       <p:sp>
         <p:nvSpPr>
           <p:cNvPr id="7" name="Shape 7"/>
-          <p:cNvSpPr txBox="1"/>
+          <p:cNvSpPr txBox="1">
+            <a:spLocks noGrp="1"/>
+          </p:cNvSpPr>
           <p:nvPr>
-            <p:ph idx="1" type="body"/>
+            <p:ph type="body" idx="1"/>
           </p:nvPr>
         </p:nvSpPr>
         <p:spPr>
@@ -4353,9 +4471,9 @@
           </a:ln>
         </p:spPr>
         <p:txBody>
-          <a:bodyPr anchorCtr="0" anchor="t" bIns="91425" lIns="91425" spcFirstLastPara="1" rIns="91425" wrap="square" tIns="91425"/>
+          <a:bodyPr spcFirstLastPara="1" wrap="square" lIns="91425" tIns="91425" rIns="91425" bIns="91425" anchor="t" anchorCtr="0"/>
           <a:lstStyle>
-            <a:lvl1pPr indent="-342900" lvl="0" marL="457200">
+            <a:lvl1pPr marL="457200" lvl="0" indent="-342900">
               <a:lnSpc>
                 <a:spcPct val="115000"/>
               </a:lnSpc>
@@ -4376,7 +4494,7 @@
                 </a:solidFill>
               </a:defRPr>
             </a:lvl1pPr>
-            <a:lvl2pPr indent="-317500" lvl="1" marL="914400">
+            <a:lvl2pPr marL="914400" lvl="1" indent="-317500">
               <a:lnSpc>
                 <a:spcPct val="115000"/>
               </a:lnSpc>
@@ -4397,7 +4515,7 @@
                 </a:solidFill>
               </a:defRPr>
             </a:lvl2pPr>
-            <a:lvl3pPr indent="-317500" lvl="2" marL="1371600">
+            <a:lvl3pPr marL="1371600" lvl="2" indent="-317500">
               <a:lnSpc>
                 <a:spcPct val="115000"/>
               </a:lnSpc>
@@ -4418,7 +4536,7 @@
                 </a:solidFill>
               </a:defRPr>
             </a:lvl3pPr>
-            <a:lvl4pPr indent="-317500" lvl="3" marL="1828800">
+            <a:lvl4pPr marL="1828800" lvl="3" indent="-317500">
               <a:lnSpc>
                 <a:spcPct val="115000"/>
               </a:lnSpc>
@@ -4439,7 +4557,7 @@
                 </a:solidFill>
               </a:defRPr>
             </a:lvl4pPr>
-            <a:lvl5pPr indent="-317500" lvl="4" marL="2286000">
+            <a:lvl5pPr marL="2286000" lvl="4" indent="-317500">
               <a:lnSpc>
                 <a:spcPct val="115000"/>
               </a:lnSpc>
@@ -4460,7 +4578,7 @@
                 </a:solidFill>
               </a:defRPr>
             </a:lvl5pPr>
-            <a:lvl6pPr indent="-317500" lvl="5" marL="2743200">
+            <a:lvl6pPr marL="2743200" lvl="5" indent="-317500">
               <a:lnSpc>
                 <a:spcPct val="115000"/>
               </a:lnSpc>
@@ -4481,7 +4599,7 @@
                 </a:solidFill>
               </a:defRPr>
             </a:lvl6pPr>
-            <a:lvl7pPr indent="-317500" lvl="6" marL="3200400">
+            <a:lvl7pPr marL="3200400" lvl="6" indent="-317500">
               <a:lnSpc>
                 <a:spcPct val="115000"/>
               </a:lnSpc>
@@ -4502,7 +4620,7 @@
                 </a:solidFill>
               </a:defRPr>
             </a:lvl7pPr>
-            <a:lvl8pPr indent="-317500" lvl="7" marL="3657600">
+            <a:lvl8pPr marL="3657600" lvl="7" indent="-317500">
               <a:lnSpc>
                 <a:spcPct val="115000"/>
               </a:lnSpc>
@@ -4523,7 +4641,7 @@
                 </a:solidFill>
               </a:defRPr>
             </a:lvl8pPr>
-            <a:lvl9pPr indent="-317500" lvl="8" marL="4114800">
+            <a:lvl9pPr marL="4114800" lvl="8" indent="-317500">
               <a:lnSpc>
                 <a:spcPct val="115000"/>
               </a:lnSpc>
@@ -4545,15 +4663,19 @@
               </a:defRPr>
             </a:lvl9pPr>
           </a:lstStyle>
-          <a:p/>
+          <a:p>
+            <a:endParaRPr/>
+          </a:p>
         </p:txBody>
       </p:sp>
       <p:sp>
         <p:nvSpPr>
           <p:cNvPr id="8" name="Shape 8"/>
-          <p:cNvSpPr txBox="1"/>
+          <p:cNvSpPr txBox="1">
+            <a:spLocks noGrp="1"/>
+          </p:cNvSpPr>
           <p:nvPr>
-            <p:ph idx="12" type="sldNum"/>
+            <p:ph type="sldNum" idx="12"/>
           </p:nvPr>
         </p:nvSpPr>
         <p:spPr>
@@ -4570,7 +4692,7 @@
           </a:ln>
         </p:spPr>
         <p:txBody>
-          <a:bodyPr anchorCtr="0" anchor="ctr" bIns="91425" lIns="91425" spcFirstLastPara="1" rIns="91425" wrap="square" tIns="91425">
+          <a:bodyPr spcFirstLastPara="1" wrap="square" lIns="91425" tIns="91425" rIns="91425" bIns="91425" anchor="ctr" anchorCtr="0">
             <a:noAutofit/>
           </a:bodyPr>
           <a:lstStyle>
@@ -4648,7 +4770,7 @@
             </a:lvl9pPr>
           </a:lstStyle>
           <a:p>
-            <a:pPr indent="0" lvl="0" marL="0">
+            <a:pPr marL="0" lvl="0" indent="0">
               <a:spcBef>
                 <a:spcPts val="0"/>
               </a:spcBef>
@@ -4667,7 +4789,7 @@
       </p:sp>
     </p:spTree>
   </p:cSld>
-  <p:clrMap accent1="accent1" accent2="accent2" accent3="accent3" accent4="accent4" accent5="accent5" accent6="accent6" bg1="lt1" bg2="dk2" tx1="dk1" tx2="lt2" folHlink="folHlink" hlink="hlink"/>
+  <p:clrMap bg1="lt1" tx1="dk1" bg2="dk2" tx2="lt2" accent1="accent1" accent2="accent2" accent3="accent3" accent4="accent4" accent5="accent5" accent6="accent6" hlink="hlink" folHlink="folHlink"/>
   <p:sldLayoutIdLst>
     <p:sldLayoutId id="2147483648" r:id="rId1"/>
     <p:sldLayoutId id="2147483649" r:id="rId2"/>
@@ -4681,10 +4803,10 @@
     <p:sldLayoutId id="2147483657" r:id="rId10"/>
     <p:sldLayoutId id="2147483658" r:id="rId11"/>
   </p:sldLayoutIdLst>
-  <p:hf dt="0" ftr="0" hdr="0" sldNum="0"/>
+  <p:hf sldNum="0" hdr="0" ftr="0" dt="0"/>
   <p:txStyles>
     <p:titleStyle>
-      <a:defPPr lvl="0" marR="0" rtl="0" algn="l">
+      <a:defPPr marR="0" lvl="0" algn="l" rtl="0">
         <a:lnSpc>
           <a:spcPct val="100000"/>
         </a:lnSpc>
@@ -4695,7 +4817,7 @@
           <a:spcPts val="0"/>
         </a:spcAft>
       </a:defPPr>
-      <a:lvl1pPr lvl="0" marR="0" rtl="0" algn="l">
+      <a:lvl1pPr marR="0" lvl="0" algn="l" rtl="0">
         <a:lnSpc>
           <a:spcPct val="100000"/>
         </a:lnSpc>
@@ -4709,7 +4831,7 @@
           <a:srgbClr val="000000"/>
         </a:buClr>
         <a:buFont typeface="Arial"/>
-        <a:defRPr b="0" i="0" sz="1400" u="none" cap="none" strike="noStrike">
+        <a:defRPr sz="1400" b="0" i="0" u="none" strike="noStrike" cap="none">
           <a:solidFill>
             <a:srgbClr val="000000"/>
           </a:solidFill>
@@ -4719,7 +4841,7 @@
           <a:sym typeface="Arial"/>
         </a:defRPr>
       </a:lvl1pPr>
-      <a:lvl2pPr lvl="1" marR="0" rtl="0" algn="l">
+      <a:lvl2pPr marR="0" lvl="1" algn="l" rtl="0">
         <a:lnSpc>
           <a:spcPct val="100000"/>
         </a:lnSpc>
@@ -4733,7 +4855,7 @@
           <a:srgbClr val="000000"/>
         </a:buClr>
         <a:buFont typeface="Arial"/>
-        <a:defRPr b="0" i="0" sz="1400" u="none" cap="none" strike="noStrike">
+        <a:defRPr sz="1400" b="0" i="0" u="none" strike="noStrike" cap="none">
           <a:solidFill>
             <a:srgbClr val="000000"/>
           </a:solidFill>
@@ -4743,7 +4865,7 @@
           <a:sym typeface="Arial"/>
         </a:defRPr>
       </a:lvl2pPr>
-      <a:lvl3pPr lvl="2" marR="0" rtl="0" algn="l">
+      <a:lvl3pPr marR="0" lvl="2" algn="l" rtl="0">
         <a:lnSpc>
           <a:spcPct val="100000"/>
         </a:lnSpc>
@@ -4757,7 +4879,7 @@
           <a:srgbClr val="000000"/>
         </a:buClr>
         <a:buFont typeface="Arial"/>
-        <a:defRPr b="0" i="0" sz="1400" u="none" cap="none" strike="noStrike">
+        <a:defRPr sz="1400" b="0" i="0" u="none" strike="noStrike" cap="none">
           <a:solidFill>
             <a:srgbClr val="000000"/>
           </a:solidFill>
@@ -4767,7 +4889,7 @@
           <a:sym typeface="Arial"/>
         </a:defRPr>
       </a:lvl3pPr>
-      <a:lvl4pPr lvl="3" marR="0" rtl="0" algn="l">
+      <a:lvl4pPr marR="0" lvl="3" algn="l" rtl="0">
         <a:lnSpc>
           <a:spcPct val="100000"/>
         </a:lnSpc>
@@ -4781,7 +4903,7 @@
           <a:srgbClr val="000000"/>
         </a:buClr>
         <a:buFont typeface="Arial"/>
-        <a:defRPr b="0" i="0" sz="1400" u="none" cap="none" strike="noStrike">
+        <a:defRPr sz="1400" b="0" i="0" u="none" strike="noStrike" cap="none">
           <a:solidFill>
             <a:srgbClr val="000000"/>
           </a:solidFill>
@@ -4791,7 +4913,7 @@
           <a:sym typeface="Arial"/>
         </a:defRPr>
       </a:lvl4pPr>
-      <a:lvl5pPr lvl="4" marR="0" rtl="0" algn="l">
+      <a:lvl5pPr marR="0" lvl="4" algn="l" rtl="0">
         <a:lnSpc>
           <a:spcPct val="100000"/>
         </a:lnSpc>
@@ -4805,7 +4927,7 @@
           <a:srgbClr val="000000"/>
         </a:buClr>
         <a:buFont typeface="Arial"/>
-        <a:defRPr b="0" i="0" sz="1400" u="none" cap="none" strike="noStrike">
+        <a:defRPr sz="1400" b="0" i="0" u="none" strike="noStrike" cap="none">
           <a:solidFill>
             <a:srgbClr val="000000"/>
           </a:solidFill>
@@ -4815,7 +4937,7 @@
           <a:sym typeface="Arial"/>
         </a:defRPr>
       </a:lvl5pPr>
-      <a:lvl6pPr lvl="5" marR="0" rtl="0" algn="l">
+      <a:lvl6pPr marR="0" lvl="5" algn="l" rtl="0">
         <a:lnSpc>
           <a:spcPct val="100000"/>
         </a:lnSpc>
@@ -4829,7 +4951,7 @@
           <a:srgbClr val="000000"/>
         </a:buClr>
         <a:buFont typeface="Arial"/>
-        <a:defRPr b="0" i="0" sz="1400" u="none" cap="none" strike="noStrike">
+        <a:defRPr sz="1400" b="0" i="0" u="none" strike="noStrike" cap="none">
           <a:solidFill>
             <a:srgbClr val="000000"/>
           </a:solidFill>
@@ -4839,7 +4961,7 @@
           <a:sym typeface="Arial"/>
         </a:defRPr>
       </a:lvl6pPr>
-      <a:lvl7pPr lvl="6" marR="0" rtl="0" algn="l">
+      <a:lvl7pPr marR="0" lvl="6" algn="l" rtl="0">
         <a:lnSpc>
           <a:spcPct val="100000"/>
         </a:lnSpc>
@@ -4853,7 +4975,7 @@
           <a:srgbClr val="000000"/>
         </a:buClr>
         <a:buFont typeface="Arial"/>
-        <a:defRPr b="0" i="0" sz="1400" u="none" cap="none" strike="noStrike">
+        <a:defRPr sz="1400" b="0" i="0" u="none" strike="noStrike" cap="none">
           <a:solidFill>
             <a:srgbClr val="000000"/>
           </a:solidFill>
@@ -4863,7 +4985,7 @@
           <a:sym typeface="Arial"/>
         </a:defRPr>
       </a:lvl7pPr>
-      <a:lvl8pPr lvl="7" marR="0" rtl="0" algn="l">
+      <a:lvl8pPr marR="0" lvl="7" algn="l" rtl="0">
         <a:lnSpc>
           <a:spcPct val="100000"/>
         </a:lnSpc>
@@ -4877,7 +4999,7 @@
           <a:srgbClr val="000000"/>
         </a:buClr>
         <a:buFont typeface="Arial"/>
-        <a:defRPr b="0" i="0" sz="1400" u="none" cap="none" strike="noStrike">
+        <a:defRPr sz="1400" b="0" i="0" u="none" strike="noStrike" cap="none">
           <a:solidFill>
             <a:srgbClr val="000000"/>
           </a:solidFill>
@@ -4887,7 +5009,7 @@
           <a:sym typeface="Arial"/>
         </a:defRPr>
       </a:lvl8pPr>
-      <a:lvl9pPr lvl="8" marR="0" rtl="0" algn="l">
+      <a:lvl9pPr marR="0" lvl="8" algn="l" rtl="0">
         <a:lnSpc>
           <a:spcPct val="100000"/>
         </a:lnSpc>
@@ -4901,7 +5023,7 @@
           <a:srgbClr val="000000"/>
         </a:buClr>
         <a:buFont typeface="Arial"/>
-        <a:defRPr b="0" i="0" sz="1400" u="none" cap="none" strike="noStrike">
+        <a:defRPr sz="1400" b="0" i="0" u="none" strike="noStrike" cap="none">
           <a:solidFill>
             <a:srgbClr val="000000"/>
           </a:solidFill>
@@ -4913,7 +5035,7 @@
       </a:lvl9pPr>
     </p:titleStyle>
     <p:bodyStyle>
-      <a:defPPr lvl="0" marR="0" rtl="0" algn="l">
+      <a:defPPr marR="0" lvl="0" algn="l" rtl="0">
         <a:lnSpc>
           <a:spcPct val="100000"/>
         </a:lnSpc>
@@ -4924,7 +5046,7 @@
           <a:spcPts val="0"/>
         </a:spcAft>
       </a:defPPr>
-      <a:lvl1pPr lvl="0" marR="0" rtl="0" algn="l">
+      <a:lvl1pPr marR="0" lvl="0" algn="l" rtl="0">
         <a:lnSpc>
           <a:spcPct val="100000"/>
         </a:lnSpc>
@@ -4938,7 +5060,7 @@
           <a:srgbClr val="000000"/>
         </a:buClr>
         <a:buFont typeface="Arial"/>
-        <a:defRPr b="0" i="0" sz="1400" u="none" cap="none" strike="noStrike">
+        <a:defRPr sz="1400" b="0" i="0" u="none" strike="noStrike" cap="none">
           <a:solidFill>
             <a:srgbClr val="000000"/>
           </a:solidFill>
@@ -4948,7 +5070,7 @@
           <a:sym typeface="Arial"/>
         </a:defRPr>
       </a:lvl1pPr>
-      <a:lvl2pPr lvl="1" marR="0" rtl="0" algn="l">
+      <a:lvl2pPr marR="0" lvl="1" algn="l" rtl="0">
         <a:lnSpc>
           <a:spcPct val="100000"/>
         </a:lnSpc>
@@ -4962,7 +5084,7 @@
           <a:srgbClr val="000000"/>
         </a:buClr>
         <a:buFont typeface="Arial"/>
-        <a:defRPr b="0" i="0" sz="1400" u="none" cap="none" strike="noStrike">
+        <a:defRPr sz="1400" b="0" i="0" u="none" strike="noStrike" cap="none">
           <a:solidFill>
             <a:srgbClr val="000000"/>
           </a:solidFill>
@@ -4972,7 +5094,7 @@
           <a:sym typeface="Arial"/>
         </a:defRPr>
       </a:lvl2pPr>
-      <a:lvl3pPr lvl="2" marR="0" rtl="0" algn="l">
+      <a:lvl3pPr marR="0" lvl="2" algn="l" rtl="0">
         <a:lnSpc>
           <a:spcPct val="100000"/>
         </a:lnSpc>
@@ -4986,7 +5108,7 @@
           <a:srgbClr val="000000"/>
         </a:buClr>
         <a:buFont typeface="Arial"/>
-        <a:defRPr b="0" i="0" sz="1400" u="none" cap="none" strike="noStrike">
+        <a:defRPr sz="1400" b="0" i="0" u="none" strike="noStrike" cap="none">
           <a:solidFill>
             <a:srgbClr val="000000"/>
           </a:solidFill>
@@ -4996,7 +5118,7 @@
           <a:sym typeface="Arial"/>
         </a:defRPr>
       </a:lvl3pPr>
-      <a:lvl4pPr lvl="3" marR="0" rtl="0" algn="l">
+      <a:lvl4pPr marR="0" lvl="3" algn="l" rtl="0">
         <a:lnSpc>
           <a:spcPct val="100000"/>
         </a:lnSpc>
@@ -5010,7 +5132,7 @@
           <a:srgbClr val="000000"/>
         </a:buClr>
         <a:buFont typeface="Arial"/>
-        <a:defRPr b="0" i="0" sz="1400" u="none" cap="none" strike="noStrike">
+        <a:defRPr sz="1400" b="0" i="0" u="none" strike="noStrike" cap="none">
           <a:solidFill>
             <a:srgbClr val="000000"/>
           </a:solidFill>
@@ -5020,7 +5142,7 @@
           <a:sym typeface="Arial"/>
         </a:defRPr>
       </a:lvl4pPr>
-      <a:lvl5pPr lvl="4" marR="0" rtl="0" algn="l">
+      <a:lvl5pPr marR="0" lvl="4" algn="l" rtl="0">
         <a:lnSpc>
           <a:spcPct val="100000"/>
         </a:lnSpc>
@@ -5034,7 +5156,7 @@
           <a:srgbClr val="000000"/>
         </a:buClr>
         <a:buFont typeface="Arial"/>
-        <a:defRPr b="0" i="0" sz="1400" u="none" cap="none" strike="noStrike">
+        <a:defRPr sz="1400" b="0" i="0" u="none" strike="noStrike" cap="none">
           <a:solidFill>
             <a:srgbClr val="000000"/>
           </a:solidFill>
@@ -5044,7 +5166,7 @@
           <a:sym typeface="Arial"/>
         </a:defRPr>
       </a:lvl5pPr>
-      <a:lvl6pPr lvl="5" marR="0" rtl="0" algn="l">
+      <a:lvl6pPr marR="0" lvl="5" algn="l" rtl="0">
         <a:lnSpc>
           <a:spcPct val="100000"/>
         </a:lnSpc>
@@ -5058,7 +5180,7 @@
           <a:srgbClr val="000000"/>
         </a:buClr>
         <a:buFont typeface="Arial"/>
-        <a:defRPr b="0" i="0" sz="1400" u="none" cap="none" strike="noStrike">
+        <a:defRPr sz="1400" b="0" i="0" u="none" strike="noStrike" cap="none">
           <a:solidFill>
             <a:srgbClr val="000000"/>
           </a:solidFill>
@@ -5068,7 +5190,7 @@
           <a:sym typeface="Arial"/>
         </a:defRPr>
       </a:lvl6pPr>
-      <a:lvl7pPr lvl="6" marR="0" rtl="0" algn="l">
+      <a:lvl7pPr marR="0" lvl="6" algn="l" rtl="0">
         <a:lnSpc>
           <a:spcPct val="100000"/>
         </a:lnSpc>
@@ -5082,7 +5204,7 @@
           <a:srgbClr val="000000"/>
         </a:buClr>
         <a:buFont typeface="Arial"/>
-        <a:defRPr b="0" i="0" sz="1400" u="none" cap="none" strike="noStrike">
+        <a:defRPr sz="1400" b="0" i="0" u="none" strike="noStrike" cap="none">
           <a:solidFill>
             <a:srgbClr val="000000"/>
           </a:solidFill>
@@ -5092,7 +5214,7 @@
           <a:sym typeface="Arial"/>
         </a:defRPr>
       </a:lvl7pPr>
-      <a:lvl8pPr lvl="7" marR="0" rtl="0" algn="l">
+      <a:lvl8pPr marR="0" lvl="7" algn="l" rtl="0">
         <a:lnSpc>
           <a:spcPct val="100000"/>
         </a:lnSpc>
@@ -5106,7 +5228,7 @@
           <a:srgbClr val="000000"/>
         </a:buClr>
         <a:buFont typeface="Arial"/>
-        <a:defRPr b="0" i="0" sz="1400" u="none" cap="none" strike="noStrike">
+        <a:defRPr sz="1400" b="0" i="0" u="none" strike="noStrike" cap="none">
           <a:solidFill>
             <a:srgbClr val="000000"/>
           </a:solidFill>
@@ -5116,7 +5238,7 @@
           <a:sym typeface="Arial"/>
         </a:defRPr>
       </a:lvl8pPr>
-      <a:lvl9pPr lvl="8" marR="0" rtl="0" algn="l">
+      <a:lvl9pPr marR="0" lvl="8" algn="l" rtl="0">
         <a:lnSpc>
           <a:spcPct val="100000"/>
         </a:lnSpc>
@@ -5130,7 +5252,7 @@
           <a:srgbClr val="000000"/>
         </a:buClr>
         <a:buFont typeface="Arial"/>
-        <a:defRPr b="0" i="0" sz="1400" u="none" cap="none" strike="noStrike">
+        <a:defRPr sz="1400" b="0" i="0" u="none" strike="noStrike" cap="none">
           <a:solidFill>
             <a:srgbClr val="000000"/>
           </a:solidFill>
@@ -5142,7 +5264,7 @@
       </a:lvl9pPr>
     </p:bodyStyle>
     <p:otherStyle>
-      <a:defPPr lvl="0" marR="0" rtl="0" algn="l">
+      <a:defPPr marR="0" lvl="0" algn="l" rtl="0">
         <a:lnSpc>
           <a:spcPct val="100000"/>
         </a:lnSpc>
@@ -5153,7 +5275,7 @@
           <a:spcPts val="0"/>
         </a:spcAft>
       </a:defPPr>
-      <a:lvl1pPr lvl="0" marR="0" rtl="0" algn="l">
+      <a:lvl1pPr marR="0" lvl="0" algn="l" rtl="0">
         <a:lnSpc>
           <a:spcPct val="100000"/>
         </a:lnSpc>
@@ -5167,7 +5289,7 @@
           <a:srgbClr val="000000"/>
         </a:buClr>
         <a:buFont typeface="Arial"/>
-        <a:defRPr b="0" i="0" sz="1400" u="none" cap="none" strike="noStrike">
+        <a:defRPr sz="1400" b="0" i="0" u="none" strike="noStrike" cap="none">
           <a:solidFill>
             <a:srgbClr val="000000"/>
           </a:solidFill>
@@ -5177,7 +5299,7 @@
           <a:sym typeface="Arial"/>
         </a:defRPr>
       </a:lvl1pPr>
-      <a:lvl2pPr lvl="1" marR="0" rtl="0" algn="l">
+      <a:lvl2pPr marR="0" lvl="1" algn="l" rtl="0">
         <a:lnSpc>
           <a:spcPct val="100000"/>
         </a:lnSpc>
@@ -5191,7 +5313,7 @@
           <a:srgbClr val="000000"/>
         </a:buClr>
         <a:buFont typeface="Arial"/>
-        <a:defRPr b="0" i="0" sz="1400" u="none" cap="none" strike="noStrike">
+        <a:defRPr sz="1400" b="0" i="0" u="none" strike="noStrike" cap="none">
           <a:solidFill>
             <a:srgbClr val="000000"/>
           </a:solidFill>
@@ -5201,7 +5323,7 @@
           <a:sym typeface="Arial"/>
         </a:defRPr>
       </a:lvl2pPr>
-      <a:lvl3pPr lvl="2" marR="0" rtl="0" algn="l">
+      <a:lvl3pPr marR="0" lvl="2" algn="l" rtl="0">
         <a:lnSpc>
           <a:spcPct val="100000"/>
         </a:lnSpc>
@@ -5215,7 +5337,7 @@
           <a:srgbClr val="000000"/>
         </a:buClr>
         <a:buFont typeface="Arial"/>
-        <a:defRPr b="0" i="0" sz="1400" u="none" cap="none" strike="noStrike">
+        <a:defRPr sz="1400" b="0" i="0" u="none" strike="noStrike" cap="none">
           <a:solidFill>
             <a:srgbClr val="000000"/>
           </a:solidFill>
@@ -5225,7 +5347,7 @@
           <a:sym typeface="Arial"/>
         </a:defRPr>
       </a:lvl3pPr>
-      <a:lvl4pPr lvl="3" marR="0" rtl="0" algn="l">
+      <a:lvl4pPr marR="0" lvl="3" algn="l" rtl="0">
         <a:lnSpc>
           <a:spcPct val="100000"/>
         </a:lnSpc>
@@ -5239,7 +5361,7 @@
           <a:srgbClr val="000000"/>
         </a:buClr>
         <a:buFont typeface="Arial"/>
-        <a:defRPr b="0" i="0" sz="1400" u="none" cap="none" strike="noStrike">
+        <a:defRPr sz="1400" b="0" i="0" u="none" strike="noStrike" cap="none">
           <a:solidFill>
             <a:srgbClr val="000000"/>
           </a:solidFill>
@@ -5249,7 +5371,7 @@
           <a:sym typeface="Arial"/>
         </a:defRPr>
       </a:lvl4pPr>
-      <a:lvl5pPr lvl="4" marR="0" rtl="0" algn="l">
+      <a:lvl5pPr marR="0" lvl="4" algn="l" rtl="0">
         <a:lnSpc>
           <a:spcPct val="100000"/>
         </a:lnSpc>
@@ -5263,7 +5385,7 @@
           <a:srgbClr val="000000"/>
         </a:buClr>
         <a:buFont typeface="Arial"/>
-        <a:defRPr b="0" i="0" sz="1400" u="none" cap="none" strike="noStrike">
+        <a:defRPr sz="1400" b="0" i="0" u="none" strike="noStrike" cap="none">
           <a:solidFill>
             <a:srgbClr val="000000"/>
           </a:solidFill>
@@ -5273,7 +5395,7 @@
           <a:sym typeface="Arial"/>
         </a:defRPr>
       </a:lvl5pPr>
-      <a:lvl6pPr lvl="5" marR="0" rtl="0" algn="l">
+      <a:lvl6pPr marR="0" lvl="5" algn="l" rtl="0">
         <a:lnSpc>
           <a:spcPct val="100000"/>
         </a:lnSpc>
@@ -5287,7 +5409,7 @@
           <a:srgbClr val="000000"/>
         </a:buClr>
         <a:buFont typeface="Arial"/>
-        <a:defRPr b="0" i="0" sz="1400" u="none" cap="none" strike="noStrike">
+        <a:defRPr sz="1400" b="0" i="0" u="none" strike="noStrike" cap="none">
           <a:solidFill>
             <a:srgbClr val="000000"/>
           </a:solidFill>
@@ -5297,7 +5419,7 @@
           <a:sym typeface="Arial"/>
         </a:defRPr>
       </a:lvl6pPr>
-      <a:lvl7pPr lvl="6" marR="0" rtl="0" algn="l">
+      <a:lvl7pPr marR="0" lvl="6" algn="l" rtl="0">
         <a:lnSpc>
           <a:spcPct val="100000"/>
         </a:lnSpc>
@@ -5311,7 +5433,7 @@
           <a:srgbClr val="000000"/>
         </a:buClr>
         <a:buFont typeface="Arial"/>
-        <a:defRPr b="0" i="0" sz="1400" u="none" cap="none" strike="noStrike">
+        <a:defRPr sz="1400" b="0" i="0" u="none" strike="noStrike" cap="none">
           <a:solidFill>
             <a:srgbClr val="000000"/>
           </a:solidFill>
@@ -5321,7 +5443,7 @@
           <a:sym typeface="Arial"/>
         </a:defRPr>
       </a:lvl7pPr>
-      <a:lvl8pPr lvl="7" marR="0" rtl="0" algn="l">
+      <a:lvl8pPr marR="0" lvl="7" algn="l" rtl="0">
         <a:lnSpc>
           <a:spcPct val="100000"/>
         </a:lnSpc>
@@ -5335,7 +5457,7 @@
           <a:srgbClr val="000000"/>
         </a:buClr>
         <a:buFont typeface="Arial"/>
-        <a:defRPr b="0" i="0" sz="1400" u="none" cap="none" strike="noStrike">
+        <a:defRPr sz="1400" b="0" i="0" u="none" strike="noStrike" cap="none">
           <a:solidFill>
             <a:srgbClr val="000000"/>
           </a:solidFill>
@@ -5345,7 +5467,7 @@
           <a:sym typeface="Arial"/>
         </a:defRPr>
       </a:lvl8pPr>
-      <a:lvl9pPr lvl="8" marR="0" rtl="0" algn="l">
+      <a:lvl9pPr marR="0" lvl="8" algn="l" rtl="0">
         <a:lnSpc>
           <a:spcPct val="100000"/>
         </a:lnSpc>
@@ -5359,7 +5481,7 @@
           <a:srgbClr val="000000"/>
         </a:buClr>
         <a:buFont typeface="Arial"/>
-        <a:defRPr b="0" i="0" sz="1400" u="none" cap="none" strike="noStrike">
+        <a:defRPr sz="1400" b="0" i="0" u="none" strike="noStrike" cap="none">
           <a:solidFill>
             <a:srgbClr val="000000"/>
           </a:solidFill>
@@ -5375,11 +5497,11 @@
 </file>
 
 <file path=ppt/slides/slide1.xml><?xml version="1.0" encoding="utf-8"?>
-<p:sld xmlns:a="http://schemas.openxmlformats.org/drawingml/2006/main" xmlns:r="http://schemas.openxmlformats.org/officeDocument/2006/relationships" xmlns:mc="http://schemas.openxmlformats.org/markup-compatibility/2006" xmlns:mv="urn:schemas-microsoft-com:mac:vml" xmlns:p="http://schemas.openxmlformats.org/presentationml/2006/main" xmlns:c="http://schemas.openxmlformats.org/drawingml/2006/chart" xmlns:dgm="http://schemas.openxmlformats.org/drawingml/2006/diagram" xmlns:o="urn:schemas-microsoft-com:office:office" xmlns:v="urn:schemas-microsoft-com:vml" xmlns:pvml="urn:schemas-microsoft-com:office:powerpoint" xmlns:com="http://schemas.openxmlformats.org/drawingml/2006/compatibility" xmlns:p14="http://schemas.microsoft.com/office/powerpoint/2010/main" xmlns:p15="http://schemas.microsoft.com/office/powerpoint/2012/main">
+<p:sld xmlns:a="http://schemas.openxmlformats.org/drawingml/2006/main" xmlns:r="http://schemas.openxmlformats.org/officeDocument/2006/relationships" xmlns:p="http://schemas.openxmlformats.org/presentationml/2006/main">
   <p:cSld>
     <p:spTree>
       <p:nvGrpSpPr>
-        <p:cNvPr id="53" name="Shape 53"/>
+        <p:cNvPr id="1" name="Shape 53"/>
         <p:cNvGrpSpPr/>
         <p:nvPr/>
       </p:nvGrpSpPr>
@@ -5411,12 +5533,12 @@
           </a:ln>
         </p:spPr>
         <p:txBody>
-          <a:bodyPr anchorCtr="0" anchor="ctr" bIns="91425" lIns="91425" spcFirstLastPara="1" rIns="91425" wrap="square" tIns="91425">
+          <a:bodyPr spcFirstLastPara="1" wrap="square" lIns="91425" tIns="91425" rIns="91425" bIns="91425" anchor="ctr" anchorCtr="0">
             <a:noAutofit/>
           </a:bodyPr>
           <a:lstStyle/>
           <a:p>
-            <a:pPr indent="0" lvl="0" marL="0" rtl="0">
+            <a:pPr marL="0" lvl="0" indent="0" rtl="0">
               <a:spcBef>
                 <a:spcPts val="0"/>
               </a:spcBef>
@@ -5426,7 +5548,7 @@
               <a:buNone/>
             </a:pPr>
             <a:r>
-              <a:rPr b="1" lang="en-GB" sz="1600">
+              <a:rPr lang="en-GB" sz="1600" b="1" dirty="0">
                 <a:solidFill>
                   <a:schemeClr val="dk1"/>
                 </a:solidFill>
@@ -5437,7 +5559,7 @@
               </a:rPr>
               <a:t>Encoding &amp; playback:</a:t>
             </a:r>
-            <a:endParaRPr b="1" sz="1600">
+            <a:endParaRPr sz="1600" b="1" dirty="0">
               <a:solidFill>
                 <a:schemeClr val="dk1"/>
               </a:solidFill>
@@ -5448,7 +5570,7 @@
             </a:endParaRPr>
           </a:p>
           <a:p>
-            <a:pPr indent="0" lvl="0" marL="0" rtl="0">
+            <a:pPr marL="0" lvl="0" indent="0" rtl="0">
               <a:spcBef>
                 <a:spcPts val="0"/>
               </a:spcBef>
@@ -5458,7 +5580,7 @@
               <a:buNone/>
             </a:pPr>
             <a:r>
-              <a:rPr lang="en-GB" sz="1600">
+              <a:rPr lang="en-GB" sz="1600" dirty="0">
                 <a:solidFill>
                   <a:schemeClr val="dk1"/>
                 </a:solidFill>
@@ -5469,7 +5591,7 @@
               </a:rPr>
               <a:t>Tokens mapped to frequencies:</a:t>
             </a:r>
-            <a:endParaRPr sz="1600">
+            <a:endParaRPr sz="1600" dirty="0">
               <a:solidFill>
                 <a:schemeClr val="dk1"/>
               </a:solidFill>
@@ -5480,7 +5602,7 @@
             </a:endParaRPr>
           </a:p>
           <a:p>
-            <a:pPr indent="-330200" lvl="0" marL="914400" rtl="0">
+            <a:pPr marL="914400" lvl="0" indent="-330200" rtl="0">
               <a:spcBef>
                 <a:spcPts val="0"/>
               </a:spcBef>
@@ -5504,9 +5626,21 @@
                 <a:cs typeface="Times New Roman"/>
                 <a:sym typeface="Times New Roman"/>
               </a:rPr>
-              <a:t>Alphanum + start, next, end</a:t>
+              <a:t>AlphaNumeric </a:t>
             </a:r>
-            <a:endParaRPr sz="1600">
+            <a:r>
+              <a:rPr lang="en-GB" sz="1600" dirty="0">
+                <a:solidFill>
+                  <a:schemeClr val="dk1"/>
+                </a:solidFill>
+                <a:latin typeface="Times New Roman"/>
+                <a:ea typeface="Times New Roman"/>
+                <a:cs typeface="Times New Roman"/>
+                <a:sym typeface="Times New Roman"/>
+              </a:rPr>
+              <a:t>+ start, next, end</a:t>
+            </a:r>
+            <a:endParaRPr sz="1600" dirty="0">
               <a:solidFill>
                 <a:schemeClr val="dk1"/>
               </a:solidFill>
@@ -5517,7 +5651,7 @@
             </a:endParaRPr>
           </a:p>
           <a:p>
-            <a:pPr indent="0" lvl="0" marL="0">
+            <a:pPr marL="0" lvl="0" indent="0">
               <a:spcBef>
                 <a:spcPts val="0"/>
               </a:spcBef>
@@ -5527,7 +5661,7 @@
               <a:buNone/>
             </a:pPr>
             <a:r>
-              <a:rPr lang="en-GB" sz="1600">
+              <a:rPr lang="en-GB" sz="1600" dirty="0">
                 <a:solidFill>
                   <a:schemeClr val="dk1"/>
                 </a:solidFill>
@@ -5538,7 +5672,7 @@
               </a:rPr>
               <a:t>Frequency range: 700-14,000hz </a:t>
             </a:r>
-            <a:endParaRPr sz="1600">
+            <a:endParaRPr sz="1600" dirty="0">
               <a:solidFill>
                 <a:schemeClr val="dk1"/>
               </a:solidFill>
@@ -5549,7 +5683,7 @@
             </a:endParaRPr>
           </a:p>
           <a:p>
-            <a:pPr indent="-330200" lvl="0" marL="914400" rtl="0">
+            <a:pPr marL="914400" lvl="0" indent="-330200" rtl="0">
               <a:spcBef>
                 <a:spcPts val="0"/>
               </a:spcBef>
@@ -5564,7 +5698,7 @@
               <a:buChar char="-"/>
             </a:pPr>
             <a:r>
-              <a:rPr lang="en-GB" sz="1600">
+              <a:rPr lang="en-GB" sz="1600" dirty="0">
                 <a:solidFill>
                   <a:schemeClr val="dk1"/>
                 </a:solidFill>
@@ -5575,7 +5709,7 @@
               </a:rPr>
               <a:t>noise in low frequency</a:t>
             </a:r>
-            <a:endParaRPr sz="1600">
+            <a:endParaRPr sz="1600" dirty="0">
               <a:solidFill>
                 <a:schemeClr val="dk1"/>
               </a:solidFill>
@@ -5586,7 +5720,7 @@
             </a:endParaRPr>
           </a:p>
           <a:p>
-            <a:pPr indent="-330200" lvl="0" marL="914400" rtl="0">
+            <a:pPr marL="914400" lvl="0" indent="-330200" rtl="0">
               <a:spcBef>
                 <a:spcPts val="0"/>
               </a:spcBef>
@@ -5601,7 +5735,7 @@
               <a:buChar char="-"/>
             </a:pPr>
             <a:r>
-              <a:rPr lang="en-GB" sz="1600">
+              <a:rPr lang="en-GB" sz="1600" dirty="0">
                 <a:solidFill>
                   <a:schemeClr val="dk1"/>
                 </a:solidFill>
@@ -5612,7 +5746,7 @@
               </a:rPr>
               <a:t>14,000 is upper limit for most phone speakers</a:t>
             </a:r>
-            <a:endParaRPr sz="1600">
+            <a:endParaRPr sz="1600" dirty="0">
               <a:solidFill>
                 <a:schemeClr val="dk1"/>
               </a:solidFill>
@@ -5623,7 +5757,7 @@
             </a:endParaRPr>
           </a:p>
           <a:p>
-            <a:pPr indent="0" lvl="0" marL="0">
+            <a:pPr marL="0" lvl="0" indent="0">
               <a:spcBef>
                 <a:spcPts val="0"/>
               </a:spcBef>
@@ -5633,7 +5767,7 @@
               <a:buNone/>
             </a:pPr>
             <a:r>
-              <a:rPr lang="en-GB" sz="1600">
+              <a:rPr lang="en-GB" sz="1600" dirty="0">
                 <a:solidFill>
                   <a:schemeClr val="dk1"/>
                 </a:solidFill>
@@ -5644,7 +5778,7 @@
               </a:rPr>
               <a:t>Use 'next' token to separate each token</a:t>
             </a:r>
-            <a:endParaRPr sz="1600">
+            <a:endParaRPr sz="1600" dirty="0">
               <a:solidFill>
                 <a:schemeClr val="dk1"/>
               </a:solidFill>
@@ -5655,7 +5789,7 @@
             </a:endParaRPr>
           </a:p>
           <a:p>
-            <a:pPr indent="0" lvl="0" marL="0">
+            <a:pPr marL="0" lvl="0" indent="0">
               <a:spcBef>
                 <a:spcPts val="0"/>
               </a:spcBef>
@@ -5665,7 +5799,7 @@
               <a:buNone/>
             </a:pPr>
             <a:r>
-              <a:rPr lang="en-GB" sz="1600">
+              <a:rPr lang="en-GB" sz="1600" dirty="0">
                 <a:solidFill>
                   <a:schemeClr val="dk1"/>
                 </a:solidFill>
@@ -5677,7 +5811,7 @@
               <a:t>Example of message "ab" : </a:t>
             </a:r>
             <a:r>
-              <a:rPr b="1" lang="en-GB" sz="1600">
+              <a:rPr lang="en-GB" sz="1600" b="1" dirty="0">
                 <a:solidFill>
                   <a:schemeClr val="dk1"/>
                 </a:solidFill>
@@ -5686,45 +5820,9 @@
                 <a:cs typeface="Times New Roman"/>
                 <a:sym typeface="Times New Roman"/>
               </a:rPr>
-              <a:t>s</a:t>
+              <a:t>start, next, a, next, b, next, end</a:t>
             </a:r>
-            <a:r>
-              <a:rPr b="1" lang="en-GB" sz="1600">
-                <a:solidFill>
-                  <a:schemeClr val="dk1"/>
-                </a:solidFill>
-                <a:latin typeface="Times New Roman"/>
-                <a:ea typeface="Times New Roman"/>
-                <a:cs typeface="Times New Roman"/>
-                <a:sym typeface="Times New Roman"/>
-              </a:rPr>
-              <a:t>tart, </a:t>
-            </a:r>
-            <a:r>
-              <a:rPr b="1" lang="en-GB" sz="1600">
-                <a:solidFill>
-                  <a:schemeClr val="dk1"/>
-                </a:solidFill>
-                <a:latin typeface="Times New Roman"/>
-                <a:ea typeface="Times New Roman"/>
-                <a:cs typeface="Times New Roman"/>
-                <a:sym typeface="Times New Roman"/>
-              </a:rPr>
-              <a:t>n</a:t>
-            </a:r>
-            <a:r>
-              <a:rPr b="1" lang="en-GB" sz="1600">
-                <a:solidFill>
-                  <a:schemeClr val="dk1"/>
-                </a:solidFill>
-                <a:latin typeface="Times New Roman"/>
-                <a:ea typeface="Times New Roman"/>
-                <a:cs typeface="Times New Roman"/>
-                <a:sym typeface="Times New Roman"/>
-              </a:rPr>
-              <a:t>ext, a, next, b, next, end</a:t>
-            </a:r>
-            <a:endParaRPr b="1" sz="1600">
+            <a:endParaRPr sz="1600" b="1" dirty="0">
               <a:solidFill>
                 <a:schemeClr val="dk1"/>
               </a:solidFill>
@@ -5735,7 +5833,7 @@
             </a:endParaRPr>
           </a:p>
           <a:p>
-            <a:pPr indent="0" lvl="0" marL="0" rtl="0">
+            <a:pPr marL="0" lvl="0" indent="0" rtl="0">
               <a:spcBef>
                 <a:spcPts val="0"/>
               </a:spcBef>
@@ -5745,7 +5843,7 @@
               <a:buNone/>
             </a:pPr>
             <a:r>
-              <a:rPr lang="en-GB" sz="1600">
+              <a:rPr lang="en-GB" sz="1600" dirty="0">
                 <a:solidFill>
                   <a:schemeClr val="dk1"/>
                 </a:solidFill>
@@ -5756,7 +5854,7 @@
               </a:rPr>
               <a:t>Each token plays for 0.75s </a:t>
             </a:r>
-            <a:endParaRPr b="1" sz="1600">
+            <a:endParaRPr sz="1600" b="1" dirty="0">
               <a:solidFill>
                 <a:schemeClr val="dk1"/>
               </a:solidFill>
@@ -5767,7 +5865,7 @@
             </a:endParaRPr>
           </a:p>
           <a:p>
-            <a:pPr indent="0" lvl="0" marL="0" rtl="0">
+            <a:pPr marL="0" lvl="0" indent="0" rtl="0">
               <a:spcBef>
                 <a:spcPts val="0"/>
               </a:spcBef>
@@ -5776,10 +5874,7 @@
               </a:spcAft>
               <a:buNone/>
             </a:pPr>
-            <a:r>
-              <a:t/>
-            </a:r>
-            <a:endParaRPr sz="600">
+            <a:endParaRPr sz="600" dirty="0">
               <a:solidFill>
                 <a:schemeClr val="dk1"/>
               </a:solidFill>
@@ -5790,7 +5885,7 @@
             </a:endParaRPr>
           </a:p>
           <a:p>
-            <a:pPr indent="0" lvl="0" marL="0" rtl="0">
+            <a:pPr marL="0" lvl="0" indent="0" rtl="0">
               <a:spcBef>
                 <a:spcPts val="0"/>
               </a:spcBef>
@@ -5800,7 +5895,7 @@
               <a:buNone/>
             </a:pPr>
             <a:r>
-              <a:rPr b="1" lang="en-GB" sz="1600">
+              <a:rPr lang="en-GB" sz="1600" b="1" dirty="0">
                 <a:solidFill>
                   <a:schemeClr val="dk1"/>
                 </a:solidFill>
@@ -5811,7 +5906,7 @@
               </a:rPr>
               <a:t>Detecting frequencies:</a:t>
             </a:r>
-            <a:endParaRPr b="1" sz="1600">
+            <a:endParaRPr sz="1600" b="1" dirty="0">
               <a:solidFill>
                 <a:schemeClr val="dk1"/>
               </a:solidFill>
@@ -5822,7 +5917,7 @@
             </a:endParaRPr>
           </a:p>
           <a:p>
-            <a:pPr indent="0" lvl="0" marL="0" rtl="0">
+            <a:pPr marL="0" lvl="0" indent="0" rtl="0">
               <a:spcBef>
                 <a:spcPts val="0"/>
               </a:spcBef>
@@ -5832,7 +5927,7 @@
               <a:buNone/>
             </a:pPr>
             <a:r>
-              <a:rPr lang="en-GB" sz="1600">
+              <a:rPr lang="en-GB" sz="1600" dirty="0">
                 <a:solidFill>
                   <a:schemeClr val="dk1"/>
                 </a:solidFill>
@@ -5843,7 +5938,7 @@
               </a:rPr>
               <a:t>Run FFT to pick out the largest frequency.</a:t>
             </a:r>
-            <a:endParaRPr sz="1600">
+            <a:endParaRPr sz="1600" dirty="0">
               <a:solidFill>
                 <a:schemeClr val="dk1"/>
               </a:solidFill>
@@ -5854,7 +5949,7 @@
             </a:endParaRPr>
           </a:p>
           <a:p>
-            <a:pPr indent="0" lvl="0" marL="0" rtl="0">
+            <a:pPr marL="0" lvl="0" indent="0" rtl="0">
               <a:spcBef>
                 <a:spcPts val="0"/>
               </a:spcBef>
@@ -5864,7 +5959,7 @@
               <a:buNone/>
             </a:pPr>
             <a:r>
-              <a:rPr lang="en-GB" sz="1600">
+              <a:rPr lang="en-GB" sz="1600" dirty="0">
                 <a:solidFill>
                   <a:schemeClr val="dk1"/>
                 </a:solidFill>
@@ -5875,7 +5970,7 @@
               </a:rPr>
               <a:t>Sampling frequency = 40k</a:t>
             </a:r>
-            <a:endParaRPr sz="1600">
+            <a:endParaRPr sz="1600" dirty="0">
               <a:solidFill>
                 <a:schemeClr val="dk1"/>
               </a:solidFill>
@@ -5886,7 +5981,7 @@
             </a:endParaRPr>
           </a:p>
           <a:p>
-            <a:pPr indent="0" lvl="0" marL="0" rtl="0">
+            <a:pPr marL="0" lvl="0" indent="0" rtl="0">
               <a:spcBef>
                 <a:spcPts val="0"/>
               </a:spcBef>
@@ -5896,7 +5991,7 @@
               <a:buNone/>
             </a:pPr>
             <a:r>
-              <a:rPr lang="en-GB" sz="1600">
+              <a:rPr lang="en-GB" sz="1600" dirty="0">
                 <a:solidFill>
                   <a:schemeClr val="dk1"/>
                 </a:solidFill>
@@ -5907,7 +6002,7 @@
               </a:rPr>
               <a:t>For every 2560 values:</a:t>
             </a:r>
-            <a:endParaRPr sz="1600">
+            <a:endParaRPr sz="1600" dirty="0">
               <a:solidFill>
                 <a:schemeClr val="dk1"/>
               </a:solidFill>
@@ -5918,7 +6013,7 @@
             </a:endParaRPr>
           </a:p>
           <a:p>
-            <a:pPr indent="-330200" lvl="0" marL="914400" rtl="0">
+            <a:pPr marL="914400" lvl="0" indent="-330200" rtl="0">
               <a:spcBef>
                 <a:spcPts val="0"/>
               </a:spcBef>
@@ -5933,7 +6028,7 @@
               <a:buChar char="-"/>
             </a:pPr>
             <a:r>
-              <a:rPr lang="en-GB" sz="1600">
+              <a:rPr lang="en-GB" sz="1600" dirty="0">
                 <a:solidFill>
                   <a:schemeClr val="dk1"/>
                 </a:solidFill>
@@ -5944,7 +6039,7 @@
               </a:rPr>
               <a:t>Take 5 windows of 2048, spaced evenly away, and apply Hann window</a:t>
             </a:r>
-            <a:endParaRPr sz="1600">
+            <a:endParaRPr sz="1600" dirty="0">
               <a:solidFill>
                 <a:schemeClr val="dk1"/>
               </a:solidFill>
@@ -5955,7 +6050,7 @@
             </a:endParaRPr>
           </a:p>
           <a:p>
-            <a:pPr indent="-330200" lvl="0" marL="914400" rtl="0">
+            <a:pPr marL="914400" lvl="0" indent="-330200" rtl="0">
               <a:spcBef>
                 <a:spcPts val="0"/>
               </a:spcBef>
@@ -5970,7 +6065,7 @@
               <a:buChar char="-"/>
             </a:pPr>
             <a:r>
-              <a:rPr lang="en-GB" sz="1600">
+              <a:rPr lang="en-GB" sz="1600" dirty="0">
                 <a:solidFill>
                   <a:schemeClr val="dk1"/>
                 </a:solidFill>
@@ -5981,7 +6076,7 @@
               </a:rPr>
               <a:t>Perform FFT on all windows &amp; take the average</a:t>
             </a:r>
-            <a:endParaRPr sz="1600">
+            <a:endParaRPr sz="1600" dirty="0">
               <a:solidFill>
                 <a:schemeClr val="dk1"/>
               </a:solidFill>
@@ -5992,7 +6087,7 @@
             </a:endParaRPr>
           </a:p>
           <a:p>
-            <a:pPr indent="0" lvl="0" marL="0" rtl="0">
+            <a:pPr marL="0" lvl="0" indent="0" rtl="0">
               <a:spcBef>
                 <a:spcPts val="0"/>
               </a:spcBef>
@@ -6001,10 +6096,7 @@
               </a:spcAft>
               <a:buNone/>
             </a:pPr>
-            <a:r>
-              <a:t/>
-            </a:r>
-            <a:endParaRPr sz="600">
+            <a:endParaRPr sz="600" dirty="0">
               <a:solidFill>
                 <a:schemeClr val="dk1"/>
               </a:solidFill>
@@ -6015,7 +6107,7 @@
             </a:endParaRPr>
           </a:p>
           <a:p>
-            <a:pPr indent="0" lvl="0" marL="0" rtl="0">
+            <a:pPr marL="0" lvl="0" indent="0" rtl="0">
               <a:spcBef>
                 <a:spcPts val="0"/>
               </a:spcBef>
@@ -6025,7 +6117,7 @@
               <a:buNone/>
             </a:pPr>
             <a:r>
-              <a:rPr b="1" lang="en-GB" sz="1600">
+              <a:rPr lang="en-GB" sz="1600" b="1" dirty="0">
                 <a:solidFill>
                   <a:schemeClr val="dk1"/>
                 </a:solidFill>
@@ -6036,7 +6128,7 @@
               </a:rPr>
               <a:t>Eliminating noise:</a:t>
             </a:r>
-            <a:endParaRPr b="1" sz="1600">
+            <a:endParaRPr sz="1600" b="1" dirty="0">
               <a:solidFill>
                 <a:schemeClr val="dk1"/>
               </a:solidFill>
@@ -6047,7 +6139,7 @@
             </a:endParaRPr>
           </a:p>
           <a:p>
-            <a:pPr indent="0" lvl="0" marL="0" rtl="0">
+            <a:pPr marL="0" lvl="0" indent="0" rtl="0">
               <a:spcBef>
                 <a:spcPts val="0"/>
               </a:spcBef>
@@ -6057,7 +6149,7 @@
               <a:buNone/>
             </a:pPr>
             <a:r>
-              <a:rPr lang="en-GB" sz="1600">
+              <a:rPr lang="en-GB" sz="1600" dirty="0">
                 <a:solidFill>
                   <a:schemeClr val="dk1"/>
                 </a:solidFill>
@@ -6066,9 +6158,9 @@
                 <a:cs typeface="Times New Roman"/>
                 <a:sym typeface="Times New Roman"/>
               </a:rPr>
-              <a:t>Drop all characters that don’t come in at least pairs.</a:t>
+              <a:t>Drop all characters that don’t come in at least 3s.</a:t>
             </a:r>
-            <a:endParaRPr sz="1600">
+            <a:endParaRPr sz="1600" dirty="0">
               <a:solidFill>
                 <a:schemeClr val="dk1"/>
               </a:solidFill>
@@ -6079,7 +6171,7 @@
             </a:endParaRPr>
           </a:p>
           <a:p>
-            <a:pPr indent="-330200" lvl="0" marL="457200" rtl="0">
+            <a:pPr marL="457200" lvl="0" indent="-330200" rtl="0">
               <a:spcBef>
                 <a:spcPts val="0"/>
               </a:spcBef>
@@ -6094,7 +6186,7 @@
               <a:buChar char="-"/>
             </a:pPr>
             <a:r>
-              <a:rPr lang="en-GB" sz="1600">
+              <a:rPr lang="en-GB" sz="1600" dirty="0">
                 <a:solidFill>
                   <a:schemeClr val="dk1"/>
                 </a:solidFill>
@@ -6105,7 +6197,7 @@
               </a:rPr>
               <a:t>High frequency noise is short and non-periodic</a:t>
             </a:r>
-            <a:endParaRPr sz="1600">
+            <a:endParaRPr sz="1600" dirty="0">
               <a:solidFill>
                 <a:schemeClr val="dk1"/>
               </a:solidFill>
@@ -6116,7 +6208,7 @@
             </a:endParaRPr>
           </a:p>
           <a:p>
-            <a:pPr indent="0" lvl="0" marL="0">
+            <a:pPr marL="0" lvl="0" indent="0" rtl="0">
               <a:spcBef>
                 <a:spcPts val="0"/>
               </a:spcBef>
@@ -6126,7 +6218,45 @@
               <a:buNone/>
             </a:pPr>
             <a:r>
-              <a:rPr lang="en-GB" sz="1600">
+              <a:rPr lang="en-GB" sz="1600" dirty="0">
+                <a:solidFill>
+                  <a:schemeClr val="dk1"/>
+                </a:solidFill>
+                <a:latin typeface="Times New Roman"/>
+                <a:ea typeface="Times New Roman"/>
+                <a:cs typeface="Times New Roman"/>
+                <a:sym typeface="Times New Roman"/>
+              </a:rPr>
+              <a:t>Most frequent character in each character interval is the predicted character  (</a:t>
+            </a:r>
+            <a:r>
+              <a:rPr lang="en-GB" sz="1600" b="1" dirty="0">
+                <a:solidFill>
+                  <a:schemeClr val="dk1"/>
+                </a:solidFill>
+                <a:latin typeface="Times New Roman"/>
+                <a:ea typeface="Times New Roman"/>
+                <a:cs typeface="Times New Roman"/>
+                <a:sym typeface="Times New Roman"/>
+              </a:rPr>
+              <a:t>a in following example</a:t>
+            </a:r>
+            <a:r>
+              <a:rPr lang="en-GB" sz="1600" dirty="0">
+                <a:solidFill>
+                  <a:schemeClr val="dk1"/>
+                </a:solidFill>
+                <a:latin typeface="Times New Roman"/>
+                <a:ea typeface="Times New Roman"/>
+                <a:cs typeface="Times New Roman"/>
+                <a:sym typeface="Times New Roman"/>
+              </a:rPr>
+              <a:t>)</a:t>
+            </a:r>
+          </a:p>
+          <a:p>
+            <a:r>
+              <a:rPr lang="en-GB" sz="1600" dirty="0">
                 <a:solidFill>
                   <a:schemeClr val="dk1"/>
                 </a:solidFill>
@@ -6138,7 +6268,7 @@
               <a:t>Example input: </a:t>
             </a:r>
             <a:r>
-              <a:rPr b="1" lang="en-GB" sz="1600">
+              <a:rPr lang="en-GB" sz="1600" b="1" dirty="0">
                 <a:solidFill>
                   <a:schemeClr val="dk1"/>
                 </a:solidFill>
@@ -6147,10 +6277,10 @@
                 <a:cs typeface="Times New Roman"/>
                 <a:sym typeface="Times New Roman"/>
               </a:rPr>
-              <a:t>next, next, </a:t>
+              <a:t>next, next, next, </a:t>
             </a:r>
             <a:r>
-              <a:rPr b="1" lang="en-GB" sz="1600" u="sng">
+              <a:rPr lang="en-GB" sz="1600" b="1" u="sng" dirty="0">
                 <a:solidFill>
                   <a:schemeClr val="dk1"/>
                 </a:solidFill>
@@ -6162,7 +6292,7 @@
               <a:t>a, a, a, a, </a:t>
             </a:r>
             <a:r>
-              <a:rPr b="1" i="1" lang="en-GB" sz="1600" u="sng">
+              <a:rPr lang="en-GB" sz="1600" b="1" i="1" u="sng" dirty="0">
                 <a:solidFill>
                   <a:schemeClr val="dk1"/>
                 </a:solidFill>
@@ -6171,10 +6301,10 @@
                 <a:cs typeface="Times New Roman"/>
                 <a:sym typeface="Times New Roman"/>
               </a:rPr>
-              <a:t>b, b,</a:t>
+              <a:t>b, b, b,</a:t>
             </a:r>
             <a:r>
-              <a:rPr b="1" lang="en-GB" sz="1600" u="sng">
+              <a:rPr lang="en-GB" sz="1600" b="1" u="sng" dirty="0">
                 <a:solidFill>
                   <a:schemeClr val="dk1"/>
                 </a:solidFill>
@@ -6183,10 +6313,10 @@
                 <a:cs typeface="Times New Roman"/>
                 <a:sym typeface="Times New Roman"/>
               </a:rPr>
-              <a:t> a, a,</a:t>
+              <a:t> a, a, a,</a:t>
             </a:r>
             <a:r>
-              <a:rPr b="1" lang="en-GB" sz="1600">
+              <a:rPr lang="en-GB" sz="1600" b="1" dirty="0">
                 <a:solidFill>
                   <a:schemeClr val="dk1"/>
                 </a:solidFill>
@@ -6195,9 +6325,9 @@
                 <a:cs typeface="Times New Roman"/>
                 <a:sym typeface="Times New Roman"/>
               </a:rPr>
-              <a:t> next, next, </a:t>
+              <a:t> next, next, next</a:t>
             </a:r>
-            <a:endParaRPr b="1" sz="1600">
+            <a:endParaRPr sz="1600" dirty="0">
               <a:solidFill>
                 <a:schemeClr val="dk1"/>
               </a:solidFill>
@@ -6208,7 +6338,7 @@
             </a:endParaRPr>
           </a:p>
           <a:p>
-            <a:pPr indent="0" lvl="0" marL="0" rtl="0">
+            <a:pPr marL="0" lvl="0" indent="0" rtl="0">
               <a:spcBef>
                 <a:spcPts val="0"/>
               </a:spcBef>
@@ -6217,43 +6347,7 @@
               </a:spcAft>
               <a:buNone/>
             </a:pPr>
-            <a:r>
-              <a:rPr lang="en-GB" sz="1600">
-                <a:solidFill>
-                  <a:schemeClr val="dk1"/>
-                </a:solidFill>
-                <a:latin typeface="Times New Roman"/>
-                <a:ea typeface="Times New Roman"/>
-                <a:cs typeface="Times New Roman"/>
-                <a:sym typeface="Times New Roman"/>
-              </a:rPr>
-              <a:t>The most frequent character in each interval is the predicted character  (</a:t>
-            </a:r>
-            <a:r>
-              <a:rPr b="1" lang="en-GB" sz="1600">
-                <a:solidFill>
-                  <a:schemeClr val="dk1"/>
-                </a:solidFill>
-                <a:latin typeface="Times New Roman"/>
-                <a:ea typeface="Times New Roman"/>
-                <a:cs typeface="Times New Roman"/>
-                <a:sym typeface="Times New Roman"/>
-              </a:rPr>
-              <a:t>a in above example</a:t>
-            </a:r>
-            <a:r>
-              <a:rPr lang="en-GB" sz="1600">
-                <a:solidFill>
-                  <a:schemeClr val="dk1"/>
-                </a:solidFill>
-                <a:latin typeface="Times New Roman"/>
-                <a:ea typeface="Times New Roman"/>
-                <a:cs typeface="Times New Roman"/>
-                <a:sym typeface="Times New Roman"/>
-              </a:rPr>
-              <a:t>)</a:t>
-            </a:r>
-            <a:endParaRPr sz="1600">
+            <a:endParaRPr sz="1600" dirty="0">
               <a:solidFill>
                 <a:schemeClr val="dk1"/>
               </a:solidFill>
@@ -6264,7 +6358,7 @@
             </a:endParaRPr>
           </a:p>
           <a:p>
-            <a:pPr indent="0" lvl="0" marL="0" rtl="0">
+            <a:pPr marL="0" lvl="0" indent="0" rtl="0">
               <a:spcBef>
                 <a:spcPts val="0"/>
               </a:spcBef>
@@ -6273,33 +6367,7 @@
               </a:spcAft>
               <a:buNone/>
             </a:pPr>
-            <a:r>
-              <a:t/>
-            </a:r>
-            <a:endParaRPr sz="1600">
-              <a:solidFill>
-                <a:schemeClr val="dk1"/>
-              </a:solidFill>
-              <a:latin typeface="Times New Roman"/>
-              <a:ea typeface="Times New Roman"/>
-              <a:cs typeface="Times New Roman"/>
-              <a:sym typeface="Times New Roman"/>
-            </a:endParaRPr>
-          </a:p>
-          <a:p>
-            <a:pPr indent="0" lvl="0" marL="0" rtl="0">
-              <a:spcBef>
-                <a:spcPts val="0"/>
-              </a:spcBef>
-              <a:spcAft>
-                <a:spcPts val="0"/>
-              </a:spcAft>
-              <a:buNone/>
-            </a:pPr>
-            <a:r>
-              <a:t/>
-            </a:r>
-            <a:endParaRPr sz="1600">
+            <a:endParaRPr sz="1600" dirty="0">
               <a:solidFill>
                 <a:schemeClr val="dk1"/>
               </a:solidFill>
@@ -6320,7 +6388,7 @@
 </file>
 
 <file path=ppt/theme/theme1.xml><?xml version="1.0" encoding="utf-8"?>
-<a:theme xmlns:a="http://schemas.openxmlformats.org/drawingml/2006/main" xmlns:r="http://schemas.openxmlformats.org/officeDocument/2006/relationships" name="Simple Light">
+<a:theme xmlns:a="http://schemas.openxmlformats.org/drawingml/2006/main" name="Simple Light">
   <a:themeElements>
     <a:clrScheme name="Simple Light">
       <a:dk1>
@@ -6595,11 +6663,13 @@
       </a:bgFillStyleLst>
     </a:fmtScheme>
   </a:themeElements>
+  <a:objectDefaults/>
+  <a:extraClrSchemeLst/>
 </a:theme>
 </file>
 
 <file path=ppt/theme/theme2.xml><?xml version="1.0" encoding="utf-8"?>
-<a:theme xmlns:a="http://schemas.openxmlformats.org/drawingml/2006/main" xmlns:r="http://schemas.openxmlformats.org/officeDocument/2006/relationships">
+<a:theme xmlns:a="http://schemas.openxmlformats.org/drawingml/2006/main">
   <a:themeElements>
     <a:clrScheme name="Default">
       <a:dk1>
@@ -6874,5 +6944,7 @@
       </a:bgFillStyleLst>
     </a:fmtScheme>
   </a:themeElements>
+  <a:objectDefaults/>
+  <a:extraClrSchemeLst/>
 </a:theme>
 </file>